--- a/01books/KubernetesInAction/Chapter1&2/k8s学习分享第一周.pptx
+++ b/01books/KubernetesInAction/Chapter1&2/k8s学习分享第一周.pptx
@@ -2,7 +2,7 @@
 <file path=ppt/presentation.xml><?xml version="1.0" encoding="utf-8"?>
 <p:presentation xmlns:a="http://schemas.openxmlformats.org/drawingml/2006/main" xmlns:r="http://schemas.openxmlformats.org/officeDocument/2006/relationships" xmlns:p="http://schemas.openxmlformats.org/presentationml/2006/main" showSpecialPlsOnTitleSld="0">
   <p:sldMasterIdLst>
-    <p:sldMasterId id="2147483648" r:id="rId1"/>
+    <p:sldMasterId id="2147483652" r:id="rId1"/>
   </p:sldMasterIdLst>
   <p:notesMasterIdLst>
     <p:notesMasterId r:id="rId26"/>
@@ -7626,1147 +7626,8 @@
       </dsp:nvSpPr>
       <dsp:spPr>
         <a:xfrm>
-          <a:off x="0" y="148334"/>
-          <a:ext cx="3075504" cy="314803"/>
-        </a:xfrm>
-        <a:prstGeom prst="roundRect">
-          <a:avLst/>
-        </a:prstGeom>
-        <a:solidFill>
-          <a:schemeClr val="accent1">
-            <a:hueOff val="0"/>
-            <a:satOff val="0"/>
-            <a:lumOff val="0"/>
-            <a:alphaOff val="0"/>
-          </a:schemeClr>
-        </a:solidFill>
-        <a:ln w="12700" cap="flat" cmpd="sng" algn="ctr">
-          <a:solidFill>
-            <a:schemeClr val="lt1">
-              <a:hueOff val="0"/>
-              <a:satOff val="0"/>
-              <a:lumOff val="0"/>
-              <a:alphaOff val="0"/>
-            </a:schemeClr>
-          </a:solidFill>
-          <a:prstDash val="solid"/>
-          <a:miter lim="800000"/>
-        </a:ln>
-        <a:effectLst/>
-      </dsp:spPr>
-      <dsp:style>
-        <a:lnRef idx="2">
-          <a:scrgbClr r="0" g="0" b="0"/>
-        </a:lnRef>
-        <a:fillRef idx="1">
-          <a:scrgbClr r="0" g="0" b="0"/>
-        </a:fillRef>
-        <a:effectRef idx="0">
-          <a:scrgbClr r="0" g="0" b="0"/>
-        </a:effectRef>
-        <a:fontRef idx="minor">
-          <a:schemeClr val="lt1"/>
-        </a:fontRef>
-      </dsp:style>
-      <dsp:txBody>
-        <a:bodyPr spcFirstLastPara="0" vert="horz" wrap="square" lIns="38100" tIns="38100" rIns="38100" bIns="38100" numCol="1" spcCol="1270" anchor="ctr" anchorCtr="0">
-          <a:noAutofit/>
-        </a:bodyPr>
-        <a:lstStyle/>
-        <a:p>
-          <a:pPr marL="0" lvl="0" indent="0" algn="l" defTabSz="444500">
-            <a:lnSpc>
-              <a:spcPct val="90000"/>
-            </a:lnSpc>
-            <a:spcBef>
-              <a:spcPct val="0"/>
-            </a:spcBef>
-            <a:spcAft>
-              <a:spcPct val="35000"/>
-            </a:spcAft>
-            <a:buNone/>
-          </a:pPr>
-          <a:r>
-            <a:rPr lang="en-US" sz="1000" kern="1200"/>
-            <a:t>1.docker run --name hjs –d –p 8080:8080</a:t>
-          </a:r>
-          <a:endParaRPr lang="zh-CN" sz="1000" kern="1200"/>
-        </a:p>
-      </dsp:txBody>
-      <dsp:txXfrm>
-        <a:off x="15367" y="163701"/>
-        <a:ext cx="3044770" cy="284069"/>
-      </dsp:txXfrm>
-    </dsp:sp>
-    <dsp:sp modelId="{FF221544-2CA6-4F7B-AC6C-8CB776A3BC23}">
-      <dsp:nvSpPr>
-        <dsp:cNvPr id="0" name=""/>
-        <dsp:cNvSpPr/>
-      </dsp:nvSpPr>
-      <dsp:spPr>
-        <a:xfrm>
-          <a:off x="0" y="491937"/>
-          <a:ext cx="3075504" cy="314803"/>
-        </a:xfrm>
-        <a:prstGeom prst="roundRect">
-          <a:avLst/>
-        </a:prstGeom>
-        <a:solidFill>
-          <a:schemeClr val="accent1">
-            <a:hueOff val="0"/>
-            <a:satOff val="0"/>
-            <a:lumOff val="0"/>
-            <a:alphaOff val="0"/>
-          </a:schemeClr>
-        </a:solidFill>
-        <a:ln w="12700" cap="flat" cmpd="sng" algn="ctr">
-          <a:solidFill>
-            <a:schemeClr val="lt1">
-              <a:hueOff val="0"/>
-              <a:satOff val="0"/>
-              <a:lumOff val="0"/>
-              <a:alphaOff val="0"/>
-            </a:schemeClr>
-          </a:solidFill>
-          <a:prstDash val="solid"/>
-          <a:miter lim="800000"/>
-        </a:ln>
-        <a:effectLst/>
-      </dsp:spPr>
-      <dsp:style>
-        <a:lnRef idx="2">
-          <a:scrgbClr r="0" g="0" b="0"/>
-        </a:lnRef>
-        <a:fillRef idx="1">
-          <a:scrgbClr r="0" g="0" b="0"/>
-        </a:fillRef>
-        <a:effectRef idx="0">
-          <a:scrgbClr r="0" g="0" b="0"/>
-        </a:effectRef>
-        <a:fontRef idx="minor">
-          <a:schemeClr val="lt1"/>
-        </a:fontRef>
-      </dsp:style>
-      <dsp:txBody>
-        <a:bodyPr spcFirstLastPara="0" vert="horz" wrap="square" lIns="38100" tIns="38100" rIns="38100" bIns="38100" numCol="1" spcCol="1270" anchor="ctr" anchorCtr="0">
-          <a:noAutofit/>
-        </a:bodyPr>
-        <a:lstStyle/>
-        <a:p>
-          <a:pPr marL="0" lvl="0" indent="0" algn="l" defTabSz="444500">
-            <a:lnSpc>
-              <a:spcPct val="90000"/>
-            </a:lnSpc>
-            <a:spcBef>
-              <a:spcPct val="0"/>
-            </a:spcBef>
-            <a:spcAft>
-              <a:spcPct val="35000"/>
-            </a:spcAft>
-            <a:buNone/>
-          </a:pPr>
-          <a:r>
-            <a:rPr lang="en-US" sz="1000" kern="1200"/>
-            <a:t>Imagename:tag</a:t>
-          </a:r>
-          <a:endParaRPr lang="zh-CN" sz="1000" kern="1200"/>
-        </a:p>
-      </dsp:txBody>
-      <dsp:txXfrm>
-        <a:off x="15367" y="507304"/>
-        <a:ext cx="3044770" cy="284069"/>
-      </dsp:txXfrm>
-    </dsp:sp>
-    <dsp:sp modelId="{2E7AD299-A7BB-43A6-A55D-113065DB508F}">
-      <dsp:nvSpPr>
-        <dsp:cNvPr id="0" name=""/>
-        <dsp:cNvSpPr/>
-      </dsp:nvSpPr>
-      <dsp:spPr>
-        <a:xfrm>
-          <a:off x="0" y="835540"/>
-          <a:ext cx="3075504" cy="314803"/>
-        </a:xfrm>
-        <a:prstGeom prst="roundRect">
-          <a:avLst/>
-        </a:prstGeom>
-        <a:solidFill>
-          <a:schemeClr val="accent1">
-            <a:hueOff val="0"/>
-            <a:satOff val="0"/>
-            <a:lumOff val="0"/>
-            <a:alphaOff val="0"/>
-          </a:schemeClr>
-        </a:solidFill>
-        <a:ln w="12700" cap="flat" cmpd="sng" algn="ctr">
-          <a:solidFill>
-            <a:schemeClr val="lt1">
-              <a:hueOff val="0"/>
-              <a:satOff val="0"/>
-              <a:lumOff val="0"/>
-              <a:alphaOff val="0"/>
-            </a:schemeClr>
-          </a:solidFill>
-          <a:prstDash val="solid"/>
-          <a:miter lim="800000"/>
-        </a:ln>
-        <a:effectLst/>
-      </dsp:spPr>
-      <dsp:style>
-        <a:lnRef idx="2">
-          <a:scrgbClr r="0" g="0" b="0"/>
-        </a:lnRef>
-        <a:fillRef idx="1">
-          <a:scrgbClr r="0" g="0" b="0"/>
-        </a:fillRef>
-        <a:effectRef idx="0">
-          <a:scrgbClr r="0" g="0" b="0"/>
-        </a:effectRef>
-        <a:fontRef idx="minor">
-          <a:schemeClr val="lt1"/>
-        </a:fontRef>
-      </dsp:style>
-      <dsp:txBody>
-        <a:bodyPr spcFirstLastPara="0" vert="horz" wrap="square" lIns="38100" tIns="38100" rIns="38100" bIns="38100" numCol="1" spcCol="1270" anchor="ctr" anchorCtr="0">
-          <a:noAutofit/>
-        </a:bodyPr>
-        <a:lstStyle/>
-        <a:p>
-          <a:pPr marL="0" lvl="0" indent="0" algn="l" defTabSz="444500">
-            <a:lnSpc>
-              <a:spcPct val="90000"/>
-            </a:lnSpc>
-            <a:spcBef>
-              <a:spcPct val="0"/>
-            </a:spcBef>
-            <a:spcAft>
-              <a:spcPct val="35000"/>
-            </a:spcAft>
-            <a:buNone/>
-          </a:pPr>
-          <a:r>
-            <a:rPr lang="zh-CN" sz="1000" kern="1200"/>
-            <a:t>创建并运行</a:t>
-          </a:r>
-        </a:p>
-      </dsp:txBody>
-      <dsp:txXfrm>
-        <a:off x="15367" y="850907"/>
-        <a:ext cx="3044770" cy="284069"/>
-      </dsp:txXfrm>
-    </dsp:sp>
-    <dsp:sp modelId="{5C39591D-0B18-491A-9708-029C7AA6FDBD}">
-      <dsp:nvSpPr>
-        <dsp:cNvPr id="0" name=""/>
-        <dsp:cNvSpPr/>
-      </dsp:nvSpPr>
-      <dsp:spPr>
-        <a:xfrm>
-          <a:off x="0" y="1179143"/>
-          <a:ext cx="3075504" cy="314803"/>
-        </a:xfrm>
-        <a:prstGeom prst="roundRect">
-          <a:avLst/>
-        </a:prstGeom>
-        <a:solidFill>
-          <a:schemeClr val="accent1">
-            <a:hueOff val="0"/>
-            <a:satOff val="0"/>
-            <a:lumOff val="0"/>
-            <a:alphaOff val="0"/>
-          </a:schemeClr>
-        </a:solidFill>
-        <a:ln w="12700" cap="flat" cmpd="sng" algn="ctr">
-          <a:solidFill>
-            <a:schemeClr val="lt1">
-              <a:hueOff val="0"/>
-              <a:satOff val="0"/>
-              <a:lumOff val="0"/>
-              <a:alphaOff val="0"/>
-            </a:schemeClr>
-          </a:solidFill>
-          <a:prstDash val="solid"/>
-          <a:miter lim="800000"/>
-        </a:ln>
-        <a:effectLst/>
-      </dsp:spPr>
-      <dsp:style>
-        <a:lnRef idx="2">
-          <a:scrgbClr r="0" g="0" b="0"/>
-        </a:lnRef>
-        <a:fillRef idx="1">
-          <a:scrgbClr r="0" g="0" b="0"/>
-        </a:fillRef>
-        <a:effectRef idx="0">
-          <a:scrgbClr r="0" g="0" b="0"/>
-        </a:effectRef>
-        <a:fontRef idx="minor">
-          <a:schemeClr val="lt1"/>
-        </a:fontRef>
-      </dsp:style>
-      <dsp:txBody>
-        <a:bodyPr spcFirstLastPara="0" vert="horz" wrap="square" lIns="38100" tIns="38100" rIns="38100" bIns="38100" numCol="1" spcCol="1270" anchor="ctr" anchorCtr="0">
-          <a:noAutofit/>
-        </a:bodyPr>
-        <a:lstStyle/>
-        <a:p>
-          <a:pPr marL="0" lvl="0" indent="0" algn="l" defTabSz="444500">
-            <a:lnSpc>
-              <a:spcPct val="90000"/>
-            </a:lnSpc>
-            <a:spcBef>
-              <a:spcPct val="0"/>
-            </a:spcBef>
-            <a:spcAft>
-              <a:spcPct val="35000"/>
-            </a:spcAft>
-            <a:buNone/>
-          </a:pPr>
-          <a:r>
-            <a:rPr lang="en-US" sz="1000" kern="1200"/>
-            <a:t>--name </a:t>
-          </a:r>
-          <a:r>
-            <a:rPr lang="zh-CN" sz="1000" kern="1200"/>
-            <a:t>指定名字</a:t>
-          </a:r>
-        </a:p>
-      </dsp:txBody>
-      <dsp:txXfrm>
-        <a:off x="15367" y="1194510"/>
-        <a:ext cx="3044770" cy="284069"/>
-      </dsp:txXfrm>
-    </dsp:sp>
-    <dsp:sp modelId="{3FDF9540-3C5F-42F4-8A07-EAF93AB03365}">
-      <dsp:nvSpPr>
-        <dsp:cNvPr id="0" name=""/>
-        <dsp:cNvSpPr/>
-      </dsp:nvSpPr>
-      <dsp:spPr>
-        <a:xfrm>
-          <a:off x="0" y="1522747"/>
-          <a:ext cx="3075504" cy="314803"/>
-        </a:xfrm>
-        <a:prstGeom prst="roundRect">
-          <a:avLst/>
-        </a:prstGeom>
-        <a:solidFill>
-          <a:schemeClr val="accent1">
-            <a:hueOff val="0"/>
-            <a:satOff val="0"/>
-            <a:lumOff val="0"/>
-            <a:alphaOff val="0"/>
-          </a:schemeClr>
-        </a:solidFill>
-        <a:ln w="12700" cap="flat" cmpd="sng" algn="ctr">
-          <a:solidFill>
-            <a:schemeClr val="lt1">
-              <a:hueOff val="0"/>
-              <a:satOff val="0"/>
-              <a:lumOff val="0"/>
-              <a:alphaOff val="0"/>
-            </a:schemeClr>
-          </a:solidFill>
-          <a:prstDash val="solid"/>
-          <a:miter lim="800000"/>
-        </a:ln>
-        <a:effectLst/>
-      </dsp:spPr>
-      <dsp:style>
-        <a:lnRef idx="2">
-          <a:scrgbClr r="0" g="0" b="0"/>
-        </a:lnRef>
-        <a:fillRef idx="1">
-          <a:scrgbClr r="0" g="0" b="0"/>
-        </a:fillRef>
-        <a:effectRef idx="0">
-          <a:scrgbClr r="0" g="0" b="0"/>
-        </a:effectRef>
-        <a:fontRef idx="minor">
-          <a:schemeClr val="lt1"/>
-        </a:fontRef>
-      </dsp:style>
-      <dsp:txBody>
-        <a:bodyPr spcFirstLastPara="0" vert="horz" wrap="square" lIns="38100" tIns="38100" rIns="38100" bIns="38100" numCol="1" spcCol="1270" anchor="ctr" anchorCtr="0">
-          <a:noAutofit/>
-        </a:bodyPr>
-        <a:lstStyle/>
-        <a:p>
-          <a:pPr marL="0" lvl="0" indent="0" algn="l" defTabSz="444500">
-            <a:lnSpc>
-              <a:spcPct val="90000"/>
-            </a:lnSpc>
-            <a:spcBef>
-              <a:spcPct val="0"/>
-            </a:spcBef>
-            <a:spcAft>
-              <a:spcPct val="35000"/>
-            </a:spcAft>
-            <a:buNone/>
-          </a:pPr>
-          <a:r>
-            <a:rPr lang="en-US" sz="1000" kern="1200"/>
-            <a:t>d:</a:t>
-          </a:r>
-          <a:r>
-            <a:rPr lang="zh-CN" sz="1000" kern="1200"/>
-            <a:t> 后台运行</a:t>
-          </a:r>
-        </a:p>
-      </dsp:txBody>
-      <dsp:txXfrm>
-        <a:off x="15367" y="1538114"/>
-        <a:ext cx="3044770" cy="284069"/>
-      </dsp:txXfrm>
-    </dsp:sp>
-    <dsp:sp modelId="{99495173-CC0B-4C8D-A0EB-E33230C23E70}">
-      <dsp:nvSpPr>
-        <dsp:cNvPr id="0" name=""/>
-        <dsp:cNvSpPr/>
-      </dsp:nvSpPr>
-      <dsp:spPr>
-        <a:xfrm>
-          <a:off x="0" y="1866350"/>
-          <a:ext cx="3075504" cy="314803"/>
-        </a:xfrm>
-        <a:prstGeom prst="roundRect">
-          <a:avLst/>
-        </a:prstGeom>
-        <a:solidFill>
-          <a:schemeClr val="accent1">
-            <a:hueOff val="0"/>
-            <a:satOff val="0"/>
-            <a:lumOff val="0"/>
-            <a:alphaOff val="0"/>
-          </a:schemeClr>
-        </a:solidFill>
-        <a:ln w="12700" cap="flat" cmpd="sng" algn="ctr">
-          <a:solidFill>
-            <a:schemeClr val="lt1">
-              <a:hueOff val="0"/>
-              <a:satOff val="0"/>
-              <a:lumOff val="0"/>
-              <a:alphaOff val="0"/>
-            </a:schemeClr>
-          </a:solidFill>
-          <a:prstDash val="solid"/>
-          <a:miter lim="800000"/>
-        </a:ln>
-        <a:effectLst/>
-      </dsp:spPr>
-      <dsp:style>
-        <a:lnRef idx="2">
-          <a:scrgbClr r="0" g="0" b="0"/>
-        </a:lnRef>
-        <a:fillRef idx="1">
-          <a:scrgbClr r="0" g="0" b="0"/>
-        </a:fillRef>
-        <a:effectRef idx="0">
-          <a:scrgbClr r="0" g="0" b="0"/>
-        </a:effectRef>
-        <a:fontRef idx="minor">
-          <a:schemeClr val="lt1"/>
-        </a:fontRef>
-      </dsp:style>
-      <dsp:txBody>
-        <a:bodyPr spcFirstLastPara="0" vert="horz" wrap="square" lIns="38100" tIns="38100" rIns="38100" bIns="38100" numCol="1" spcCol="1270" anchor="ctr" anchorCtr="0">
-          <a:noAutofit/>
-        </a:bodyPr>
-        <a:lstStyle/>
-        <a:p>
-          <a:pPr marL="0" lvl="0" indent="0" algn="l" defTabSz="444500">
-            <a:lnSpc>
-              <a:spcPct val="90000"/>
-            </a:lnSpc>
-            <a:spcBef>
-              <a:spcPct val="0"/>
-            </a:spcBef>
-            <a:spcAft>
-              <a:spcPct val="35000"/>
-            </a:spcAft>
-            <a:buNone/>
-          </a:pPr>
-          <a:r>
-            <a:rPr lang="en-US" sz="1000" kern="1200"/>
-            <a:t>p: </a:t>
-          </a:r>
-          <a:r>
-            <a:rPr lang="zh-CN" sz="1000" kern="1200"/>
-            <a:t>端口映射</a:t>
-          </a:r>
-        </a:p>
-      </dsp:txBody>
-      <dsp:txXfrm>
-        <a:off x="15367" y="1881717"/>
-        <a:ext cx="3044770" cy="284069"/>
-      </dsp:txXfrm>
-    </dsp:sp>
-    <dsp:sp modelId="{B8502B97-3EBA-4C56-9295-0E3C2247BAFD}">
-      <dsp:nvSpPr>
-        <dsp:cNvPr id="0" name=""/>
-        <dsp:cNvSpPr/>
-      </dsp:nvSpPr>
-      <dsp:spPr>
-        <a:xfrm>
-          <a:off x="0" y="2209953"/>
-          <a:ext cx="3075504" cy="314803"/>
-        </a:xfrm>
-        <a:prstGeom prst="roundRect">
-          <a:avLst/>
-        </a:prstGeom>
-        <a:solidFill>
-          <a:schemeClr val="accent1">
-            <a:hueOff val="0"/>
-            <a:satOff val="0"/>
-            <a:lumOff val="0"/>
-            <a:alphaOff val="0"/>
-          </a:schemeClr>
-        </a:solidFill>
-        <a:ln w="12700" cap="flat" cmpd="sng" algn="ctr">
-          <a:solidFill>
-            <a:schemeClr val="lt1">
-              <a:hueOff val="0"/>
-              <a:satOff val="0"/>
-              <a:lumOff val="0"/>
-              <a:alphaOff val="0"/>
-            </a:schemeClr>
-          </a:solidFill>
-          <a:prstDash val="solid"/>
-          <a:miter lim="800000"/>
-        </a:ln>
-        <a:effectLst/>
-      </dsp:spPr>
-      <dsp:style>
-        <a:lnRef idx="2">
-          <a:scrgbClr r="0" g="0" b="0"/>
-        </a:lnRef>
-        <a:fillRef idx="1">
-          <a:scrgbClr r="0" g="0" b="0"/>
-        </a:fillRef>
-        <a:effectRef idx="0">
-          <a:scrgbClr r="0" g="0" b="0"/>
-        </a:effectRef>
-        <a:fontRef idx="minor">
-          <a:schemeClr val="lt1"/>
-        </a:fontRef>
-      </dsp:style>
-      <dsp:txBody>
-        <a:bodyPr spcFirstLastPara="0" vert="horz" wrap="square" lIns="38100" tIns="38100" rIns="38100" bIns="38100" numCol="1" spcCol="1270" anchor="ctr" anchorCtr="0">
-          <a:noAutofit/>
-        </a:bodyPr>
-        <a:lstStyle/>
-        <a:p>
-          <a:pPr marL="0" lvl="0" indent="0" algn="l" defTabSz="444500">
-            <a:lnSpc>
-              <a:spcPct val="90000"/>
-            </a:lnSpc>
-            <a:spcBef>
-              <a:spcPct val="0"/>
-            </a:spcBef>
-            <a:spcAft>
-              <a:spcPct val="35000"/>
-            </a:spcAft>
-            <a:buNone/>
-          </a:pPr>
-          <a:r>
-            <a:rPr lang="en-US" sz="1000" kern="1200"/>
-            <a:t>2. docker ps </a:t>
-          </a:r>
-          <a:endParaRPr lang="zh-CN" sz="1000" kern="1200"/>
-        </a:p>
-      </dsp:txBody>
-      <dsp:txXfrm>
-        <a:off x="15367" y="2225320"/>
-        <a:ext cx="3044770" cy="284069"/>
-      </dsp:txXfrm>
-    </dsp:sp>
-    <dsp:sp modelId="{F7C5E845-8D55-4AEF-B29F-8898090F4BF7}">
-      <dsp:nvSpPr>
-        <dsp:cNvPr id="0" name=""/>
-        <dsp:cNvSpPr/>
-      </dsp:nvSpPr>
-      <dsp:spPr>
-        <a:xfrm>
-          <a:off x="0" y="2553556"/>
-          <a:ext cx="3075504" cy="314803"/>
-        </a:xfrm>
-        <a:prstGeom prst="roundRect">
-          <a:avLst/>
-        </a:prstGeom>
-        <a:solidFill>
-          <a:schemeClr val="accent1">
-            <a:hueOff val="0"/>
-            <a:satOff val="0"/>
-            <a:lumOff val="0"/>
-            <a:alphaOff val="0"/>
-          </a:schemeClr>
-        </a:solidFill>
-        <a:ln w="12700" cap="flat" cmpd="sng" algn="ctr">
-          <a:solidFill>
-            <a:schemeClr val="lt1">
-              <a:hueOff val="0"/>
-              <a:satOff val="0"/>
-              <a:lumOff val="0"/>
-              <a:alphaOff val="0"/>
-            </a:schemeClr>
-          </a:solidFill>
-          <a:prstDash val="solid"/>
-          <a:miter lim="800000"/>
-        </a:ln>
-        <a:effectLst/>
-      </dsp:spPr>
-      <dsp:style>
-        <a:lnRef idx="2">
-          <a:scrgbClr r="0" g="0" b="0"/>
-        </a:lnRef>
-        <a:fillRef idx="1">
-          <a:scrgbClr r="0" g="0" b="0"/>
-        </a:fillRef>
-        <a:effectRef idx="0">
-          <a:scrgbClr r="0" g="0" b="0"/>
-        </a:effectRef>
-        <a:fontRef idx="minor">
-          <a:schemeClr val="lt1"/>
-        </a:fontRef>
-      </dsp:style>
-      <dsp:txBody>
-        <a:bodyPr spcFirstLastPara="0" vert="horz" wrap="square" lIns="38100" tIns="38100" rIns="38100" bIns="38100" numCol="1" spcCol="1270" anchor="ctr" anchorCtr="0">
-          <a:noAutofit/>
-        </a:bodyPr>
-        <a:lstStyle/>
-        <a:p>
-          <a:pPr marL="0" lvl="0" indent="0" algn="l" defTabSz="444500">
-            <a:lnSpc>
-              <a:spcPct val="90000"/>
-            </a:lnSpc>
-            <a:spcBef>
-              <a:spcPct val="0"/>
-            </a:spcBef>
-            <a:spcAft>
-              <a:spcPct val="35000"/>
-            </a:spcAft>
-            <a:buNone/>
-          </a:pPr>
-          <a:r>
-            <a:rPr lang="zh-CN" sz="1000" kern="1200"/>
-            <a:t>查看容器，默认运行中的</a:t>
-          </a:r>
-        </a:p>
-      </dsp:txBody>
-      <dsp:txXfrm>
-        <a:off x="15367" y="2568923"/>
-        <a:ext cx="3044770" cy="284069"/>
-      </dsp:txXfrm>
-    </dsp:sp>
-    <dsp:sp modelId="{526FE3B7-E39A-41A6-BEF9-FD7C93B3E1D0}">
-      <dsp:nvSpPr>
-        <dsp:cNvPr id="0" name=""/>
-        <dsp:cNvSpPr/>
-      </dsp:nvSpPr>
-      <dsp:spPr>
-        <a:xfrm>
-          <a:off x="0" y="2897159"/>
-          <a:ext cx="3075504" cy="314803"/>
-        </a:xfrm>
-        <a:prstGeom prst="roundRect">
-          <a:avLst/>
-        </a:prstGeom>
-        <a:solidFill>
-          <a:schemeClr val="accent1">
-            <a:hueOff val="0"/>
-            <a:satOff val="0"/>
-            <a:lumOff val="0"/>
-            <a:alphaOff val="0"/>
-          </a:schemeClr>
-        </a:solidFill>
-        <a:ln w="12700" cap="flat" cmpd="sng" algn="ctr">
-          <a:solidFill>
-            <a:schemeClr val="lt1">
-              <a:hueOff val="0"/>
-              <a:satOff val="0"/>
-              <a:lumOff val="0"/>
-              <a:alphaOff val="0"/>
-            </a:schemeClr>
-          </a:solidFill>
-          <a:prstDash val="solid"/>
-          <a:miter lim="800000"/>
-        </a:ln>
-        <a:effectLst/>
-      </dsp:spPr>
-      <dsp:style>
-        <a:lnRef idx="2">
-          <a:scrgbClr r="0" g="0" b="0"/>
-        </a:lnRef>
-        <a:fillRef idx="1">
-          <a:scrgbClr r="0" g="0" b="0"/>
-        </a:fillRef>
-        <a:effectRef idx="0">
-          <a:scrgbClr r="0" g="0" b="0"/>
-        </a:effectRef>
-        <a:fontRef idx="minor">
-          <a:schemeClr val="lt1"/>
-        </a:fontRef>
-      </dsp:style>
-      <dsp:txBody>
-        <a:bodyPr spcFirstLastPara="0" vert="horz" wrap="square" lIns="38100" tIns="38100" rIns="38100" bIns="38100" numCol="1" spcCol="1270" anchor="ctr" anchorCtr="0">
-          <a:noAutofit/>
-        </a:bodyPr>
-        <a:lstStyle/>
-        <a:p>
-          <a:pPr marL="0" lvl="0" indent="0" algn="l" defTabSz="444500">
-            <a:lnSpc>
-              <a:spcPct val="90000"/>
-            </a:lnSpc>
-            <a:spcBef>
-              <a:spcPct val="0"/>
-            </a:spcBef>
-            <a:spcAft>
-              <a:spcPct val="35000"/>
-            </a:spcAft>
-            <a:buNone/>
-          </a:pPr>
-          <a:r>
-            <a:rPr lang="en-US" sz="1000" kern="1200"/>
-            <a:t>3.docker exec –it containerID /bin/bash</a:t>
-          </a:r>
-          <a:endParaRPr lang="zh-CN" sz="1000" kern="1200"/>
-        </a:p>
-      </dsp:txBody>
-      <dsp:txXfrm>
-        <a:off x="15367" y="2912526"/>
-        <a:ext cx="3044770" cy="284069"/>
-      </dsp:txXfrm>
-    </dsp:sp>
-    <dsp:sp modelId="{FBD02EC4-2E43-428F-BE25-838172D0C7BB}">
-      <dsp:nvSpPr>
-        <dsp:cNvPr id="0" name=""/>
-        <dsp:cNvSpPr/>
-      </dsp:nvSpPr>
-      <dsp:spPr>
-        <a:xfrm>
-          <a:off x="0" y="3240762"/>
-          <a:ext cx="3075504" cy="314803"/>
-        </a:xfrm>
-        <a:prstGeom prst="roundRect">
-          <a:avLst/>
-        </a:prstGeom>
-        <a:solidFill>
-          <a:schemeClr val="accent1">
-            <a:hueOff val="0"/>
-            <a:satOff val="0"/>
-            <a:lumOff val="0"/>
-            <a:alphaOff val="0"/>
-          </a:schemeClr>
-        </a:solidFill>
-        <a:ln w="12700" cap="flat" cmpd="sng" algn="ctr">
-          <a:solidFill>
-            <a:schemeClr val="lt1">
-              <a:hueOff val="0"/>
-              <a:satOff val="0"/>
-              <a:lumOff val="0"/>
-              <a:alphaOff val="0"/>
-            </a:schemeClr>
-          </a:solidFill>
-          <a:prstDash val="solid"/>
-          <a:miter lim="800000"/>
-        </a:ln>
-        <a:effectLst/>
-      </dsp:spPr>
-      <dsp:style>
-        <a:lnRef idx="2">
-          <a:scrgbClr r="0" g="0" b="0"/>
-        </a:lnRef>
-        <a:fillRef idx="1">
-          <a:scrgbClr r="0" g="0" b="0"/>
-        </a:fillRef>
-        <a:effectRef idx="0">
-          <a:scrgbClr r="0" g="0" b="0"/>
-        </a:effectRef>
-        <a:fontRef idx="minor">
-          <a:schemeClr val="lt1"/>
-        </a:fontRef>
-      </dsp:style>
-      <dsp:txBody>
-        <a:bodyPr spcFirstLastPara="0" vert="horz" wrap="square" lIns="38100" tIns="38100" rIns="38100" bIns="38100" numCol="1" spcCol="1270" anchor="ctr" anchorCtr="0">
-          <a:noAutofit/>
-        </a:bodyPr>
-        <a:lstStyle/>
-        <a:p>
-          <a:pPr marL="0" lvl="0" indent="0" algn="l" defTabSz="444500">
-            <a:lnSpc>
-              <a:spcPct val="90000"/>
-            </a:lnSpc>
-            <a:spcBef>
-              <a:spcPct val="0"/>
-            </a:spcBef>
-            <a:spcAft>
-              <a:spcPct val="35000"/>
-            </a:spcAft>
-            <a:buNone/>
-          </a:pPr>
-          <a:r>
-            <a:rPr lang="en-US" sz="1000" kern="1200"/>
-            <a:t>4.docker inspect containerID</a:t>
-          </a:r>
-          <a:endParaRPr lang="zh-CN" sz="1000" kern="1200"/>
-        </a:p>
-      </dsp:txBody>
-      <dsp:txXfrm>
-        <a:off x="15367" y="3256129"/>
-        <a:ext cx="3044770" cy="284069"/>
-      </dsp:txXfrm>
-    </dsp:sp>
-    <dsp:sp modelId="{111FE8F8-8E59-45B9-B493-43CF434CE074}">
-      <dsp:nvSpPr>
-        <dsp:cNvPr id="0" name=""/>
-        <dsp:cNvSpPr/>
-      </dsp:nvSpPr>
-      <dsp:spPr>
-        <a:xfrm>
-          <a:off x="0" y="3584365"/>
-          <a:ext cx="3075504" cy="314803"/>
-        </a:xfrm>
-        <a:prstGeom prst="roundRect">
-          <a:avLst/>
-        </a:prstGeom>
-        <a:solidFill>
-          <a:schemeClr val="accent1">
-            <a:hueOff val="0"/>
-            <a:satOff val="0"/>
-            <a:lumOff val="0"/>
-            <a:alphaOff val="0"/>
-          </a:schemeClr>
-        </a:solidFill>
-        <a:ln w="12700" cap="flat" cmpd="sng" algn="ctr">
-          <a:solidFill>
-            <a:schemeClr val="lt1">
-              <a:hueOff val="0"/>
-              <a:satOff val="0"/>
-              <a:lumOff val="0"/>
-              <a:alphaOff val="0"/>
-            </a:schemeClr>
-          </a:solidFill>
-          <a:prstDash val="solid"/>
-          <a:miter lim="800000"/>
-        </a:ln>
-        <a:effectLst/>
-      </dsp:spPr>
-      <dsp:style>
-        <a:lnRef idx="2">
-          <a:scrgbClr r="0" g="0" b="0"/>
-        </a:lnRef>
-        <a:fillRef idx="1">
-          <a:scrgbClr r="0" g="0" b="0"/>
-        </a:fillRef>
-        <a:effectRef idx="0">
-          <a:scrgbClr r="0" g="0" b="0"/>
-        </a:effectRef>
-        <a:fontRef idx="minor">
-          <a:schemeClr val="lt1"/>
-        </a:fontRef>
-      </dsp:style>
-      <dsp:txBody>
-        <a:bodyPr spcFirstLastPara="0" vert="horz" wrap="square" lIns="38100" tIns="38100" rIns="38100" bIns="38100" numCol="1" spcCol="1270" anchor="ctr" anchorCtr="0">
-          <a:noAutofit/>
-        </a:bodyPr>
-        <a:lstStyle/>
-        <a:p>
-          <a:pPr marL="0" lvl="0" indent="0" algn="l" defTabSz="444500">
-            <a:lnSpc>
-              <a:spcPct val="90000"/>
-            </a:lnSpc>
-            <a:spcBef>
-              <a:spcPct val="0"/>
-            </a:spcBef>
-            <a:spcAft>
-              <a:spcPct val="35000"/>
-            </a:spcAft>
-            <a:buNone/>
-          </a:pPr>
-          <a:r>
-            <a:rPr lang="zh-CN" sz="1000" kern="1200"/>
-            <a:t>详细信息</a:t>
-          </a:r>
-        </a:p>
-      </dsp:txBody>
-      <dsp:txXfrm>
-        <a:off x="15367" y="3599732"/>
-        <a:ext cx="3044770" cy="284069"/>
-      </dsp:txXfrm>
-    </dsp:sp>
-    <dsp:sp modelId="{82008787-856D-417D-B489-F0554BF88549}">
-      <dsp:nvSpPr>
-        <dsp:cNvPr id="0" name=""/>
-        <dsp:cNvSpPr/>
-      </dsp:nvSpPr>
-      <dsp:spPr>
-        <a:xfrm>
-          <a:off x="0" y="3927969"/>
-          <a:ext cx="3075504" cy="314803"/>
-        </a:xfrm>
-        <a:prstGeom prst="roundRect">
-          <a:avLst/>
-        </a:prstGeom>
-        <a:solidFill>
-          <a:schemeClr val="accent1">
-            <a:hueOff val="0"/>
-            <a:satOff val="0"/>
-            <a:lumOff val="0"/>
-            <a:alphaOff val="0"/>
-          </a:schemeClr>
-        </a:solidFill>
-        <a:ln w="12700" cap="flat" cmpd="sng" algn="ctr">
-          <a:solidFill>
-            <a:schemeClr val="lt1">
-              <a:hueOff val="0"/>
-              <a:satOff val="0"/>
-              <a:lumOff val="0"/>
-              <a:alphaOff val="0"/>
-            </a:schemeClr>
-          </a:solidFill>
-          <a:prstDash val="solid"/>
-          <a:miter lim="800000"/>
-        </a:ln>
-        <a:effectLst/>
-      </dsp:spPr>
-      <dsp:style>
-        <a:lnRef idx="2">
-          <a:scrgbClr r="0" g="0" b="0"/>
-        </a:lnRef>
-        <a:fillRef idx="1">
-          <a:scrgbClr r="0" g="0" b="0"/>
-        </a:fillRef>
-        <a:effectRef idx="0">
-          <a:scrgbClr r="0" g="0" b="0"/>
-        </a:effectRef>
-        <a:fontRef idx="minor">
-          <a:schemeClr val="lt1"/>
-        </a:fontRef>
-      </dsp:style>
-      <dsp:txBody>
-        <a:bodyPr spcFirstLastPara="0" vert="horz" wrap="square" lIns="38100" tIns="38100" rIns="38100" bIns="38100" numCol="1" spcCol="1270" anchor="ctr" anchorCtr="0">
-          <a:noAutofit/>
-        </a:bodyPr>
-        <a:lstStyle/>
-        <a:p>
-          <a:pPr marL="0" lvl="0" indent="0" algn="l" defTabSz="444500">
-            <a:lnSpc>
-              <a:spcPct val="90000"/>
-            </a:lnSpc>
-            <a:spcBef>
-              <a:spcPct val="0"/>
-            </a:spcBef>
-            <a:spcAft>
-              <a:spcPct val="35000"/>
-            </a:spcAft>
-            <a:buNone/>
-          </a:pPr>
-          <a:r>
-            <a:rPr lang="en-US" sz="1000" kern="1200"/>
-            <a:t>5.docker start/stop/kill containerID</a:t>
-          </a:r>
-          <a:endParaRPr lang="zh-CN" sz="1000" kern="1200"/>
-        </a:p>
-      </dsp:txBody>
-      <dsp:txXfrm>
-        <a:off x="15367" y="3943336"/>
-        <a:ext cx="3044770" cy="284069"/>
-      </dsp:txXfrm>
-    </dsp:sp>
-    <dsp:sp modelId="{E7509A35-4B7E-4714-92A1-5AEB88640465}">
-      <dsp:nvSpPr>
-        <dsp:cNvPr id="0" name=""/>
-        <dsp:cNvSpPr/>
-      </dsp:nvSpPr>
-      <dsp:spPr>
-        <a:xfrm>
-          <a:off x="0" y="4271572"/>
-          <a:ext cx="3075504" cy="314803"/>
-        </a:xfrm>
-        <a:prstGeom prst="roundRect">
-          <a:avLst/>
-        </a:prstGeom>
-        <a:solidFill>
-          <a:schemeClr val="accent1">
-            <a:hueOff val="0"/>
-            <a:satOff val="0"/>
-            <a:lumOff val="0"/>
-            <a:alphaOff val="0"/>
-          </a:schemeClr>
-        </a:solidFill>
-        <a:ln w="12700" cap="flat" cmpd="sng" algn="ctr">
-          <a:solidFill>
-            <a:schemeClr val="lt1">
-              <a:hueOff val="0"/>
-              <a:satOff val="0"/>
-              <a:lumOff val="0"/>
-              <a:alphaOff val="0"/>
-            </a:schemeClr>
-          </a:solidFill>
-          <a:prstDash val="solid"/>
-          <a:miter lim="800000"/>
-        </a:ln>
-        <a:effectLst/>
-      </dsp:spPr>
-      <dsp:style>
-        <a:lnRef idx="2">
-          <a:scrgbClr r="0" g="0" b="0"/>
-        </a:lnRef>
-        <a:fillRef idx="1">
-          <a:scrgbClr r="0" g="0" b="0"/>
-        </a:fillRef>
-        <a:effectRef idx="0">
-          <a:scrgbClr r="0" g="0" b="0"/>
-        </a:effectRef>
-        <a:fontRef idx="minor">
-          <a:schemeClr val="lt1"/>
-        </a:fontRef>
-      </dsp:style>
-      <dsp:txBody>
-        <a:bodyPr spcFirstLastPara="0" vert="horz" wrap="square" lIns="38100" tIns="38100" rIns="38100" bIns="38100" numCol="1" spcCol="1270" anchor="ctr" anchorCtr="0">
-          <a:noAutofit/>
-        </a:bodyPr>
-        <a:lstStyle/>
-        <a:p>
-          <a:pPr marL="0" lvl="0" indent="0" algn="l" defTabSz="444500">
-            <a:lnSpc>
-              <a:spcPct val="90000"/>
-            </a:lnSpc>
-            <a:spcBef>
-              <a:spcPct val="0"/>
-            </a:spcBef>
-            <a:spcAft>
-              <a:spcPct val="35000"/>
-            </a:spcAft>
-            <a:buNone/>
-          </a:pPr>
-          <a:r>
-            <a:rPr lang="zh-CN" sz="1000" kern="1200"/>
-            <a:t>启动</a:t>
-          </a:r>
-          <a:r>
-            <a:rPr lang="en-US" sz="1000" kern="1200"/>
-            <a:t>/</a:t>
-          </a:r>
-          <a:r>
-            <a:rPr lang="zh-CN" sz="1000" kern="1200"/>
-            <a:t>停止</a:t>
-          </a:r>
-          <a:r>
-            <a:rPr lang="en-US" sz="1000" kern="1200"/>
-            <a:t>/</a:t>
-          </a:r>
-          <a:r>
-            <a:rPr lang="zh-CN" sz="1000" kern="1200"/>
-            <a:t>终止</a:t>
-          </a:r>
-        </a:p>
-      </dsp:txBody>
-      <dsp:txXfrm>
-        <a:off x="15367" y="4286939"/>
-        <a:ext cx="3044770" cy="284069"/>
-      </dsp:txXfrm>
-    </dsp:sp>
-    <dsp:sp modelId="{9DA7BA59-B9AA-47A3-857D-4DAE334567A4}">
-      <dsp:nvSpPr>
-        <dsp:cNvPr id="0" name=""/>
-        <dsp:cNvSpPr/>
-      </dsp:nvSpPr>
-      <dsp:spPr>
-        <a:xfrm>
-          <a:off x="0" y="4615175"/>
-          <a:ext cx="3075504" cy="314803"/>
-        </a:xfrm>
-        <a:prstGeom prst="roundRect">
-          <a:avLst/>
-        </a:prstGeom>
-        <a:solidFill>
-          <a:schemeClr val="accent1">
-            <a:hueOff val="0"/>
-            <a:satOff val="0"/>
-            <a:lumOff val="0"/>
-            <a:alphaOff val="0"/>
-          </a:schemeClr>
-        </a:solidFill>
-        <a:ln w="12700" cap="flat" cmpd="sng" algn="ctr">
-          <a:solidFill>
-            <a:schemeClr val="lt1">
-              <a:hueOff val="0"/>
-              <a:satOff val="0"/>
-              <a:lumOff val="0"/>
-              <a:alphaOff val="0"/>
-            </a:schemeClr>
-          </a:solidFill>
-          <a:prstDash val="solid"/>
-          <a:miter lim="800000"/>
-        </a:ln>
-        <a:effectLst/>
-      </dsp:spPr>
-      <dsp:style>
-        <a:lnRef idx="2">
-          <a:scrgbClr r="0" g="0" b="0"/>
-        </a:lnRef>
-        <a:fillRef idx="1">
-          <a:scrgbClr r="0" g="0" b="0"/>
-        </a:fillRef>
-        <a:effectRef idx="0">
-          <a:scrgbClr r="0" g="0" b="0"/>
-        </a:effectRef>
-        <a:fontRef idx="minor">
-          <a:schemeClr val="lt1"/>
-        </a:fontRef>
-      </dsp:style>
-      <dsp:txBody>
-        <a:bodyPr spcFirstLastPara="0" vert="horz" wrap="square" lIns="38100" tIns="38100" rIns="38100" bIns="38100" numCol="1" spcCol="1270" anchor="ctr" anchorCtr="0">
-          <a:noAutofit/>
-        </a:bodyPr>
-        <a:lstStyle/>
-        <a:p>
-          <a:pPr marL="0" lvl="0" indent="0" algn="l" defTabSz="444500">
-            <a:lnSpc>
-              <a:spcPct val="90000"/>
-            </a:lnSpc>
-            <a:spcBef>
-              <a:spcPct val="0"/>
-            </a:spcBef>
-            <a:spcAft>
-              <a:spcPct val="35000"/>
-            </a:spcAft>
-            <a:buNone/>
-          </a:pPr>
-          <a:r>
-            <a:rPr lang="en-US" sz="1000" kern="1200"/>
-            <a:t>6.docker rm containerID</a:t>
-          </a:r>
-          <a:endParaRPr lang="zh-CN" sz="1000" kern="1200"/>
-        </a:p>
-      </dsp:txBody>
-      <dsp:txXfrm>
-        <a:off x="15367" y="4630542"/>
-        <a:ext cx="3044770" cy="284069"/>
-      </dsp:txXfrm>
-    </dsp:sp>
-  </dsp:spTree>
-</dsp:drawing>
-</file>
-
-<file path=ppt/diagrams/drawing2.xml><?xml version="1.0" encoding="utf-8"?>
-<dsp:drawing xmlns:dgm="http://schemas.openxmlformats.org/drawingml/2006/diagram" xmlns:dsp="http://schemas.microsoft.com/office/drawing/2008/diagram" xmlns:a="http://schemas.openxmlformats.org/drawingml/2006/main">
-  <dsp:spTree>
-    <dsp:nvGrpSpPr>
-      <dsp:cNvPr id="0" name=""/>
-      <dsp:cNvGrpSpPr/>
-    </dsp:nvGrpSpPr>
-    <dsp:grpSpPr/>
-    <dsp:sp modelId="{9BC6C36D-12BC-4FC3-86F2-F9D8091DA5FD}">
-      <dsp:nvSpPr>
-        <dsp:cNvPr id="0" name=""/>
-        <dsp:cNvSpPr/>
-      </dsp:nvSpPr>
-      <dsp:spPr>
-        <a:xfrm>
-          <a:off x="0" y="8482"/>
-          <a:ext cx="2448271" cy="377763"/>
+          <a:off x="0" y="103216"/>
+          <a:ext cx="3075504" cy="315899"/>
         </a:xfrm>
         <a:prstGeom prst="roundRect">
           <a:avLst/>
@@ -8827,25 +7688,104 @@
           </a:pPr>
           <a:r>
             <a:rPr lang="en-US" sz="1200" kern="1200"/>
-            <a:t>1.docker images</a:t>
+            <a:t>1.docker run --name hjs –d –p 8080:8080</a:t>
           </a:r>
           <a:endParaRPr lang="zh-CN" sz="1200" kern="1200"/>
         </a:p>
       </dsp:txBody>
       <dsp:txXfrm>
-        <a:off x="18441" y="26923"/>
-        <a:ext cx="2411389" cy="340881"/>
+        <a:off x="15421" y="118637"/>
+        <a:ext cx="3044662" cy="285057"/>
       </dsp:txXfrm>
     </dsp:sp>
-    <dsp:sp modelId="{A7F2C175-9D8F-4F5D-97CF-CB56D6B05D98}">
+    <dsp:sp modelId="{FF221544-2CA6-4F7B-AC6C-8CB776A3BC23}">
       <dsp:nvSpPr>
         <dsp:cNvPr id="0" name=""/>
         <dsp:cNvSpPr/>
       </dsp:nvSpPr>
       <dsp:spPr>
         <a:xfrm>
-          <a:off x="0" y="420806"/>
-          <a:ext cx="2448271" cy="377763"/>
+          <a:off x="0" y="453676"/>
+          <a:ext cx="3075504" cy="315899"/>
+        </a:xfrm>
+        <a:prstGeom prst="roundRect">
+          <a:avLst/>
+        </a:prstGeom>
+        <a:solidFill>
+          <a:schemeClr val="accent1">
+            <a:hueOff val="0"/>
+            <a:satOff val="0"/>
+            <a:lumOff val="0"/>
+            <a:alphaOff val="0"/>
+          </a:schemeClr>
+        </a:solidFill>
+        <a:ln w="12700" cap="flat" cmpd="sng" algn="ctr">
+          <a:solidFill>
+            <a:schemeClr val="lt1">
+              <a:hueOff val="0"/>
+              <a:satOff val="0"/>
+              <a:lumOff val="0"/>
+              <a:alphaOff val="0"/>
+            </a:schemeClr>
+          </a:solidFill>
+          <a:prstDash val="solid"/>
+          <a:miter lim="800000"/>
+        </a:ln>
+        <a:effectLst/>
+      </dsp:spPr>
+      <dsp:style>
+        <a:lnRef idx="2">
+          <a:scrgbClr r="0" g="0" b="0"/>
+        </a:lnRef>
+        <a:fillRef idx="1">
+          <a:scrgbClr r="0" g="0" b="0"/>
+        </a:fillRef>
+        <a:effectRef idx="0">
+          <a:scrgbClr r="0" g="0" b="0"/>
+        </a:effectRef>
+        <a:fontRef idx="minor">
+          <a:schemeClr val="lt1"/>
+        </a:fontRef>
+      </dsp:style>
+      <dsp:txBody>
+        <a:bodyPr spcFirstLastPara="0" vert="horz" wrap="square" lIns="45720" tIns="45720" rIns="45720" bIns="45720" numCol="1" spcCol="1270" anchor="ctr" anchorCtr="0">
+          <a:noAutofit/>
+        </a:bodyPr>
+        <a:lstStyle/>
+        <a:p>
+          <a:pPr marL="0" lvl="0" indent="0" algn="l" defTabSz="533400">
+            <a:lnSpc>
+              <a:spcPct val="90000"/>
+            </a:lnSpc>
+            <a:spcBef>
+              <a:spcPct val="0"/>
+            </a:spcBef>
+            <a:spcAft>
+              <a:spcPct val="35000"/>
+            </a:spcAft>
+            <a:buNone/>
+          </a:pPr>
+          <a:r>
+            <a:rPr lang="en-US" sz="1200" kern="1200"/>
+            <a:t>Imagename:tag</a:t>
+          </a:r>
+          <a:endParaRPr lang="zh-CN" sz="1200" kern="1200"/>
+        </a:p>
+      </dsp:txBody>
+      <dsp:txXfrm>
+        <a:off x="15421" y="469097"/>
+        <a:ext cx="3044662" cy="285057"/>
+      </dsp:txXfrm>
+    </dsp:sp>
+    <dsp:sp modelId="{2E7AD299-A7BB-43A6-A55D-113065DB508F}">
+      <dsp:nvSpPr>
+        <dsp:cNvPr id="0" name=""/>
+        <dsp:cNvSpPr/>
+      </dsp:nvSpPr>
+      <dsp:spPr>
+        <a:xfrm>
+          <a:off x="0" y="804136"/>
+          <a:ext cx="3075504" cy="315899"/>
         </a:xfrm>
         <a:prstGeom prst="roundRect">
           <a:avLst/>
@@ -8906,24 +7846,24 @@
           </a:pPr>
           <a:r>
             <a:rPr lang="zh-CN" sz="1200" kern="1200"/>
-            <a:t>查看本地镜像</a:t>
+            <a:t>创建并运行</a:t>
           </a:r>
         </a:p>
       </dsp:txBody>
       <dsp:txXfrm>
-        <a:off x="18441" y="439247"/>
-        <a:ext cx="2411389" cy="340881"/>
+        <a:off x="15421" y="819557"/>
+        <a:ext cx="3044662" cy="285057"/>
       </dsp:txXfrm>
     </dsp:sp>
-    <dsp:sp modelId="{14998CC7-68E1-456E-B12B-AE85B4B336C2}">
+    <dsp:sp modelId="{5C39591D-0B18-491A-9708-029C7AA6FDBD}">
       <dsp:nvSpPr>
         <dsp:cNvPr id="0" name=""/>
         <dsp:cNvSpPr/>
       </dsp:nvSpPr>
       <dsp:spPr>
         <a:xfrm>
-          <a:off x="0" y="833130"/>
-          <a:ext cx="2448271" cy="377763"/>
+          <a:off x="0" y="1154596"/>
+          <a:ext cx="3075504" cy="315899"/>
         </a:xfrm>
         <a:prstGeom prst="roundRect">
           <a:avLst/>
@@ -8984,25 +7924,271 @@
           </a:pPr>
           <a:r>
             <a:rPr lang="en-US" sz="1200" kern="1200"/>
-            <a:t>2.docker rmi containerID</a:t>
+            <a:t>--name </a:t>
           </a:r>
-          <a:endParaRPr lang="zh-CN" sz="1200" kern="1200"/>
+          <a:r>
+            <a:rPr lang="zh-CN" sz="1200" kern="1200"/>
+            <a:t>指定名字</a:t>
+          </a:r>
         </a:p>
       </dsp:txBody>
       <dsp:txXfrm>
-        <a:off x="18441" y="851571"/>
-        <a:ext cx="2411389" cy="340881"/>
+        <a:off x="15421" y="1170017"/>
+        <a:ext cx="3044662" cy="285057"/>
       </dsp:txXfrm>
     </dsp:sp>
-    <dsp:sp modelId="{0CE9DAFF-694F-4482-B834-688C3C11B9CD}">
+    <dsp:sp modelId="{3FDF9540-3C5F-42F4-8A07-EAF93AB03365}">
       <dsp:nvSpPr>
         <dsp:cNvPr id="0" name=""/>
         <dsp:cNvSpPr/>
       </dsp:nvSpPr>
       <dsp:spPr>
         <a:xfrm>
-          <a:off x="0" y="1245453"/>
-          <a:ext cx="2448271" cy="377763"/>
+          <a:off x="0" y="1505056"/>
+          <a:ext cx="3075504" cy="315899"/>
+        </a:xfrm>
+        <a:prstGeom prst="roundRect">
+          <a:avLst/>
+        </a:prstGeom>
+        <a:solidFill>
+          <a:schemeClr val="accent1">
+            <a:hueOff val="0"/>
+            <a:satOff val="0"/>
+            <a:lumOff val="0"/>
+            <a:alphaOff val="0"/>
+          </a:schemeClr>
+        </a:solidFill>
+        <a:ln w="12700" cap="flat" cmpd="sng" algn="ctr">
+          <a:solidFill>
+            <a:schemeClr val="lt1">
+              <a:hueOff val="0"/>
+              <a:satOff val="0"/>
+              <a:lumOff val="0"/>
+              <a:alphaOff val="0"/>
+            </a:schemeClr>
+          </a:solidFill>
+          <a:prstDash val="solid"/>
+          <a:miter lim="800000"/>
+        </a:ln>
+        <a:effectLst/>
+      </dsp:spPr>
+      <dsp:style>
+        <a:lnRef idx="2">
+          <a:scrgbClr r="0" g="0" b="0"/>
+        </a:lnRef>
+        <a:fillRef idx="1">
+          <a:scrgbClr r="0" g="0" b="0"/>
+        </a:fillRef>
+        <a:effectRef idx="0">
+          <a:scrgbClr r="0" g="0" b="0"/>
+        </a:effectRef>
+        <a:fontRef idx="minor">
+          <a:schemeClr val="lt1"/>
+        </a:fontRef>
+      </dsp:style>
+      <dsp:txBody>
+        <a:bodyPr spcFirstLastPara="0" vert="horz" wrap="square" lIns="45720" tIns="45720" rIns="45720" bIns="45720" numCol="1" spcCol="1270" anchor="ctr" anchorCtr="0">
+          <a:noAutofit/>
+        </a:bodyPr>
+        <a:lstStyle/>
+        <a:p>
+          <a:pPr marL="0" lvl="0" indent="0" algn="l" defTabSz="533400">
+            <a:lnSpc>
+              <a:spcPct val="90000"/>
+            </a:lnSpc>
+            <a:spcBef>
+              <a:spcPct val="0"/>
+            </a:spcBef>
+            <a:spcAft>
+              <a:spcPct val="35000"/>
+            </a:spcAft>
+            <a:buNone/>
+          </a:pPr>
+          <a:r>
+            <a:rPr lang="en-US" sz="1200" kern="1200"/>
+            <a:t>d:</a:t>
+          </a:r>
+          <a:r>
+            <a:rPr lang="zh-CN" sz="1200" kern="1200"/>
+            <a:t> 后台运行</a:t>
+          </a:r>
+        </a:p>
+      </dsp:txBody>
+      <dsp:txXfrm>
+        <a:off x="15421" y="1520477"/>
+        <a:ext cx="3044662" cy="285057"/>
+      </dsp:txXfrm>
+    </dsp:sp>
+    <dsp:sp modelId="{99495173-CC0B-4C8D-A0EB-E33230C23E70}">
+      <dsp:nvSpPr>
+        <dsp:cNvPr id="0" name=""/>
+        <dsp:cNvSpPr/>
+      </dsp:nvSpPr>
+      <dsp:spPr>
+        <a:xfrm>
+          <a:off x="0" y="1855516"/>
+          <a:ext cx="3075504" cy="315899"/>
+        </a:xfrm>
+        <a:prstGeom prst="roundRect">
+          <a:avLst/>
+        </a:prstGeom>
+        <a:solidFill>
+          <a:schemeClr val="accent1">
+            <a:hueOff val="0"/>
+            <a:satOff val="0"/>
+            <a:lumOff val="0"/>
+            <a:alphaOff val="0"/>
+          </a:schemeClr>
+        </a:solidFill>
+        <a:ln w="12700" cap="flat" cmpd="sng" algn="ctr">
+          <a:solidFill>
+            <a:schemeClr val="lt1">
+              <a:hueOff val="0"/>
+              <a:satOff val="0"/>
+              <a:lumOff val="0"/>
+              <a:alphaOff val="0"/>
+            </a:schemeClr>
+          </a:solidFill>
+          <a:prstDash val="solid"/>
+          <a:miter lim="800000"/>
+        </a:ln>
+        <a:effectLst/>
+      </dsp:spPr>
+      <dsp:style>
+        <a:lnRef idx="2">
+          <a:scrgbClr r="0" g="0" b="0"/>
+        </a:lnRef>
+        <a:fillRef idx="1">
+          <a:scrgbClr r="0" g="0" b="0"/>
+        </a:fillRef>
+        <a:effectRef idx="0">
+          <a:scrgbClr r="0" g="0" b="0"/>
+        </a:effectRef>
+        <a:fontRef idx="minor">
+          <a:schemeClr val="lt1"/>
+        </a:fontRef>
+      </dsp:style>
+      <dsp:txBody>
+        <a:bodyPr spcFirstLastPara="0" vert="horz" wrap="square" lIns="45720" tIns="45720" rIns="45720" bIns="45720" numCol="1" spcCol="1270" anchor="ctr" anchorCtr="0">
+          <a:noAutofit/>
+        </a:bodyPr>
+        <a:lstStyle/>
+        <a:p>
+          <a:pPr marL="0" lvl="0" indent="0" algn="l" defTabSz="533400">
+            <a:lnSpc>
+              <a:spcPct val="90000"/>
+            </a:lnSpc>
+            <a:spcBef>
+              <a:spcPct val="0"/>
+            </a:spcBef>
+            <a:spcAft>
+              <a:spcPct val="35000"/>
+            </a:spcAft>
+            <a:buNone/>
+          </a:pPr>
+          <a:r>
+            <a:rPr lang="en-US" sz="1200" kern="1200"/>
+            <a:t>p: </a:t>
+          </a:r>
+          <a:r>
+            <a:rPr lang="zh-CN" sz="1200" kern="1200"/>
+            <a:t>端口映射</a:t>
+          </a:r>
+        </a:p>
+      </dsp:txBody>
+      <dsp:txXfrm>
+        <a:off x="15421" y="1870937"/>
+        <a:ext cx="3044662" cy="285057"/>
+      </dsp:txXfrm>
+    </dsp:sp>
+    <dsp:sp modelId="{B8502B97-3EBA-4C56-9295-0E3C2247BAFD}">
+      <dsp:nvSpPr>
+        <dsp:cNvPr id="0" name=""/>
+        <dsp:cNvSpPr/>
+      </dsp:nvSpPr>
+      <dsp:spPr>
+        <a:xfrm>
+          <a:off x="0" y="2205976"/>
+          <a:ext cx="3075504" cy="315899"/>
+        </a:xfrm>
+        <a:prstGeom prst="roundRect">
+          <a:avLst/>
+        </a:prstGeom>
+        <a:solidFill>
+          <a:schemeClr val="accent1">
+            <a:hueOff val="0"/>
+            <a:satOff val="0"/>
+            <a:lumOff val="0"/>
+            <a:alphaOff val="0"/>
+          </a:schemeClr>
+        </a:solidFill>
+        <a:ln w="12700" cap="flat" cmpd="sng" algn="ctr">
+          <a:solidFill>
+            <a:schemeClr val="lt1">
+              <a:hueOff val="0"/>
+              <a:satOff val="0"/>
+              <a:lumOff val="0"/>
+              <a:alphaOff val="0"/>
+            </a:schemeClr>
+          </a:solidFill>
+          <a:prstDash val="solid"/>
+          <a:miter lim="800000"/>
+        </a:ln>
+        <a:effectLst/>
+      </dsp:spPr>
+      <dsp:style>
+        <a:lnRef idx="2">
+          <a:scrgbClr r="0" g="0" b="0"/>
+        </a:lnRef>
+        <a:fillRef idx="1">
+          <a:scrgbClr r="0" g="0" b="0"/>
+        </a:fillRef>
+        <a:effectRef idx="0">
+          <a:scrgbClr r="0" g="0" b="0"/>
+        </a:effectRef>
+        <a:fontRef idx="minor">
+          <a:schemeClr val="lt1"/>
+        </a:fontRef>
+      </dsp:style>
+      <dsp:txBody>
+        <a:bodyPr spcFirstLastPara="0" vert="horz" wrap="square" lIns="45720" tIns="45720" rIns="45720" bIns="45720" numCol="1" spcCol="1270" anchor="ctr" anchorCtr="0">
+          <a:noAutofit/>
+        </a:bodyPr>
+        <a:lstStyle/>
+        <a:p>
+          <a:pPr marL="0" lvl="0" indent="0" algn="l" defTabSz="533400">
+            <a:lnSpc>
+              <a:spcPct val="90000"/>
+            </a:lnSpc>
+            <a:spcBef>
+              <a:spcPct val="0"/>
+            </a:spcBef>
+            <a:spcAft>
+              <a:spcPct val="35000"/>
+            </a:spcAft>
+            <a:buNone/>
+          </a:pPr>
+          <a:r>
+            <a:rPr lang="en-US" sz="1200" kern="1200"/>
+            <a:t>2. docker ps </a:t>
+          </a:r>
+          <a:endParaRPr lang="zh-CN" sz="1200" kern="1200"/>
+        </a:p>
+      </dsp:txBody>
+      <dsp:txXfrm>
+        <a:off x="15421" y="2221397"/>
+        <a:ext cx="3044662" cy="285057"/>
+      </dsp:txXfrm>
+    </dsp:sp>
+    <dsp:sp modelId="{F7C5E845-8D55-4AEF-B29F-8898090F4BF7}">
+      <dsp:nvSpPr>
+        <dsp:cNvPr id="0" name=""/>
+        <dsp:cNvSpPr/>
+      </dsp:nvSpPr>
+      <dsp:spPr>
+        <a:xfrm>
+          <a:off x="0" y="2556436"/>
+          <a:ext cx="3075504" cy="315899"/>
         </a:xfrm>
         <a:prstGeom prst="roundRect">
           <a:avLst/>
@@ -9063,24 +8249,24 @@
           </a:pPr>
           <a:r>
             <a:rPr lang="zh-CN" sz="1200" kern="1200"/>
-            <a:t>删除镜像</a:t>
+            <a:t>查看容器，默认运行中的</a:t>
           </a:r>
         </a:p>
       </dsp:txBody>
       <dsp:txXfrm>
-        <a:off x="18441" y="1263894"/>
-        <a:ext cx="2411389" cy="340881"/>
+        <a:off x="15421" y="2571857"/>
+        <a:ext cx="3044662" cy="285057"/>
       </dsp:txXfrm>
     </dsp:sp>
-    <dsp:sp modelId="{713A9E0C-20F5-43F6-86E1-EDD37C655C14}">
+    <dsp:sp modelId="{526FE3B7-E39A-41A6-BEF9-FD7C93B3E1D0}">
       <dsp:nvSpPr>
         <dsp:cNvPr id="0" name=""/>
         <dsp:cNvSpPr/>
       </dsp:nvSpPr>
       <dsp:spPr>
         <a:xfrm>
-          <a:off x="0" y="1657777"/>
-          <a:ext cx="2448271" cy="377763"/>
+          <a:off x="0" y="2906896"/>
+          <a:ext cx="3075504" cy="315899"/>
         </a:xfrm>
         <a:prstGeom prst="roundRect">
           <a:avLst/>
@@ -9141,33 +8327,104 @@
           </a:pPr>
           <a:r>
             <a:rPr lang="en-US" sz="1200" kern="1200"/>
-            <a:t>3.Docker </a:t>
+            <a:t>3.docker exec –it containerID /bin/bash</a:t>
           </a:r>
-          <a:r>
-            <a:rPr lang="en-US" altLang="zh-CN" sz="1200" kern="1200"/>
-            <a:t>image</a:t>
-          </a:r>
-          <a:r>
-            <a:rPr lang="en-US" sz="1200" kern="1200"/>
-            <a:t> save/load</a:t>
-          </a:r>
-          <a:endParaRPr lang="zh-CN" sz="1200" kern="1200" dirty="0"/>
+          <a:endParaRPr lang="zh-CN" sz="1200" kern="1200"/>
         </a:p>
       </dsp:txBody>
       <dsp:txXfrm>
-        <a:off x="18441" y="1676218"/>
-        <a:ext cx="2411389" cy="340881"/>
+        <a:off x="15421" y="2922317"/>
+        <a:ext cx="3044662" cy="285057"/>
       </dsp:txXfrm>
     </dsp:sp>
-    <dsp:sp modelId="{216E8D36-C367-407B-8E80-880E2EFC71EB}">
+    <dsp:sp modelId="{FBD02EC4-2E43-428F-BE25-838172D0C7BB}">
       <dsp:nvSpPr>
         <dsp:cNvPr id="0" name=""/>
         <dsp:cNvSpPr/>
       </dsp:nvSpPr>
       <dsp:spPr>
         <a:xfrm>
-          <a:off x="0" y="2070101"/>
-          <a:ext cx="2448271" cy="377763"/>
+          <a:off x="0" y="3257356"/>
+          <a:ext cx="3075504" cy="315899"/>
+        </a:xfrm>
+        <a:prstGeom prst="roundRect">
+          <a:avLst/>
+        </a:prstGeom>
+        <a:solidFill>
+          <a:schemeClr val="accent1">
+            <a:hueOff val="0"/>
+            <a:satOff val="0"/>
+            <a:lumOff val="0"/>
+            <a:alphaOff val="0"/>
+          </a:schemeClr>
+        </a:solidFill>
+        <a:ln w="12700" cap="flat" cmpd="sng" algn="ctr">
+          <a:solidFill>
+            <a:schemeClr val="lt1">
+              <a:hueOff val="0"/>
+              <a:satOff val="0"/>
+              <a:lumOff val="0"/>
+              <a:alphaOff val="0"/>
+            </a:schemeClr>
+          </a:solidFill>
+          <a:prstDash val="solid"/>
+          <a:miter lim="800000"/>
+        </a:ln>
+        <a:effectLst/>
+      </dsp:spPr>
+      <dsp:style>
+        <a:lnRef idx="2">
+          <a:scrgbClr r="0" g="0" b="0"/>
+        </a:lnRef>
+        <a:fillRef idx="1">
+          <a:scrgbClr r="0" g="0" b="0"/>
+        </a:fillRef>
+        <a:effectRef idx="0">
+          <a:scrgbClr r="0" g="0" b="0"/>
+        </a:effectRef>
+        <a:fontRef idx="minor">
+          <a:schemeClr val="lt1"/>
+        </a:fontRef>
+      </dsp:style>
+      <dsp:txBody>
+        <a:bodyPr spcFirstLastPara="0" vert="horz" wrap="square" lIns="45720" tIns="45720" rIns="45720" bIns="45720" numCol="1" spcCol="1270" anchor="ctr" anchorCtr="0">
+          <a:noAutofit/>
+        </a:bodyPr>
+        <a:lstStyle/>
+        <a:p>
+          <a:pPr marL="0" lvl="0" indent="0" algn="l" defTabSz="533400">
+            <a:lnSpc>
+              <a:spcPct val="90000"/>
+            </a:lnSpc>
+            <a:spcBef>
+              <a:spcPct val="0"/>
+            </a:spcBef>
+            <a:spcAft>
+              <a:spcPct val="35000"/>
+            </a:spcAft>
+            <a:buNone/>
+          </a:pPr>
+          <a:r>
+            <a:rPr lang="en-US" sz="1200" kern="1200"/>
+            <a:t>4.docker inspect containerID</a:t>
+          </a:r>
+          <a:endParaRPr lang="zh-CN" sz="1200" kern="1200"/>
+        </a:p>
+      </dsp:txBody>
+      <dsp:txXfrm>
+        <a:off x="15421" y="3272777"/>
+        <a:ext cx="3044662" cy="285057"/>
+      </dsp:txXfrm>
+    </dsp:sp>
+    <dsp:sp modelId="{111FE8F8-8E59-45B9-B493-43CF434CE074}">
+      <dsp:nvSpPr>
+        <dsp:cNvPr id="0" name=""/>
+        <dsp:cNvSpPr/>
+      </dsp:nvSpPr>
+      <dsp:spPr>
+        <a:xfrm>
+          <a:off x="0" y="3607816"/>
+          <a:ext cx="3075504" cy="315899"/>
         </a:xfrm>
         <a:prstGeom prst="roundRect">
           <a:avLst/>
@@ -9228,32 +8485,24 @@
           </a:pPr>
           <a:r>
             <a:rPr lang="zh-CN" sz="1200" kern="1200"/>
-            <a:t>导出</a:t>
-          </a:r>
-          <a:r>
-            <a:rPr lang="en-US" sz="1200" kern="1200"/>
-            <a:t>/</a:t>
-          </a:r>
-          <a:r>
-            <a:rPr lang="zh-CN" sz="1200" kern="1200"/>
-            <a:t>导入</a:t>
+            <a:t>详细信息</a:t>
           </a:r>
         </a:p>
       </dsp:txBody>
       <dsp:txXfrm>
-        <a:off x="18441" y="2088542"/>
-        <a:ext cx="2411389" cy="340881"/>
+        <a:off x="15421" y="3623237"/>
+        <a:ext cx="3044662" cy="285057"/>
       </dsp:txXfrm>
     </dsp:sp>
-    <dsp:sp modelId="{71864B14-0B30-4E30-95E0-6327B2EFC215}">
+    <dsp:sp modelId="{82008787-856D-417D-B489-F0554BF88549}">
       <dsp:nvSpPr>
         <dsp:cNvPr id="0" name=""/>
         <dsp:cNvSpPr/>
       </dsp:nvSpPr>
       <dsp:spPr>
         <a:xfrm>
-          <a:off x="0" y="2482425"/>
-          <a:ext cx="2448271" cy="377763"/>
+          <a:off x="0" y="3958276"/>
+          <a:ext cx="3075504" cy="315899"/>
         </a:xfrm>
         <a:prstGeom prst="roundRect">
           <a:avLst/>
@@ -9313,26 +8562,26 @@
             <a:buNone/>
           </a:pPr>
           <a:r>
-            <a:rPr lang="en-US" sz="1200" kern="1200" dirty="0"/>
-            <a:t>4.docker build –t &lt;name&gt; .</a:t>
+            <a:rPr lang="en-US" sz="1200" kern="1200"/>
+            <a:t>5.docker start/stop/kill containerID</a:t>
           </a:r>
-          <a:endParaRPr lang="zh-CN" sz="1200" kern="1200" dirty="0"/>
+          <a:endParaRPr lang="zh-CN" sz="1200" kern="1200"/>
         </a:p>
       </dsp:txBody>
       <dsp:txXfrm>
-        <a:off x="18441" y="2500866"/>
-        <a:ext cx="2411389" cy="340881"/>
+        <a:off x="15421" y="3973697"/>
+        <a:ext cx="3044662" cy="285057"/>
       </dsp:txXfrm>
     </dsp:sp>
-    <dsp:sp modelId="{5E18EFC4-0A21-49B5-9E4B-20F86B900390}">
+    <dsp:sp modelId="{E7509A35-4B7E-4714-92A1-5AEB88640465}">
       <dsp:nvSpPr>
         <dsp:cNvPr id="0" name=""/>
         <dsp:cNvSpPr/>
       </dsp:nvSpPr>
       <dsp:spPr>
         <a:xfrm>
-          <a:off x="0" y="2894748"/>
-          <a:ext cx="2448271" cy="377763"/>
+          <a:off x="0" y="4308736"/>
+          <a:ext cx="3075504" cy="315899"/>
         </a:xfrm>
         <a:prstGeom prst="roundRect">
           <a:avLst/>
@@ -9393,24 +8642,40 @@
           </a:pPr>
           <a:r>
             <a:rPr lang="zh-CN" sz="1200" kern="1200"/>
-            <a:t>构建镜像</a:t>
+            <a:t>启动</a:t>
+          </a:r>
+          <a:r>
+            <a:rPr lang="en-US" sz="1200" kern="1200"/>
+            <a:t>/</a:t>
+          </a:r>
+          <a:r>
+            <a:rPr lang="zh-CN" sz="1200" kern="1200"/>
+            <a:t>停止</a:t>
+          </a:r>
+          <a:r>
+            <a:rPr lang="en-US" sz="1200" kern="1200"/>
+            <a:t>/</a:t>
+          </a:r>
+          <a:r>
+            <a:rPr lang="zh-CN" sz="1200" kern="1200"/>
+            <a:t>终止</a:t>
           </a:r>
         </a:p>
       </dsp:txBody>
       <dsp:txXfrm>
-        <a:off x="18441" y="2913189"/>
-        <a:ext cx="2411389" cy="340881"/>
+        <a:off x="15421" y="4324157"/>
+        <a:ext cx="3044662" cy="285057"/>
       </dsp:txXfrm>
     </dsp:sp>
-    <dsp:sp modelId="{B6FC9207-3979-41D9-814B-39E30B970CAA}">
+    <dsp:sp modelId="{9DA7BA59-B9AA-47A3-857D-4DAE334567A4}">
       <dsp:nvSpPr>
         <dsp:cNvPr id="0" name=""/>
         <dsp:cNvSpPr/>
       </dsp:nvSpPr>
       <dsp:spPr>
         <a:xfrm>
-          <a:off x="0" y="3307072"/>
-          <a:ext cx="2448271" cy="377763"/>
+          <a:off x="0" y="4659196"/>
+          <a:ext cx="3075504" cy="315899"/>
         </a:xfrm>
         <a:prstGeom prst="roundRect">
           <a:avLst/>
@@ -9471,24 +8736,21 @@
           </a:pPr>
           <a:r>
             <a:rPr lang="en-US" sz="1200" kern="1200"/>
-            <a:t>t: </a:t>
+            <a:t>6.docker rm containerID</a:t>
           </a:r>
-          <a:r>
-            <a:rPr lang="zh-CN" sz="1200" kern="1200"/>
-            <a:t>打标签</a:t>
-          </a:r>
+          <a:endParaRPr lang="zh-CN" sz="1200" kern="1200"/>
         </a:p>
       </dsp:txBody>
       <dsp:txXfrm>
-        <a:off x="18441" y="3325513"/>
-        <a:ext cx="2411389" cy="340881"/>
+        <a:off x="15421" y="4674617"/>
+        <a:ext cx="3044662" cy="285057"/>
       </dsp:txXfrm>
     </dsp:sp>
   </dsp:spTree>
 </dsp:drawing>
 </file>
 
-<file path=ppt/diagrams/drawing3.xml><?xml version="1.0" encoding="utf-8"?>
+<file path=ppt/diagrams/drawing2.xml><?xml version="1.0" encoding="utf-8"?>
 <dsp:drawing xmlns:dgm="http://schemas.openxmlformats.org/drawingml/2006/diagram" xmlns:dsp="http://schemas.microsoft.com/office/drawing/2008/diagram" xmlns:a="http://schemas.openxmlformats.org/drawingml/2006/main">
   <dsp:spTree>
     <dsp:nvGrpSpPr>
@@ -9496,15 +8758,15 @@
       <dsp:cNvGrpSpPr/>
     </dsp:nvGrpSpPr>
     <dsp:grpSpPr/>
-    <dsp:sp modelId="{7E2174DA-3B46-4E7A-A88D-F121A33959B6}">
+    <dsp:sp modelId="{9BC6C36D-12BC-4FC3-86F2-F9D8091DA5FD}">
       <dsp:nvSpPr>
         <dsp:cNvPr id="0" name=""/>
         <dsp:cNvSpPr/>
       </dsp:nvSpPr>
       <dsp:spPr>
         <a:xfrm>
-          <a:off x="0" y="187558"/>
-          <a:ext cx="2279801" cy="346283"/>
+          <a:off x="0" y="26904"/>
+          <a:ext cx="2448271" cy="368550"/>
         </a:xfrm>
         <a:prstGeom prst="roundRect">
           <a:avLst/>
@@ -9546,12 +8808,12 @@
         </a:fontRef>
       </dsp:style>
       <dsp:txBody>
-        <a:bodyPr spcFirstLastPara="0" vert="horz" wrap="square" lIns="41910" tIns="41910" rIns="41910" bIns="41910" numCol="1" spcCol="1270" anchor="ctr" anchorCtr="0">
+        <a:bodyPr spcFirstLastPara="0" vert="horz" wrap="square" lIns="53340" tIns="53340" rIns="53340" bIns="53340" numCol="1" spcCol="1270" anchor="ctr" anchorCtr="0">
           <a:noAutofit/>
         </a:bodyPr>
         <a:lstStyle/>
         <a:p>
-          <a:pPr marL="0" lvl="0" indent="0" algn="l" defTabSz="488950">
+          <a:pPr marL="0" lvl="0" indent="0" algn="l" defTabSz="622300">
             <a:lnSpc>
               <a:spcPct val="90000"/>
             </a:lnSpc>
@@ -9564,26 +8826,26 @@
             <a:buNone/>
           </a:pPr>
           <a:r>
-            <a:rPr lang="en-US" sz="1100" kern="1200"/>
-            <a:t>1.docker pull/push </a:t>
+            <a:rPr lang="en-US" sz="1400" kern="1200"/>
+            <a:t>1.docker images</a:t>
           </a:r>
-          <a:endParaRPr lang="zh-CN" sz="1100" kern="1200"/>
+          <a:endParaRPr lang="zh-CN" sz="1400" kern="1200"/>
         </a:p>
       </dsp:txBody>
       <dsp:txXfrm>
-        <a:off x="16904" y="204462"/>
-        <a:ext cx="2245993" cy="312475"/>
+        <a:off x="17991" y="44895"/>
+        <a:ext cx="2412289" cy="332568"/>
       </dsp:txXfrm>
     </dsp:sp>
-    <dsp:sp modelId="{9F5FEDBE-6CE0-4008-AB27-2BCE38FB7E86}">
+    <dsp:sp modelId="{A7F2C175-9D8F-4F5D-97CF-CB56D6B05D98}">
       <dsp:nvSpPr>
         <dsp:cNvPr id="0" name=""/>
         <dsp:cNvSpPr/>
       </dsp:nvSpPr>
       <dsp:spPr>
         <a:xfrm>
-          <a:off x="0" y="565522"/>
-          <a:ext cx="2279801" cy="346283"/>
+          <a:off x="0" y="435774"/>
+          <a:ext cx="2448271" cy="368550"/>
         </a:xfrm>
         <a:prstGeom prst="roundRect">
           <a:avLst/>
@@ -9625,12 +8887,12 @@
         </a:fontRef>
       </dsp:style>
       <dsp:txBody>
-        <a:bodyPr spcFirstLastPara="0" vert="horz" wrap="square" lIns="41910" tIns="41910" rIns="41910" bIns="41910" numCol="1" spcCol="1270" anchor="ctr" anchorCtr="0">
+        <a:bodyPr spcFirstLastPara="0" vert="horz" wrap="square" lIns="53340" tIns="53340" rIns="53340" bIns="53340" numCol="1" spcCol="1270" anchor="ctr" anchorCtr="0">
           <a:noAutofit/>
         </a:bodyPr>
         <a:lstStyle/>
         <a:p>
-          <a:pPr marL="0" lvl="0" indent="0" algn="l" defTabSz="488950">
+          <a:pPr marL="0" lvl="0" indent="0" algn="l" defTabSz="622300">
             <a:lnSpc>
               <a:spcPct val="90000"/>
             </a:lnSpc>
@@ -9643,33 +8905,25 @@
             <a:buNone/>
           </a:pPr>
           <a:r>
-            <a:rPr lang="zh-CN" sz="1100" kern="1200"/>
-            <a:t>拉取</a:t>
-          </a:r>
-          <a:r>
-            <a:rPr lang="en-US" sz="1100" kern="1200"/>
-            <a:t>/</a:t>
-          </a:r>
-          <a:r>
-            <a:rPr lang="zh-CN" sz="1100" kern="1200"/>
-            <a:t>推送</a:t>
+            <a:rPr lang="zh-CN" sz="1400" kern="1200"/>
+            <a:t>查看本地镜像</a:t>
           </a:r>
         </a:p>
       </dsp:txBody>
       <dsp:txXfrm>
-        <a:off x="16904" y="582426"/>
-        <a:ext cx="2245993" cy="312475"/>
+        <a:off x="17991" y="453765"/>
+        <a:ext cx="2412289" cy="332568"/>
       </dsp:txXfrm>
     </dsp:sp>
-    <dsp:sp modelId="{913186F8-04D5-4703-8ABA-46870F6C9CED}">
+    <dsp:sp modelId="{14998CC7-68E1-456E-B12B-AE85B4B336C2}">
       <dsp:nvSpPr>
         <dsp:cNvPr id="0" name=""/>
         <dsp:cNvSpPr/>
       </dsp:nvSpPr>
       <dsp:spPr>
         <a:xfrm>
-          <a:off x="0" y="943485"/>
-          <a:ext cx="2279801" cy="346283"/>
+          <a:off x="0" y="844644"/>
+          <a:ext cx="2448271" cy="368550"/>
         </a:xfrm>
         <a:prstGeom prst="roundRect">
           <a:avLst/>
@@ -9711,12 +8965,12 @@
         </a:fontRef>
       </dsp:style>
       <dsp:txBody>
-        <a:bodyPr spcFirstLastPara="0" vert="horz" wrap="square" lIns="41910" tIns="41910" rIns="41910" bIns="41910" numCol="1" spcCol="1270" anchor="ctr" anchorCtr="0">
+        <a:bodyPr spcFirstLastPara="0" vert="horz" wrap="square" lIns="53340" tIns="53340" rIns="53340" bIns="53340" numCol="1" spcCol="1270" anchor="ctr" anchorCtr="0">
           <a:noAutofit/>
         </a:bodyPr>
         <a:lstStyle/>
         <a:p>
-          <a:pPr marL="0" lvl="0" indent="0" algn="l" defTabSz="488950">
+          <a:pPr marL="0" lvl="0" indent="0" algn="l" defTabSz="622300">
             <a:lnSpc>
               <a:spcPct val="90000"/>
             </a:lnSpc>
@@ -9729,15 +8983,761 @@
             <a:buNone/>
           </a:pPr>
           <a:r>
-            <a:rPr lang="en-US" sz="1100" kern="1200"/>
-            <a:t>2.docker tag hjs registry/hjs</a:t>
+            <a:rPr lang="en-US" sz="1400" kern="1200"/>
+            <a:t>2.docker rmi containerID</a:t>
           </a:r>
-          <a:endParaRPr lang="zh-CN" sz="1100" kern="1200"/>
+          <a:endParaRPr lang="zh-CN" sz="1400" kern="1200"/>
         </a:p>
       </dsp:txBody>
       <dsp:txXfrm>
-        <a:off x="16904" y="960389"/>
-        <a:ext cx="2245993" cy="312475"/>
+        <a:off x="17991" y="862635"/>
+        <a:ext cx="2412289" cy="332568"/>
+      </dsp:txXfrm>
+    </dsp:sp>
+    <dsp:sp modelId="{0CE9DAFF-694F-4482-B834-688C3C11B9CD}">
+      <dsp:nvSpPr>
+        <dsp:cNvPr id="0" name=""/>
+        <dsp:cNvSpPr/>
+      </dsp:nvSpPr>
+      <dsp:spPr>
+        <a:xfrm>
+          <a:off x="0" y="1253514"/>
+          <a:ext cx="2448271" cy="368550"/>
+        </a:xfrm>
+        <a:prstGeom prst="roundRect">
+          <a:avLst/>
+        </a:prstGeom>
+        <a:solidFill>
+          <a:schemeClr val="accent1">
+            <a:hueOff val="0"/>
+            <a:satOff val="0"/>
+            <a:lumOff val="0"/>
+            <a:alphaOff val="0"/>
+          </a:schemeClr>
+        </a:solidFill>
+        <a:ln w="12700" cap="flat" cmpd="sng" algn="ctr">
+          <a:solidFill>
+            <a:schemeClr val="lt1">
+              <a:hueOff val="0"/>
+              <a:satOff val="0"/>
+              <a:lumOff val="0"/>
+              <a:alphaOff val="0"/>
+            </a:schemeClr>
+          </a:solidFill>
+          <a:prstDash val="solid"/>
+          <a:miter lim="800000"/>
+        </a:ln>
+        <a:effectLst/>
+      </dsp:spPr>
+      <dsp:style>
+        <a:lnRef idx="2">
+          <a:scrgbClr r="0" g="0" b="0"/>
+        </a:lnRef>
+        <a:fillRef idx="1">
+          <a:scrgbClr r="0" g="0" b="0"/>
+        </a:fillRef>
+        <a:effectRef idx="0">
+          <a:scrgbClr r="0" g="0" b="0"/>
+        </a:effectRef>
+        <a:fontRef idx="minor">
+          <a:schemeClr val="lt1"/>
+        </a:fontRef>
+      </dsp:style>
+      <dsp:txBody>
+        <a:bodyPr spcFirstLastPara="0" vert="horz" wrap="square" lIns="53340" tIns="53340" rIns="53340" bIns="53340" numCol="1" spcCol="1270" anchor="ctr" anchorCtr="0">
+          <a:noAutofit/>
+        </a:bodyPr>
+        <a:lstStyle/>
+        <a:p>
+          <a:pPr marL="0" lvl="0" indent="0" algn="l" defTabSz="622300">
+            <a:lnSpc>
+              <a:spcPct val="90000"/>
+            </a:lnSpc>
+            <a:spcBef>
+              <a:spcPct val="0"/>
+            </a:spcBef>
+            <a:spcAft>
+              <a:spcPct val="35000"/>
+            </a:spcAft>
+            <a:buNone/>
+          </a:pPr>
+          <a:r>
+            <a:rPr lang="zh-CN" sz="1400" kern="1200"/>
+            <a:t>删除镜像</a:t>
+          </a:r>
+        </a:p>
+      </dsp:txBody>
+      <dsp:txXfrm>
+        <a:off x="17991" y="1271505"/>
+        <a:ext cx="2412289" cy="332568"/>
+      </dsp:txXfrm>
+    </dsp:sp>
+    <dsp:sp modelId="{713A9E0C-20F5-43F6-86E1-EDD37C655C14}">
+      <dsp:nvSpPr>
+        <dsp:cNvPr id="0" name=""/>
+        <dsp:cNvSpPr/>
+      </dsp:nvSpPr>
+      <dsp:spPr>
+        <a:xfrm>
+          <a:off x="0" y="1662384"/>
+          <a:ext cx="2448271" cy="368550"/>
+        </a:xfrm>
+        <a:prstGeom prst="roundRect">
+          <a:avLst/>
+        </a:prstGeom>
+        <a:solidFill>
+          <a:schemeClr val="accent1">
+            <a:hueOff val="0"/>
+            <a:satOff val="0"/>
+            <a:lumOff val="0"/>
+            <a:alphaOff val="0"/>
+          </a:schemeClr>
+        </a:solidFill>
+        <a:ln w="12700" cap="flat" cmpd="sng" algn="ctr">
+          <a:solidFill>
+            <a:schemeClr val="lt1">
+              <a:hueOff val="0"/>
+              <a:satOff val="0"/>
+              <a:lumOff val="0"/>
+              <a:alphaOff val="0"/>
+            </a:schemeClr>
+          </a:solidFill>
+          <a:prstDash val="solid"/>
+          <a:miter lim="800000"/>
+        </a:ln>
+        <a:effectLst/>
+      </dsp:spPr>
+      <dsp:style>
+        <a:lnRef idx="2">
+          <a:scrgbClr r="0" g="0" b="0"/>
+        </a:lnRef>
+        <a:fillRef idx="1">
+          <a:scrgbClr r="0" g="0" b="0"/>
+        </a:fillRef>
+        <a:effectRef idx="0">
+          <a:scrgbClr r="0" g="0" b="0"/>
+        </a:effectRef>
+        <a:fontRef idx="minor">
+          <a:schemeClr val="lt1"/>
+        </a:fontRef>
+      </dsp:style>
+      <dsp:txBody>
+        <a:bodyPr spcFirstLastPara="0" vert="horz" wrap="square" lIns="53340" tIns="53340" rIns="53340" bIns="53340" numCol="1" spcCol="1270" anchor="ctr" anchorCtr="0">
+          <a:noAutofit/>
+        </a:bodyPr>
+        <a:lstStyle/>
+        <a:p>
+          <a:pPr marL="0" lvl="0" indent="0" algn="l" defTabSz="622300">
+            <a:lnSpc>
+              <a:spcPct val="90000"/>
+            </a:lnSpc>
+            <a:spcBef>
+              <a:spcPct val="0"/>
+            </a:spcBef>
+            <a:spcAft>
+              <a:spcPct val="35000"/>
+            </a:spcAft>
+            <a:buNone/>
+          </a:pPr>
+          <a:r>
+            <a:rPr lang="en-US" sz="1400" kern="1200"/>
+            <a:t>3.Docker </a:t>
+          </a:r>
+          <a:r>
+            <a:rPr lang="en-US" altLang="zh-CN" sz="1400" kern="1200"/>
+            <a:t>image</a:t>
+          </a:r>
+          <a:r>
+            <a:rPr lang="en-US" sz="1400" kern="1200"/>
+            <a:t> save/load</a:t>
+          </a:r>
+          <a:endParaRPr lang="zh-CN" sz="1400" kern="1200" dirty="0"/>
+        </a:p>
+      </dsp:txBody>
+      <dsp:txXfrm>
+        <a:off x="17991" y="1680375"/>
+        <a:ext cx="2412289" cy="332568"/>
+      </dsp:txXfrm>
+    </dsp:sp>
+    <dsp:sp modelId="{216E8D36-C367-407B-8E80-880E2EFC71EB}">
+      <dsp:nvSpPr>
+        <dsp:cNvPr id="0" name=""/>
+        <dsp:cNvSpPr/>
+      </dsp:nvSpPr>
+      <dsp:spPr>
+        <a:xfrm>
+          <a:off x="0" y="2071254"/>
+          <a:ext cx="2448271" cy="368550"/>
+        </a:xfrm>
+        <a:prstGeom prst="roundRect">
+          <a:avLst/>
+        </a:prstGeom>
+        <a:solidFill>
+          <a:schemeClr val="accent1">
+            <a:hueOff val="0"/>
+            <a:satOff val="0"/>
+            <a:lumOff val="0"/>
+            <a:alphaOff val="0"/>
+          </a:schemeClr>
+        </a:solidFill>
+        <a:ln w="12700" cap="flat" cmpd="sng" algn="ctr">
+          <a:solidFill>
+            <a:schemeClr val="lt1">
+              <a:hueOff val="0"/>
+              <a:satOff val="0"/>
+              <a:lumOff val="0"/>
+              <a:alphaOff val="0"/>
+            </a:schemeClr>
+          </a:solidFill>
+          <a:prstDash val="solid"/>
+          <a:miter lim="800000"/>
+        </a:ln>
+        <a:effectLst/>
+      </dsp:spPr>
+      <dsp:style>
+        <a:lnRef idx="2">
+          <a:scrgbClr r="0" g="0" b="0"/>
+        </a:lnRef>
+        <a:fillRef idx="1">
+          <a:scrgbClr r="0" g="0" b="0"/>
+        </a:fillRef>
+        <a:effectRef idx="0">
+          <a:scrgbClr r="0" g="0" b="0"/>
+        </a:effectRef>
+        <a:fontRef idx="minor">
+          <a:schemeClr val="lt1"/>
+        </a:fontRef>
+      </dsp:style>
+      <dsp:txBody>
+        <a:bodyPr spcFirstLastPara="0" vert="horz" wrap="square" lIns="53340" tIns="53340" rIns="53340" bIns="53340" numCol="1" spcCol="1270" anchor="ctr" anchorCtr="0">
+          <a:noAutofit/>
+        </a:bodyPr>
+        <a:lstStyle/>
+        <a:p>
+          <a:pPr marL="0" lvl="0" indent="0" algn="l" defTabSz="622300">
+            <a:lnSpc>
+              <a:spcPct val="90000"/>
+            </a:lnSpc>
+            <a:spcBef>
+              <a:spcPct val="0"/>
+            </a:spcBef>
+            <a:spcAft>
+              <a:spcPct val="35000"/>
+            </a:spcAft>
+            <a:buNone/>
+          </a:pPr>
+          <a:r>
+            <a:rPr lang="zh-CN" sz="1400" kern="1200"/>
+            <a:t>导出</a:t>
+          </a:r>
+          <a:r>
+            <a:rPr lang="en-US" sz="1400" kern="1200"/>
+            <a:t>/</a:t>
+          </a:r>
+          <a:r>
+            <a:rPr lang="zh-CN" sz="1400" kern="1200"/>
+            <a:t>导入</a:t>
+          </a:r>
+        </a:p>
+      </dsp:txBody>
+      <dsp:txXfrm>
+        <a:off x="17991" y="2089245"/>
+        <a:ext cx="2412289" cy="332568"/>
+      </dsp:txXfrm>
+    </dsp:sp>
+    <dsp:sp modelId="{71864B14-0B30-4E30-95E0-6327B2EFC215}">
+      <dsp:nvSpPr>
+        <dsp:cNvPr id="0" name=""/>
+        <dsp:cNvSpPr/>
+      </dsp:nvSpPr>
+      <dsp:spPr>
+        <a:xfrm>
+          <a:off x="0" y="2480124"/>
+          <a:ext cx="2448271" cy="368550"/>
+        </a:xfrm>
+        <a:prstGeom prst="roundRect">
+          <a:avLst/>
+        </a:prstGeom>
+        <a:solidFill>
+          <a:schemeClr val="accent1">
+            <a:hueOff val="0"/>
+            <a:satOff val="0"/>
+            <a:lumOff val="0"/>
+            <a:alphaOff val="0"/>
+          </a:schemeClr>
+        </a:solidFill>
+        <a:ln w="12700" cap="flat" cmpd="sng" algn="ctr">
+          <a:solidFill>
+            <a:schemeClr val="lt1">
+              <a:hueOff val="0"/>
+              <a:satOff val="0"/>
+              <a:lumOff val="0"/>
+              <a:alphaOff val="0"/>
+            </a:schemeClr>
+          </a:solidFill>
+          <a:prstDash val="solid"/>
+          <a:miter lim="800000"/>
+        </a:ln>
+        <a:effectLst/>
+      </dsp:spPr>
+      <dsp:style>
+        <a:lnRef idx="2">
+          <a:scrgbClr r="0" g="0" b="0"/>
+        </a:lnRef>
+        <a:fillRef idx="1">
+          <a:scrgbClr r="0" g="0" b="0"/>
+        </a:fillRef>
+        <a:effectRef idx="0">
+          <a:scrgbClr r="0" g="0" b="0"/>
+        </a:effectRef>
+        <a:fontRef idx="minor">
+          <a:schemeClr val="lt1"/>
+        </a:fontRef>
+      </dsp:style>
+      <dsp:txBody>
+        <a:bodyPr spcFirstLastPara="0" vert="horz" wrap="square" lIns="53340" tIns="53340" rIns="53340" bIns="53340" numCol="1" spcCol="1270" anchor="ctr" anchorCtr="0">
+          <a:noAutofit/>
+        </a:bodyPr>
+        <a:lstStyle/>
+        <a:p>
+          <a:pPr marL="0" lvl="0" indent="0" algn="l" defTabSz="622300">
+            <a:lnSpc>
+              <a:spcPct val="90000"/>
+            </a:lnSpc>
+            <a:spcBef>
+              <a:spcPct val="0"/>
+            </a:spcBef>
+            <a:spcAft>
+              <a:spcPct val="35000"/>
+            </a:spcAft>
+            <a:buNone/>
+          </a:pPr>
+          <a:r>
+            <a:rPr lang="en-US" sz="1400" kern="1200" dirty="0"/>
+            <a:t>4.docker build –t &lt;name&gt; .</a:t>
+          </a:r>
+          <a:endParaRPr lang="zh-CN" sz="1400" kern="1200" dirty="0"/>
+        </a:p>
+      </dsp:txBody>
+      <dsp:txXfrm>
+        <a:off x="17991" y="2498115"/>
+        <a:ext cx="2412289" cy="332568"/>
+      </dsp:txXfrm>
+    </dsp:sp>
+    <dsp:sp modelId="{5E18EFC4-0A21-49B5-9E4B-20F86B900390}">
+      <dsp:nvSpPr>
+        <dsp:cNvPr id="0" name=""/>
+        <dsp:cNvSpPr/>
+      </dsp:nvSpPr>
+      <dsp:spPr>
+        <a:xfrm>
+          <a:off x="0" y="2888994"/>
+          <a:ext cx="2448271" cy="368550"/>
+        </a:xfrm>
+        <a:prstGeom prst="roundRect">
+          <a:avLst/>
+        </a:prstGeom>
+        <a:solidFill>
+          <a:schemeClr val="accent1">
+            <a:hueOff val="0"/>
+            <a:satOff val="0"/>
+            <a:lumOff val="0"/>
+            <a:alphaOff val="0"/>
+          </a:schemeClr>
+        </a:solidFill>
+        <a:ln w="12700" cap="flat" cmpd="sng" algn="ctr">
+          <a:solidFill>
+            <a:schemeClr val="lt1">
+              <a:hueOff val="0"/>
+              <a:satOff val="0"/>
+              <a:lumOff val="0"/>
+              <a:alphaOff val="0"/>
+            </a:schemeClr>
+          </a:solidFill>
+          <a:prstDash val="solid"/>
+          <a:miter lim="800000"/>
+        </a:ln>
+        <a:effectLst/>
+      </dsp:spPr>
+      <dsp:style>
+        <a:lnRef idx="2">
+          <a:scrgbClr r="0" g="0" b="0"/>
+        </a:lnRef>
+        <a:fillRef idx="1">
+          <a:scrgbClr r="0" g="0" b="0"/>
+        </a:fillRef>
+        <a:effectRef idx="0">
+          <a:scrgbClr r="0" g="0" b="0"/>
+        </a:effectRef>
+        <a:fontRef idx="minor">
+          <a:schemeClr val="lt1"/>
+        </a:fontRef>
+      </dsp:style>
+      <dsp:txBody>
+        <a:bodyPr spcFirstLastPara="0" vert="horz" wrap="square" lIns="53340" tIns="53340" rIns="53340" bIns="53340" numCol="1" spcCol="1270" anchor="ctr" anchorCtr="0">
+          <a:noAutofit/>
+        </a:bodyPr>
+        <a:lstStyle/>
+        <a:p>
+          <a:pPr marL="0" lvl="0" indent="0" algn="l" defTabSz="622300">
+            <a:lnSpc>
+              <a:spcPct val="90000"/>
+            </a:lnSpc>
+            <a:spcBef>
+              <a:spcPct val="0"/>
+            </a:spcBef>
+            <a:spcAft>
+              <a:spcPct val="35000"/>
+            </a:spcAft>
+            <a:buNone/>
+          </a:pPr>
+          <a:r>
+            <a:rPr lang="zh-CN" sz="1400" kern="1200"/>
+            <a:t>构建镜像</a:t>
+          </a:r>
+        </a:p>
+      </dsp:txBody>
+      <dsp:txXfrm>
+        <a:off x="17991" y="2906985"/>
+        <a:ext cx="2412289" cy="332568"/>
+      </dsp:txXfrm>
+    </dsp:sp>
+    <dsp:sp modelId="{B6FC9207-3979-41D9-814B-39E30B970CAA}">
+      <dsp:nvSpPr>
+        <dsp:cNvPr id="0" name=""/>
+        <dsp:cNvSpPr/>
+      </dsp:nvSpPr>
+      <dsp:spPr>
+        <a:xfrm>
+          <a:off x="0" y="3297864"/>
+          <a:ext cx="2448271" cy="368550"/>
+        </a:xfrm>
+        <a:prstGeom prst="roundRect">
+          <a:avLst/>
+        </a:prstGeom>
+        <a:solidFill>
+          <a:schemeClr val="accent1">
+            <a:hueOff val="0"/>
+            <a:satOff val="0"/>
+            <a:lumOff val="0"/>
+            <a:alphaOff val="0"/>
+          </a:schemeClr>
+        </a:solidFill>
+        <a:ln w="12700" cap="flat" cmpd="sng" algn="ctr">
+          <a:solidFill>
+            <a:schemeClr val="lt1">
+              <a:hueOff val="0"/>
+              <a:satOff val="0"/>
+              <a:lumOff val="0"/>
+              <a:alphaOff val="0"/>
+            </a:schemeClr>
+          </a:solidFill>
+          <a:prstDash val="solid"/>
+          <a:miter lim="800000"/>
+        </a:ln>
+        <a:effectLst/>
+      </dsp:spPr>
+      <dsp:style>
+        <a:lnRef idx="2">
+          <a:scrgbClr r="0" g="0" b="0"/>
+        </a:lnRef>
+        <a:fillRef idx="1">
+          <a:scrgbClr r="0" g="0" b="0"/>
+        </a:fillRef>
+        <a:effectRef idx="0">
+          <a:scrgbClr r="0" g="0" b="0"/>
+        </a:effectRef>
+        <a:fontRef idx="minor">
+          <a:schemeClr val="lt1"/>
+        </a:fontRef>
+      </dsp:style>
+      <dsp:txBody>
+        <a:bodyPr spcFirstLastPara="0" vert="horz" wrap="square" lIns="53340" tIns="53340" rIns="53340" bIns="53340" numCol="1" spcCol="1270" anchor="ctr" anchorCtr="0">
+          <a:noAutofit/>
+        </a:bodyPr>
+        <a:lstStyle/>
+        <a:p>
+          <a:pPr marL="0" lvl="0" indent="0" algn="l" defTabSz="622300">
+            <a:lnSpc>
+              <a:spcPct val="90000"/>
+            </a:lnSpc>
+            <a:spcBef>
+              <a:spcPct val="0"/>
+            </a:spcBef>
+            <a:spcAft>
+              <a:spcPct val="35000"/>
+            </a:spcAft>
+            <a:buNone/>
+          </a:pPr>
+          <a:r>
+            <a:rPr lang="en-US" sz="1400" kern="1200"/>
+            <a:t>t: </a:t>
+          </a:r>
+          <a:r>
+            <a:rPr lang="zh-CN" sz="1400" kern="1200"/>
+            <a:t>打标签</a:t>
+          </a:r>
+        </a:p>
+      </dsp:txBody>
+      <dsp:txXfrm>
+        <a:off x="17991" y="3315855"/>
+        <a:ext cx="2412289" cy="332568"/>
+      </dsp:txXfrm>
+    </dsp:sp>
+  </dsp:spTree>
+</dsp:drawing>
+</file>
+
+<file path=ppt/diagrams/drawing3.xml><?xml version="1.0" encoding="utf-8"?>
+<dsp:drawing xmlns:dgm="http://schemas.openxmlformats.org/drawingml/2006/diagram" xmlns:dsp="http://schemas.microsoft.com/office/drawing/2008/diagram" xmlns:a="http://schemas.openxmlformats.org/drawingml/2006/main">
+  <dsp:spTree>
+    <dsp:nvGrpSpPr>
+      <dsp:cNvPr id="0" name=""/>
+      <dsp:cNvGrpSpPr/>
+    </dsp:nvGrpSpPr>
+    <dsp:grpSpPr/>
+    <dsp:sp modelId="{7E2174DA-3B46-4E7A-A88D-F121A33959B6}">
+      <dsp:nvSpPr>
+        <dsp:cNvPr id="0" name=""/>
+        <dsp:cNvSpPr/>
+      </dsp:nvSpPr>
+      <dsp:spPr>
+        <a:xfrm>
+          <a:off x="0" y="145519"/>
+          <a:ext cx="2279801" cy="368550"/>
+        </a:xfrm>
+        <a:prstGeom prst="roundRect">
+          <a:avLst/>
+        </a:prstGeom>
+        <a:solidFill>
+          <a:schemeClr val="accent1">
+            <a:hueOff val="0"/>
+            <a:satOff val="0"/>
+            <a:lumOff val="0"/>
+            <a:alphaOff val="0"/>
+          </a:schemeClr>
+        </a:solidFill>
+        <a:ln w="12700" cap="flat" cmpd="sng" algn="ctr">
+          <a:solidFill>
+            <a:schemeClr val="lt1">
+              <a:hueOff val="0"/>
+              <a:satOff val="0"/>
+              <a:lumOff val="0"/>
+              <a:alphaOff val="0"/>
+            </a:schemeClr>
+          </a:solidFill>
+          <a:prstDash val="solid"/>
+          <a:miter lim="800000"/>
+        </a:ln>
+        <a:effectLst/>
+      </dsp:spPr>
+      <dsp:style>
+        <a:lnRef idx="2">
+          <a:scrgbClr r="0" g="0" b="0"/>
+        </a:lnRef>
+        <a:fillRef idx="1">
+          <a:scrgbClr r="0" g="0" b="0"/>
+        </a:fillRef>
+        <a:effectRef idx="0">
+          <a:scrgbClr r="0" g="0" b="0"/>
+        </a:effectRef>
+        <a:fontRef idx="minor">
+          <a:schemeClr val="lt1"/>
+        </a:fontRef>
+      </dsp:style>
+      <dsp:txBody>
+        <a:bodyPr spcFirstLastPara="0" vert="horz" wrap="square" lIns="53340" tIns="53340" rIns="53340" bIns="53340" numCol="1" spcCol="1270" anchor="ctr" anchorCtr="0">
+          <a:noAutofit/>
+        </a:bodyPr>
+        <a:lstStyle/>
+        <a:p>
+          <a:pPr marL="0" lvl="0" indent="0" algn="l" defTabSz="622300">
+            <a:lnSpc>
+              <a:spcPct val="90000"/>
+            </a:lnSpc>
+            <a:spcBef>
+              <a:spcPct val="0"/>
+            </a:spcBef>
+            <a:spcAft>
+              <a:spcPct val="35000"/>
+            </a:spcAft>
+            <a:buNone/>
+          </a:pPr>
+          <a:r>
+            <a:rPr lang="en-US" sz="1400" kern="1200"/>
+            <a:t>1.docker pull/push </a:t>
+          </a:r>
+          <a:endParaRPr lang="zh-CN" sz="1400" kern="1200"/>
+        </a:p>
+      </dsp:txBody>
+      <dsp:txXfrm>
+        <a:off x="17991" y="163510"/>
+        <a:ext cx="2243819" cy="332568"/>
+      </dsp:txXfrm>
+    </dsp:sp>
+    <dsp:sp modelId="{9F5FEDBE-6CE0-4008-AB27-2BCE38FB7E86}">
+      <dsp:nvSpPr>
+        <dsp:cNvPr id="0" name=""/>
+        <dsp:cNvSpPr/>
+      </dsp:nvSpPr>
+      <dsp:spPr>
+        <a:xfrm>
+          <a:off x="0" y="554389"/>
+          <a:ext cx="2279801" cy="368550"/>
+        </a:xfrm>
+        <a:prstGeom prst="roundRect">
+          <a:avLst/>
+        </a:prstGeom>
+        <a:solidFill>
+          <a:schemeClr val="accent1">
+            <a:hueOff val="0"/>
+            <a:satOff val="0"/>
+            <a:lumOff val="0"/>
+            <a:alphaOff val="0"/>
+          </a:schemeClr>
+        </a:solidFill>
+        <a:ln w="12700" cap="flat" cmpd="sng" algn="ctr">
+          <a:solidFill>
+            <a:schemeClr val="lt1">
+              <a:hueOff val="0"/>
+              <a:satOff val="0"/>
+              <a:lumOff val="0"/>
+              <a:alphaOff val="0"/>
+            </a:schemeClr>
+          </a:solidFill>
+          <a:prstDash val="solid"/>
+          <a:miter lim="800000"/>
+        </a:ln>
+        <a:effectLst/>
+      </dsp:spPr>
+      <dsp:style>
+        <a:lnRef idx="2">
+          <a:scrgbClr r="0" g="0" b="0"/>
+        </a:lnRef>
+        <a:fillRef idx="1">
+          <a:scrgbClr r="0" g="0" b="0"/>
+        </a:fillRef>
+        <a:effectRef idx="0">
+          <a:scrgbClr r="0" g="0" b="0"/>
+        </a:effectRef>
+        <a:fontRef idx="minor">
+          <a:schemeClr val="lt1"/>
+        </a:fontRef>
+      </dsp:style>
+      <dsp:txBody>
+        <a:bodyPr spcFirstLastPara="0" vert="horz" wrap="square" lIns="53340" tIns="53340" rIns="53340" bIns="53340" numCol="1" spcCol="1270" anchor="ctr" anchorCtr="0">
+          <a:noAutofit/>
+        </a:bodyPr>
+        <a:lstStyle/>
+        <a:p>
+          <a:pPr marL="0" lvl="0" indent="0" algn="l" defTabSz="622300">
+            <a:lnSpc>
+              <a:spcPct val="90000"/>
+            </a:lnSpc>
+            <a:spcBef>
+              <a:spcPct val="0"/>
+            </a:spcBef>
+            <a:spcAft>
+              <a:spcPct val="35000"/>
+            </a:spcAft>
+            <a:buNone/>
+          </a:pPr>
+          <a:r>
+            <a:rPr lang="zh-CN" sz="1400" kern="1200"/>
+            <a:t>拉取</a:t>
+          </a:r>
+          <a:r>
+            <a:rPr lang="en-US" sz="1400" kern="1200"/>
+            <a:t>/</a:t>
+          </a:r>
+          <a:r>
+            <a:rPr lang="zh-CN" sz="1400" kern="1200"/>
+            <a:t>推送</a:t>
+          </a:r>
+        </a:p>
+      </dsp:txBody>
+      <dsp:txXfrm>
+        <a:off x="17991" y="572380"/>
+        <a:ext cx="2243819" cy="332568"/>
+      </dsp:txXfrm>
+    </dsp:sp>
+    <dsp:sp modelId="{913186F8-04D5-4703-8ABA-46870F6C9CED}">
+      <dsp:nvSpPr>
+        <dsp:cNvPr id="0" name=""/>
+        <dsp:cNvSpPr/>
+      </dsp:nvSpPr>
+      <dsp:spPr>
+        <a:xfrm>
+          <a:off x="0" y="963259"/>
+          <a:ext cx="2279801" cy="368550"/>
+        </a:xfrm>
+        <a:prstGeom prst="roundRect">
+          <a:avLst/>
+        </a:prstGeom>
+        <a:solidFill>
+          <a:schemeClr val="accent1">
+            <a:hueOff val="0"/>
+            <a:satOff val="0"/>
+            <a:lumOff val="0"/>
+            <a:alphaOff val="0"/>
+          </a:schemeClr>
+        </a:solidFill>
+        <a:ln w="12700" cap="flat" cmpd="sng" algn="ctr">
+          <a:solidFill>
+            <a:schemeClr val="lt1">
+              <a:hueOff val="0"/>
+              <a:satOff val="0"/>
+              <a:lumOff val="0"/>
+              <a:alphaOff val="0"/>
+            </a:schemeClr>
+          </a:solidFill>
+          <a:prstDash val="solid"/>
+          <a:miter lim="800000"/>
+        </a:ln>
+        <a:effectLst/>
+      </dsp:spPr>
+      <dsp:style>
+        <a:lnRef idx="2">
+          <a:scrgbClr r="0" g="0" b="0"/>
+        </a:lnRef>
+        <a:fillRef idx="1">
+          <a:scrgbClr r="0" g="0" b="0"/>
+        </a:fillRef>
+        <a:effectRef idx="0">
+          <a:scrgbClr r="0" g="0" b="0"/>
+        </a:effectRef>
+        <a:fontRef idx="minor">
+          <a:schemeClr val="lt1"/>
+        </a:fontRef>
+      </dsp:style>
+      <dsp:txBody>
+        <a:bodyPr spcFirstLastPara="0" vert="horz" wrap="square" lIns="53340" tIns="53340" rIns="53340" bIns="53340" numCol="1" spcCol="1270" anchor="ctr" anchorCtr="0">
+          <a:noAutofit/>
+        </a:bodyPr>
+        <a:lstStyle/>
+        <a:p>
+          <a:pPr marL="0" lvl="0" indent="0" algn="l" defTabSz="622300">
+            <a:lnSpc>
+              <a:spcPct val="90000"/>
+            </a:lnSpc>
+            <a:spcBef>
+              <a:spcPct val="0"/>
+            </a:spcBef>
+            <a:spcAft>
+              <a:spcPct val="35000"/>
+            </a:spcAft>
+            <a:buNone/>
+          </a:pPr>
+          <a:r>
+            <a:rPr lang="en-US" sz="1400" kern="1200"/>
+            <a:t>2.docker tag hjs registry/hjs</a:t>
+          </a:r>
+          <a:endParaRPr lang="zh-CN" sz="1400" kern="1200"/>
+        </a:p>
+      </dsp:txBody>
+      <dsp:txXfrm>
+        <a:off x="17991" y="981250"/>
+        <a:ext cx="2243819" cy="332568"/>
       </dsp:txXfrm>
     </dsp:sp>
   </dsp:spTree>
@@ -9797,12 +9797,12 @@
         </a:fontRef>
       </dsp:style>
       <dsp:txBody>
-        <a:bodyPr spcFirstLastPara="0" vert="horz" wrap="square" lIns="95250" tIns="95250" rIns="95250" bIns="95250" numCol="1" spcCol="1270" anchor="ctr" anchorCtr="0">
+        <a:bodyPr spcFirstLastPara="0" vert="horz" wrap="square" lIns="106680" tIns="106680" rIns="106680" bIns="106680" numCol="1" spcCol="1270" anchor="ctr" anchorCtr="0">
           <a:noAutofit/>
         </a:bodyPr>
         <a:lstStyle/>
         <a:p>
-          <a:pPr marL="0" lvl="0" indent="0" algn="ctr" defTabSz="1111250">
+          <a:pPr marL="0" lvl="0" indent="0" algn="ctr" defTabSz="1244600">
             <a:lnSpc>
               <a:spcPct val="90000"/>
             </a:lnSpc>
@@ -9815,10 +9815,10 @@
             <a:buNone/>
           </a:pPr>
           <a:r>
-            <a:rPr lang="en-US" altLang="zh-CN" sz="2500" kern="1200" dirty="0" err="1"/>
+            <a:rPr lang="en-US" altLang="zh-CN" sz="2800" kern="1200" dirty="0" err="1"/>
             <a:t>kubeadm</a:t>
           </a:r>
-          <a:endParaRPr lang="zh-CN" altLang="en-US" sz="2500" kern="1200" dirty="0"/>
+          <a:endParaRPr lang="zh-CN" altLang="en-US" sz="2800" kern="1200" dirty="0"/>
         </a:p>
       </dsp:txBody>
       <dsp:txXfrm>
@@ -9927,12 +9927,12 @@
         </a:fontRef>
       </dsp:style>
       <dsp:txBody>
-        <a:bodyPr spcFirstLastPara="0" vert="horz" wrap="square" lIns="95250" tIns="95250" rIns="95250" bIns="95250" numCol="1" spcCol="1270" anchor="ctr" anchorCtr="0">
+        <a:bodyPr spcFirstLastPara="0" vert="horz" wrap="square" lIns="106680" tIns="106680" rIns="106680" bIns="106680" numCol="1" spcCol="1270" anchor="ctr" anchorCtr="0">
           <a:noAutofit/>
         </a:bodyPr>
         <a:lstStyle/>
         <a:p>
-          <a:pPr marL="0" lvl="0" indent="0" algn="ctr" defTabSz="1111250">
+          <a:pPr marL="0" lvl="0" indent="0" algn="ctr" defTabSz="1244600">
             <a:lnSpc>
               <a:spcPct val="90000"/>
             </a:lnSpc>
@@ -9945,10 +9945,10 @@
             <a:buNone/>
           </a:pPr>
           <a:r>
-            <a:rPr lang="en-US" altLang="zh-CN" sz="2500" kern="1200" dirty="0" err="1"/>
+            <a:rPr lang="en-US" altLang="zh-CN" sz="2800" kern="1200" dirty="0" err="1"/>
             <a:t>minikube</a:t>
           </a:r>
-          <a:endParaRPr lang="zh-CN" altLang="en-US" sz="2500" kern="1200" dirty="0"/>
+          <a:endParaRPr lang="zh-CN" altLang="en-US" sz="2800" kern="1200" dirty="0"/>
         </a:p>
       </dsp:txBody>
       <dsp:txXfrm>
@@ -10057,12 +10057,12 @@
         </a:fontRef>
       </dsp:style>
       <dsp:txBody>
-        <a:bodyPr spcFirstLastPara="0" vert="horz" wrap="square" lIns="95250" tIns="95250" rIns="95250" bIns="95250" numCol="1" spcCol="1270" anchor="ctr" anchorCtr="0">
+        <a:bodyPr spcFirstLastPara="0" vert="horz" wrap="square" lIns="106680" tIns="106680" rIns="106680" bIns="106680" numCol="1" spcCol="1270" anchor="ctr" anchorCtr="0">
           <a:noAutofit/>
         </a:bodyPr>
         <a:lstStyle/>
         <a:p>
-          <a:pPr marL="0" lvl="0" indent="0" algn="ctr" defTabSz="1111250">
+          <a:pPr marL="0" lvl="0" indent="0" algn="ctr" defTabSz="1244600">
             <a:lnSpc>
               <a:spcPct val="90000"/>
             </a:lnSpc>
@@ -10075,10 +10075,10 @@
             <a:buNone/>
           </a:pPr>
           <a:r>
-            <a:rPr lang="en-US" altLang="zh-CN" sz="2500" kern="1200" dirty="0"/>
+            <a:rPr lang="en-US" altLang="zh-CN" sz="2800" kern="1200" dirty="0"/>
             <a:t>yum</a:t>
           </a:r>
-          <a:endParaRPr lang="zh-CN" altLang="en-US" sz="2500" kern="1200" dirty="0"/>
+          <a:endParaRPr lang="zh-CN" altLang="en-US" sz="2800" kern="1200" dirty="0"/>
         </a:p>
       </dsp:txBody>
       <dsp:txXfrm>
@@ -10186,12 +10186,12 @@
         </a:fontRef>
       </dsp:style>
       <dsp:txBody>
-        <a:bodyPr spcFirstLastPara="0" vert="horz" wrap="square" lIns="95250" tIns="95250" rIns="95250" bIns="95250" numCol="1" spcCol="1270" anchor="ctr" anchorCtr="0">
+        <a:bodyPr spcFirstLastPara="0" vert="horz" wrap="square" lIns="106680" tIns="106680" rIns="106680" bIns="106680" numCol="1" spcCol="1270" anchor="ctr" anchorCtr="0">
           <a:noAutofit/>
         </a:bodyPr>
         <a:lstStyle/>
         <a:p>
-          <a:pPr marL="0" lvl="0" indent="0" algn="ctr" defTabSz="1111250">
+          <a:pPr marL="0" lvl="0" indent="0" algn="ctr" defTabSz="1244600">
             <a:lnSpc>
               <a:spcPct val="90000"/>
             </a:lnSpc>
@@ -10204,7 +10204,7 @@
             <a:buNone/>
           </a:pPr>
           <a:r>
-            <a:rPr lang="zh-CN" altLang="en-US" sz="2500" kern="1200" dirty="0"/>
+            <a:rPr lang="zh-CN" altLang="en-US" sz="2800" kern="1200" dirty="0"/>
             <a:t>源码编译</a:t>
           </a:r>
         </a:p>
@@ -10314,12 +10314,12 @@
         </a:fontRef>
       </dsp:style>
       <dsp:txBody>
-        <a:bodyPr spcFirstLastPara="0" vert="horz" wrap="square" lIns="95250" tIns="95250" rIns="95250" bIns="95250" numCol="1" spcCol="1270" anchor="ctr" anchorCtr="0">
+        <a:bodyPr spcFirstLastPara="0" vert="horz" wrap="square" lIns="106680" tIns="106680" rIns="106680" bIns="106680" numCol="1" spcCol="1270" anchor="ctr" anchorCtr="0">
           <a:noAutofit/>
         </a:bodyPr>
         <a:lstStyle/>
         <a:p>
-          <a:pPr marL="0" lvl="0" indent="0" algn="ctr" defTabSz="1111250">
+          <a:pPr marL="0" lvl="0" indent="0" algn="ctr" defTabSz="1244600">
             <a:lnSpc>
               <a:spcPct val="90000"/>
             </a:lnSpc>
@@ -10332,7 +10332,7 @@
             <a:buNone/>
           </a:pPr>
           <a:r>
-            <a:rPr lang="zh-CN" altLang="en-US" sz="2500" kern="1200" dirty="0"/>
+            <a:rPr lang="zh-CN" altLang="en-US" sz="2800" kern="1200" dirty="0"/>
             <a:t>二进制</a:t>
           </a:r>
         </a:p>
@@ -10414,8 +10414,8 @@
       </dsp:nvSpPr>
       <dsp:spPr>
         <a:xfrm>
-          <a:off x="0" y="94560"/>
-          <a:ext cx="6096000" cy="341055"/>
+          <a:off x="0" y="69720"/>
+          <a:ext cx="6096000" cy="342225"/>
         </a:xfrm>
         <a:prstGeom prst="roundRect">
           <a:avLst/>
@@ -10457,12 +10457,12 @@
         </a:fontRef>
       </dsp:style>
       <dsp:txBody>
-        <a:bodyPr spcFirstLastPara="0" vert="horz" wrap="square" lIns="41910" tIns="41910" rIns="41910" bIns="41910" numCol="1" spcCol="1270" anchor="ctr" anchorCtr="0">
+        <a:bodyPr spcFirstLastPara="0" vert="horz" wrap="square" lIns="49530" tIns="49530" rIns="49530" bIns="49530" numCol="1" spcCol="1270" anchor="ctr" anchorCtr="0">
           <a:noAutofit/>
         </a:bodyPr>
         <a:lstStyle/>
         <a:p>
-          <a:pPr marL="0" lvl="0" indent="0" algn="l" defTabSz="488950">
+          <a:pPr marL="0" lvl="0" indent="0" algn="l" defTabSz="577850">
             <a:lnSpc>
               <a:spcPct val="90000"/>
             </a:lnSpc>
@@ -10475,18 +10475,18 @@
             <a:buNone/>
           </a:pPr>
           <a:r>
-            <a:rPr lang="en-US" sz="1100" kern="1200"/>
+            <a:rPr lang="en-US" sz="1300" kern="1200"/>
             <a:t>• </a:t>
           </a:r>
           <a:r>
-            <a:rPr lang="zh-CN" sz="1100" kern="1200"/>
+            <a:rPr lang="zh-CN" sz="1300" kern="1200"/>
             <a:t>拉取并且运行任何公开的镜像。</a:t>
           </a:r>
         </a:p>
       </dsp:txBody>
       <dsp:txXfrm>
-        <a:off x="16649" y="111209"/>
-        <a:ext cx="6062702" cy="307757"/>
+        <a:off x="16706" y="86426"/>
+        <a:ext cx="6062588" cy="308813"/>
       </dsp:txXfrm>
     </dsp:sp>
     <dsp:sp modelId="{1FD8A38A-0E7D-4612-936C-788B50F10D23}">
@@ -10496,8 +10496,8 @@
       </dsp:nvSpPr>
       <dsp:spPr>
         <a:xfrm>
-          <a:off x="0" y="467295"/>
-          <a:ext cx="6096000" cy="341055"/>
+          <a:off x="0" y="449385"/>
+          <a:ext cx="6096000" cy="342225"/>
         </a:xfrm>
         <a:prstGeom prst="roundRect">
           <a:avLst/>
@@ -10539,12 +10539,12 @@
         </a:fontRef>
       </dsp:style>
       <dsp:txBody>
-        <a:bodyPr spcFirstLastPara="0" vert="horz" wrap="square" lIns="41910" tIns="41910" rIns="41910" bIns="41910" numCol="1" spcCol="1270" anchor="ctr" anchorCtr="0">
+        <a:bodyPr spcFirstLastPara="0" vert="horz" wrap="square" lIns="49530" tIns="49530" rIns="49530" bIns="49530" numCol="1" spcCol="1270" anchor="ctr" anchorCtr="0">
           <a:noAutofit/>
         </a:bodyPr>
         <a:lstStyle/>
         <a:p>
-          <a:pPr marL="0" lvl="0" indent="0" algn="l" defTabSz="488950">
+          <a:pPr marL="0" lvl="0" indent="0" algn="l" defTabSz="577850">
             <a:lnSpc>
               <a:spcPct val="90000"/>
             </a:lnSpc>
@@ -10557,18 +10557,18 @@
             <a:buNone/>
           </a:pPr>
           <a:r>
-            <a:rPr lang="en-US" sz="1100" kern="1200"/>
+            <a:rPr lang="en-US" sz="1300" kern="1200"/>
             <a:t>• </a:t>
           </a:r>
           <a:r>
-            <a:rPr lang="zh-CN" sz="1100" kern="1200"/>
+            <a:rPr lang="zh-CN" sz="1300" kern="1200"/>
             <a:t>把应用打包成容器镜像， 并且推送到远端的公开镜像仓库让大家都可以使用。</a:t>
           </a:r>
         </a:p>
       </dsp:txBody>
       <dsp:txXfrm>
-        <a:off x="16649" y="483944"/>
-        <a:ext cx="6062702" cy="307757"/>
+        <a:off x="16706" y="466091"/>
+        <a:ext cx="6062588" cy="308813"/>
       </dsp:txXfrm>
     </dsp:sp>
     <dsp:sp modelId="{A2558C32-F118-4B4A-BBE1-7F8908C9A271}">
@@ -10578,8 +10578,8 @@
       </dsp:nvSpPr>
       <dsp:spPr>
         <a:xfrm>
-          <a:off x="0" y="840030"/>
-          <a:ext cx="6096000" cy="341055"/>
+          <a:off x="0" y="829050"/>
+          <a:ext cx="6096000" cy="342225"/>
         </a:xfrm>
         <a:prstGeom prst="roundRect">
           <a:avLst/>
@@ -10621,12 +10621,12 @@
         </a:fontRef>
       </dsp:style>
       <dsp:txBody>
-        <a:bodyPr spcFirstLastPara="0" vert="horz" wrap="square" lIns="41910" tIns="41910" rIns="41910" bIns="41910" numCol="1" spcCol="1270" anchor="ctr" anchorCtr="0">
+        <a:bodyPr spcFirstLastPara="0" vert="horz" wrap="square" lIns="49530" tIns="49530" rIns="49530" bIns="49530" numCol="1" spcCol="1270" anchor="ctr" anchorCtr="0">
           <a:noAutofit/>
         </a:bodyPr>
         <a:lstStyle/>
         <a:p>
-          <a:pPr marL="0" lvl="0" indent="0" algn="l" defTabSz="488950">
+          <a:pPr marL="0" lvl="0" indent="0" algn="l" defTabSz="577850">
             <a:lnSpc>
               <a:spcPct val="90000"/>
             </a:lnSpc>
@@ -10639,18 +10639,18 @@
             <a:buNone/>
           </a:pPr>
           <a:r>
-            <a:rPr lang="en-US" sz="1100" kern="1200"/>
+            <a:rPr lang="en-US" sz="1300" kern="1200"/>
             <a:t>• </a:t>
           </a:r>
           <a:r>
-            <a:rPr lang="zh-CN" sz="1100" kern="1200"/>
+            <a:rPr lang="zh-CN" sz="1300" kern="1200"/>
             <a:t>进入运行中的容器并检查运行环境。</a:t>
           </a:r>
         </a:p>
       </dsp:txBody>
       <dsp:txXfrm>
-        <a:off x="16649" y="856679"/>
-        <a:ext cx="6062702" cy="307757"/>
+        <a:off x="16706" y="845756"/>
+        <a:ext cx="6062588" cy="308813"/>
       </dsp:txXfrm>
     </dsp:sp>
     <dsp:sp modelId="{6288DA90-F693-4544-8747-5B52266F0C22}">
@@ -10660,8 +10660,8 @@
       </dsp:nvSpPr>
       <dsp:spPr>
         <a:xfrm>
-          <a:off x="0" y="1212765"/>
-          <a:ext cx="6096000" cy="341055"/>
+          <a:off x="0" y="1208715"/>
+          <a:ext cx="6096000" cy="342225"/>
         </a:xfrm>
         <a:prstGeom prst="roundRect">
           <a:avLst/>
@@ -10703,12 +10703,12 @@
         </a:fontRef>
       </dsp:style>
       <dsp:txBody>
-        <a:bodyPr spcFirstLastPara="0" vert="horz" wrap="square" lIns="41910" tIns="41910" rIns="41910" bIns="41910" numCol="1" spcCol="1270" anchor="ctr" anchorCtr="0">
+        <a:bodyPr spcFirstLastPara="0" vert="horz" wrap="square" lIns="49530" tIns="49530" rIns="49530" bIns="49530" numCol="1" spcCol="1270" anchor="ctr" anchorCtr="0">
           <a:noAutofit/>
         </a:bodyPr>
         <a:lstStyle/>
         <a:p>
-          <a:pPr marL="0" lvl="0" indent="0" algn="l" defTabSz="488950">
+          <a:pPr marL="0" lvl="0" indent="0" algn="l" defTabSz="577850">
             <a:lnSpc>
               <a:spcPct val="90000"/>
             </a:lnSpc>
@@ -10721,34 +10721,34 @@
             <a:buNone/>
           </a:pPr>
           <a:r>
-            <a:rPr lang="en-US" sz="1100" kern="1200"/>
+            <a:rPr lang="en-US" sz="1300" kern="1200"/>
             <a:t>• </a:t>
           </a:r>
           <a:r>
-            <a:rPr lang="zh-CN" sz="1100" kern="1200"/>
+            <a:rPr lang="zh-CN" sz="1300" kern="1200"/>
             <a:t>为</a:t>
           </a:r>
           <a:r>
-            <a:rPr lang="en-US" sz="1100" b="1" kern="1200"/>
+            <a:rPr lang="en-US" sz="1300" b="1" kern="1200"/>
             <a:t>kubectl </a:t>
           </a:r>
           <a:r>
-            <a:rPr lang="zh-CN" sz="1100" kern="1200"/>
+            <a:rPr lang="zh-CN" sz="1300" kern="1200"/>
             <a:t>命令行工具设置别名和</a:t>
           </a:r>
           <a:r>
-            <a:rPr lang="en-US" sz="1100" b="1" kern="1200"/>
+            <a:rPr lang="en-US" sz="1300" b="1" kern="1200"/>
             <a:t>tab </a:t>
           </a:r>
           <a:r>
-            <a:rPr lang="zh-CN" sz="1100" kern="1200"/>
+            <a:rPr lang="zh-CN" sz="1300" kern="1200"/>
             <a:t>补全。</a:t>
           </a:r>
         </a:p>
       </dsp:txBody>
       <dsp:txXfrm>
-        <a:off x="16649" y="1229414"/>
-        <a:ext cx="6062702" cy="307757"/>
+        <a:off x="16706" y="1225421"/>
+        <a:ext cx="6062588" cy="308813"/>
       </dsp:txXfrm>
     </dsp:sp>
     <dsp:sp modelId="{9DA9CB9D-7ADD-45AB-ABC6-BE088D28CB5A}">
@@ -10758,8 +10758,8 @@
       </dsp:nvSpPr>
       <dsp:spPr>
         <a:xfrm>
-          <a:off x="0" y="1585500"/>
-          <a:ext cx="6096000" cy="341055"/>
+          <a:off x="0" y="1588380"/>
+          <a:ext cx="6096000" cy="342225"/>
         </a:xfrm>
         <a:prstGeom prst="roundRect">
           <a:avLst/>
@@ -10801,12 +10801,12 @@
         </a:fontRef>
       </dsp:style>
       <dsp:txBody>
-        <a:bodyPr spcFirstLastPara="0" vert="horz" wrap="square" lIns="41910" tIns="41910" rIns="41910" bIns="41910" numCol="1" spcCol="1270" anchor="ctr" anchorCtr="0">
+        <a:bodyPr spcFirstLastPara="0" vert="horz" wrap="square" lIns="49530" tIns="49530" rIns="49530" bIns="49530" numCol="1" spcCol="1270" anchor="ctr" anchorCtr="0">
           <a:noAutofit/>
         </a:bodyPr>
         <a:lstStyle/>
         <a:p>
-          <a:pPr marL="0" lvl="0" indent="0" algn="l" defTabSz="488950">
+          <a:pPr marL="0" lvl="0" indent="0" algn="l" defTabSz="577850">
             <a:lnSpc>
               <a:spcPct val="90000"/>
             </a:lnSpc>
@@ -10819,42 +10819,42 @@
             <a:buNone/>
           </a:pPr>
           <a:r>
-            <a:rPr lang="en-US" sz="1100" kern="1200"/>
+            <a:rPr lang="en-US" sz="1300" kern="1200"/>
             <a:t>• </a:t>
           </a:r>
           <a:r>
-            <a:rPr lang="zh-CN" sz="1100" kern="1200"/>
+            <a:rPr lang="zh-CN" sz="1300" kern="1200"/>
             <a:t>在</a:t>
           </a:r>
           <a:r>
-            <a:rPr lang="en-US" sz="1100" b="1" kern="1200"/>
+            <a:rPr lang="en-US" sz="1300" b="1" kern="1200"/>
             <a:t>Kubernetes </a:t>
           </a:r>
           <a:r>
-            <a:rPr lang="zh-CN" sz="1100" kern="1200"/>
+            <a:rPr lang="zh-CN" sz="1300" kern="1200"/>
             <a:t>集群中列出查看节点、</a:t>
           </a:r>
           <a:r>
-            <a:rPr lang="en-US" sz="1100" b="1" kern="1200"/>
+            <a:rPr lang="en-US" sz="1300" b="1" kern="1200"/>
             <a:t>pod</a:t>
           </a:r>
           <a:r>
-            <a:rPr lang="zh-CN" sz="1100" kern="1200"/>
+            <a:rPr lang="zh-CN" sz="1300" kern="1200"/>
             <a:t>、服务和</a:t>
           </a:r>
           <a:r>
-            <a:rPr lang="en-US" sz="1100" b="1" kern="1200"/>
+            <a:rPr lang="en-US" sz="1300" b="1" kern="1200"/>
             <a:t>ReplicationController</a:t>
           </a:r>
           <a:r>
-            <a:rPr lang="zh-CN" sz="1100" kern="1200"/>
+            <a:rPr lang="zh-CN" sz="1300" kern="1200"/>
             <a:t>。</a:t>
           </a:r>
         </a:p>
       </dsp:txBody>
       <dsp:txXfrm>
-        <a:off x="16649" y="1602149"/>
-        <a:ext cx="6062702" cy="307757"/>
+        <a:off x="16706" y="1605086"/>
+        <a:ext cx="6062588" cy="308813"/>
       </dsp:txXfrm>
     </dsp:sp>
     <dsp:sp modelId="{D9F73321-9BB6-4757-BA4B-4AB7BFEC135F}">
@@ -10864,8 +10864,8 @@
       </dsp:nvSpPr>
       <dsp:spPr>
         <a:xfrm>
-          <a:off x="0" y="1958235"/>
-          <a:ext cx="6096000" cy="341055"/>
+          <a:off x="0" y="1968045"/>
+          <a:ext cx="6096000" cy="342225"/>
         </a:xfrm>
         <a:prstGeom prst="roundRect">
           <a:avLst/>
@@ -10907,12 +10907,12 @@
         </a:fontRef>
       </dsp:style>
       <dsp:txBody>
-        <a:bodyPr spcFirstLastPara="0" vert="horz" wrap="square" lIns="41910" tIns="41910" rIns="41910" bIns="41910" numCol="1" spcCol="1270" anchor="ctr" anchorCtr="0">
+        <a:bodyPr spcFirstLastPara="0" vert="horz" wrap="square" lIns="49530" tIns="49530" rIns="49530" bIns="49530" numCol="1" spcCol="1270" anchor="ctr" anchorCtr="0">
           <a:noAutofit/>
         </a:bodyPr>
         <a:lstStyle/>
         <a:p>
-          <a:pPr marL="0" lvl="0" indent="0" algn="l" defTabSz="488950">
+          <a:pPr marL="0" lvl="0" indent="0" algn="l" defTabSz="577850">
             <a:lnSpc>
               <a:spcPct val="90000"/>
             </a:lnSpc>
@@ -10925,26 +10925,26 @@
             <a:buNone/>
           </a:pPr>
           <a:r>
-            <a:rPr lang="en-US" sz="1100" kern="1200"/>
+            <a:rPr lang="en-US" sz="1300" kern="1200"/>
             <a:t>• </a:t>
           </a:r>
           <a:r>
-            <a:rPr lang="zh-CN" sz="1100" kern="1200"/>
+            <a:rPr lang="zh-CN" sz="1300" kern="1200"/>
             <a:t>在</a:t>
           </a:r>
           <a:r>
-            <a:rPr lang="en-US" sz="1100" b="1" kern="1200"/>
+            <a:rPr lang="en-US" sz="1300" b="1" kern="1200"/>
             <a:t>Kubernetes </a:t>
           </a:r>
           <a:r>
-            <a:rPr lang="zh-CN" sz="1100" kern="1200"/>
+            <a:rPr lang="zh-CN" sz="1300" kern="1200"/>
             <a:t>中运行容器并可以在集群外访问。</a:t>
           </a:r>
         </a:p>
       </dsp:txBody>
       <dsp:txXfrm>
-        <a:off x="16649" y="1974884"/>
-        <a:ext cx="6062702" cy="307757"/>
+        <a:off x="16706" y="1984751"/>
+        <a:ext cx="6062588" cy="308813"/>
       </dsp:txXfrm>
     </dsp:sp>
     <dsp:sp modelId="{90B09036-BC6B-4BF4-8BDB-C65284E5B23F}">
@@ -10954,8 +10954,8 @@
       </dsp:nvSpPr>
       <dsp:spPr>
         <a:xfrm>
-          <a:off x="0" y="2330970"/>
-          <a:ext cx="6096000" cy="341055"/>
+          <a:off x="0" y="2347710"/>
+          <a:ext cx="6096000" cy="342225"/>
         </a:xfrm>
         <a:prstGeom prst="roundRect">
           <a:avLst/>
@@ -10997,12 +10997,12 @@
         </a:fontRef>
       </dsp:style>
       <dsp:txBody>
-        <a:bodyPr spcFirstLastPara="0" vert="horz" wrap="square" lIns="41910" tIns="41910" rIns="41910" bIns="41910" numCol="1" spcCol="1270" anchor="ctr" anchorCtr="0">
+        <a:bodyPr spcFirstLastPara="0" vert="horz" wrap="square" lIns="49530" tIns="49530" rIns="49530" bIns="49530" numCol="1" spcCol="1270" anchor="ctr" anchorCtr="0">
           <a:noAutofit/>
         </a:bodyPr>
         <a:lstStyle/>
         <a:p>
-          <a:pPr marL="0" lvl="0" indent="0" algn="l" defTabSz="488950">
+          <a:pPr marL="0" lvl="0" indent="0" algn="l" defTabSz="577850">
             <a:lnSpc>
               <a:spcPct val="90000"/>
             </a:lnSpc>
@@ -11015,34 +11015,34 @@
             <a:buNone/>
           </a:pPr>
           <a:r>
-            <a:rPr lang="en-US" sz="1100" kern="1200"/>
+            <a:rPr lang="en-US" sz="1300" kern="1200"/>
             <a:t>• </a:t>
           </a:r>
           <a:r>
-            <a:rPr lang="zh-CN" sz="1100" kern="1200"/>
+            <a:rPr lang="zh-CN" sz="1300" kern="1200"/>
             <a:t>了解</a:t>
           </a:r>
           <a:r>
-            <a:rPr lang="en-US" sz="1100" b="1" kern="1200"/>
+            <a:rPr lang="en-US" sz="1300" b="1" kern="1200"/>
             <a:t>pod</a:t>
           </a:r>
           <a:r>
-            <a:rPr lang="zh-CN" sz="1100" kern="1200"/>
+            <a:rPr lang="zh-CN" sz="1300" kern="1200"/>
             <a:t>、</a:t>
           </a:r>
           <a:r>
-            <a:rPr lang="en-US" sz="1100" b="1" kern="1200"/>
+            <a:rPr lang="en-US" sz="1300" b="1" kern="1200"/>
             <a:t>ReplicationController </a:t>
           </a:r>
           <a:r>
-            <a:rPr lang="zh-CN" sz="1100" kern="1200"/>
+            <a:rPr lang="zh-CN" sz="1300" kern="1200"/>
             <a:t>和服务是关联的基础场景。</a:t>
           </a:r>
         </a:p>
       </dsp:txBody>
       <dsp:txXfrm>
-        <a:off x="16649" y="2347619"/>
-        <a:ext cx="6062702" cy="307757"/>
+        <a:off x="16706" y="2364416"/>
+        <a:ext cx="6062588" cy="308813"/>
       </dsp:txXfrm>
     </dsp:sp>
     <dsp:sp modelId="{B8546F46-CEA9-49D5-8EAE-A7A7FAFE0799}">
@@ -11052,8 +11052,8 @@
       </dsp:nvSpPr>
       <dsp:spPr>
         <a:xfrm>
-          <a:off x="0" y="2703705"/>
-          <a:ext cx="6096000" cy="341055"/>
+          <a:off x="0" y="2727375"/>
+          <a:ext cx="6096000" cy="342225"/>
         </a:xfrm>
         <a:prstGeom prst="roundRect">
           <a:avLst/>
@@ -11095,12 +11095,12 @@
         </a:fontRef>
       </dsp:style>
       <dsp:txBody>
-        <a:bodyPr spcFirstLastPara="0" vert="horz" wrap="square" lIns="41910" tIns="41910" rIns="41910" bIns="41910" numCol="1" spcCol="1270" anchor="ctr" anchorCtr="0">
+        <a:bodyPr spcFirstLastPara="0" vert="horz" wrap="square" lIns="49530" tIns="49530" rIns="49530" bIns="49530" numCol="1" spcCol="1270" anchor="ctr" anchorCtr="0">
           <a:noAutofit/>
         </a:bodyPr>
         <a:lstStyle/>
         <a:p>
-          <a:pPr marL="0" lvl="0" indent="0" algn="l" defTabSz="488950">
+          <a:pPr marL="0" lvl="0" indent="0" algn="l" defTabSz="577850">
             <a:lnSpc>
               <a:spcPct val="90000"/>
             </a:lnSpc>
@@ -11113,26 +11113,26 @@
             <a:buNone/>
           </a:pPr>
           <a:r>
-            <a:rPr lang="en-US" sz="1100" kern="1200"/>
+            <a:rPr lang="en-US" sz="1300" kern="1200"/>
             <a:t>• </a:t>
           </a:r>
           <a:r>
-            <a:rPr lang="zh-CN" sz="1100" kern="1200"/>
+            <a:rPr lang="zh-CN" sz="1300" kern="1200"/>
             <a:t>通过改变</a:t>
           </a:r>
           <a:r>
-            <a:rPr lang="en-US" sz="1100" b="1" kern="1200"/>
+            <a:rPr lang="en-US" sz="1300" b="1" kern="1200"/>
             <a:t>ReplicationController </a:t>
           </a:r>
           <a:r>
-            <a:rPr lang="zh-CN" sz="1100" kern="1200"/>
+            <a:rPr lang="zh-CN" sz="1300" kern="1200"/>
             <a:t>的复本数对应用进行水平伸缩。</a:t>
           </a:r>
         </a:p>
       </dsp:txBody>
       <dsp:txXfrm>
-        <a:off x="16649" y="2720354"/>
-        <a:ext cx="6062702" cy="307757"/>
+        <a:off x="16706" y="2744081"/>
+        <a:ext cx="6062588" cy="308813"/>
       </dsp:txXfrm>
     </dsp:sp>
   </dsp:spTree>
@@ -11154,8 +11154,8 @@
       </dsp:nvSpPr>
       <dsp:spPr>
         <a:xfrm>
-          <a:off x="0" y="69873"/>
-          <a:ext cx="4791285" cy="346283"/>
+          <a:off x="0" y="65261"/>
+          <a:ext cx="4791285" cy="342225"/>
         </a:xfrm>
         <a:prstGeom prst="roundRect">
           <a:avLst/>
@@ -11197,12 +11197,12 @@
         </a:fontRef>
       </dsp:style>
       <dsp:txBody>
-        <a:bodyPr spcFirstLastPara="0" vert="horz" wrap="square" lIns="41910" tIns="41910" rIns="41910" bIns="41910" numCol="1" spcCol="1270" anchor="ctr" anchorCtr="0">
+        <a:bodyPr spcFirstLastPara="0" vert="horz" wrap="square" lIns="49530" tIns="49530" rIns="49530" bIns="49530" numCol="1" spcCol="1270" anchor="ctr" anchorCtr="0">
           <a:noAutofit/>
         </a:bodyPr>
         <a:lstStyle/>
         <a:p>
-          <a:pPr marL="0" lvl="0" indent="0" algn="l" defTabSz="488950">
+          <a:pPr marL="0" lvl="0" indent="0" algn="l" defTabSz="577850">
             <a:lnSpc>
               <a:spcPct val="90000"/>
             </a:lnSpc>
@@ -11215,15 +11215,15 @@
             <a:buNone/>
           </a:pPr>
           <a:r>
-            <a:rPr lang="en-US" sz="1100" kern="1200"/>
+            <a:rPr lang="en-US" sz="1300" kern="1200"/>
             <a:t>docker pull</a:t>
           </a:r>
-          <a:endParaRPr lang="zh-CN" sz="1100" kern="1200"/>
+          <a:endParaRPr lang="zh-CN" sz="1300" kern="1200"/>
         </a:p>
       </dsp:txBody>
       <dsp:txXfrm>
-        <a:off x="16904" y="86777"/>
-        <a:ext cx="4757477" cy="312475"/>
+        <a:off x="16706" y="81967"/>
+        <a:ext cx="4757873" cy="308813"/>
       </dsp:txXfrm>
     </dsp:sp>
     <dsp:sp modelId="{4E379305-0908-47A3-B294-AD0B02942B61}">
@@ -11233,8 +11233,8 @@
       </dsp:nvSpPr>
       <dsp:spPr>
         <a:xfrm>
-          <a:off x="0" y="451610"/>
-          <a:ext cx="4791285" cy="346283"/>
+          <a:off x="0" y="449385"/>
+          <a:ext cx="4791285" cy="342225"/>
         </a:xfrm>
         <a:prstGeom prst="roundRect">
           <a:avLst/>
@@ -11276,12 +11276,12 @@
         </a:fontRef>
       </dsp:style>
       <dsp:txBody>
-        <a:bodyPr spcFirstLastPara="0" vert="horz" wrap="square" lIns="41910" tIns="41910" rIns="41910" bIns="41910" numCol="1" spcCol="1270" anchor="ctr" anchorCtr="0">
+        <a:bodyPr spcFirstLastPara="0" vert="horz" wrap="square" lIns="49530" tIns="49530" rIns="49530" bIns="49530" numCol="1" spcCol="1270" anchor="ctr" anchorCtr="0">
           <a:noAutofit/>
         </a:bodyPr>
         <a:lstStyle/>
         <a:p>
-          <a:pPr marL="0" lvl="0" indent="0" algn="l" defTabSz="488950">
+          <a:pPr marL="0" lvl="0" indent="0" algn="l" defTabSz="577850">
             <a:lnSpc>
               <a:spcPct val="90000"/>
             </a:lnSpc>
@@ -11294,19 +11294,19 @@
             <a:buNone/>
           </a:pPr>
           <a:r>
-            <a:rPr lang="en-US" sz="1100" kern="1200" dirty="0"/>
+            <a:rPr lang="en-US" sz="1300" kern="1200" dirty="0"/>
             <a:t>docker build –t       /</a:t>
           </a:r>
           <a:r>
-            <a:rPr lang="en-US" altLang="zh-CN" sz="1100" kern="1200" dirty="0"/>
+            <a:rPr lang="en-US" altLang="zh-CN" sz="1300" kern="1200" dirty="0"/>
             <a:t>docker push</a:t>
           </a:r>
-          <a:endParaRPr lang="zh-CN" sz="1100" kern="1200" dirty="0"/>
+          <a:endParaRPr lang="zh-CN" sz="1300" kern="1200" dirty="0"/>
         </a:p>
       </dsp:txBody>
       <dsp:txXfrm>
-        <a:off x="16904" y="468514"/>
-        <a:ext cx="4757477" cy="312475"/>
+        <a:off x="16706" y="466091"/>
+        <a:ext cx="4757873" cy="308813"/>
       </dsp:txXfrm>
     </dsp:sp>
     <dsp:sp modelId="{CC05F438-B28A-437B-BE81-1F4CCEBEF998}">
@@ -11316,8 +11316,8 @@
       </dsp:nvSpPr>
       <dsp:spPr>
         <a:xfrm>
-          <a:off x="0" y="829573"/>
-          <a:ext cx="4791285" cy="346283"/>
+          <a:off x="0" y="829050"/>
+          <a:ext cx="4791285" cy="342225"/>
         </a:xfrm>
         <a:prstGeom prst="roundRect">
           <a:avLst/>
@@ -11359,12 +11359,12 @@
         </a:fontRef>
       </dsp:style>
       <dsp:txBody>
-        <a:bodyPr spcFirstLastPara="0" vert="horz" wrap="square" lIns="41910" tIns="41910" rIns="41910" bIns="41910" numCol="1" spcCol="1270" anchor="ctr" anchorCtr="0">
+        <a:bodyPr spcFirstLastPara="0" vert="horz" wrap="square" lIns="49530" tIns="49530" rIns="49530" bIns="49530" numCol="1" spcCol="1270" anchor="ctr" anchorCtr="0">
           <a:noAutofit/>
         </a:bodyPr>
         <a:lstStyle/>
         <a:p>
-          <a:pPr marL="0" lvl="0" indent="0" algn="l" defTabSz="488950">
+          <a:pPr marL="0" lvl="0" indent="0" algn="l" defTabSz="577850">
             <a:lnSpc>
               <a:spcPct val="90000"/>
             </a:lnSpc>
@@ -11377,15 +11377,15 @@
             <a:buNone/>
           </a:pPr>
           <a:r>
-            <a:rPr lang="en-US" sz="1100" kern="1200"/>
+            <a:rPr lang="en-US" sz="1300" kern="1200"/>
             <a:t>docker exec –it </a:t>
           </a:r>
-          <a:endParaRPr lang="zh-CN" sz="1100" kern="1200"/>
+          <a:endParaRPr lang="zh-CN" sz="1300" kern="1200"/>
         </a:p>
       </dsp:txBody>
       <dsp:txXfrm>
-        <a:off x="16904" y="846477"/>
-        <a:ext cx="4757477" cy="312475"/>
+        <a:off x="16706" y="845756"/>
+        <a:ext cx="4757873" cy="308813"/>
       </dsp:txXfrm>
     </dsp:sp>
     <dsp:sp modelId="{E8332E38-CC89-4BBC-AE71-C7D8603BD85A}">
@@ -11395,8 +11395,8 @@
       </dsp:nvSpPr>
       <dsp:spPr>
         <a:xfrm>
-          <a:off x="0" y="1207537"/>
-          <a:ext cx="4791285" cy="346283"/>
+          <a:off x="0" y="1208715"/>
+          <a:ext cx="4791285" cy="342225"/>
         </a:xfrm>
         <a:prstGeom prst="roundRect">
           <a:avLst/>
@@ -11438,12 +11438,12 @@
         </a:fontRef>
       </dsp:style>
       <dsp:txBody>
-        <a:bodyPr spcFirstLastPara="0" vert="horz" wrap="square" lIns="41910" tIns="41910" rIns="41910" bIns="41910" numCol="1" spcCol="1270" anchor="ctr" anchorCtr="0">
+        <a:bodyPr spcFirstLastPara="0" vert="horz" wrap="square" lIns="49530" tIns="49530" rIns="49530" bIns="49530" numCol="1" spcCol="1270" anchor="ctr" anchorCtr="0">
           <a:noAutofit/>
         </a:bodyPr>
         <a:lstStyle/>
         <a:p>
-          <a:pPr marL="0" lvl="0" indent="0" algn="l" defTabSz="488950">
+          <a:pPr marL="0" lvl="0" indent="0" algn="l" defTabSz="577850">
             <a:lnSpc>
               <a:spcPct val="90000"/>
             </a:lnSpc>
@@ -11456,15 +11456,15 @@
             <a:buNone/>
           </a:pPr>
           <a:r>
-            <a:rPr lang="en-US" sz="1100" kern="1200"/>
+            <a:rPr lang="en-US" sz="1300" kern="1200"/>
             <a:t>source &lt;(kubectl completion bash)</a:t>
           </a:r>
-          <a:endParaRPr lang="zh-CN" sz="1100" kern="1200"/>
+          <a:endParaRPr lang="zh-CN" sz="1300" kern="1200"/>
         </a:p>
       </dsp:txBody>
       <dsp:txXfrm>
-        <a:off x="16904" y="1224441"/>
-        <a:ext cx="4757477" cy="312475"/>
+        <a:off x="16706" y="1225421"/>
+        <a:ext cx="4757873" cy="308813"/>
       </dsp:txXfrm>
     </dsp:sp>
     <dsp:sp modelId="{C5ACEF7A-356F-4E15-B36F-E7A999799D8A}">
@@ -11474,8 +11474,8 @@
       </dsp:nvSpPr>
       <dsp:spPr>
         <a:xfrm>
-          <a:off x="0" y="1585500"/>
-          <a:ext cx="4791285" cy="346283"/>
+          <a:off x="0" y="1588380"/>
+          <a:ext cx="4791285" cy="342225"/>
         </a:xfrm>
         <a:prstGeom prst="roundRect">
           <a:avLst/>
@@ -11517,12 +11517,12 @@
         </a:fontRef>
       </dsp:style>
       <dsp:txBody>
-        <a:bodyPr spcFirstLastPara="0" vert="horz" wrap="square" lIns="41910" tIns="41910" rIns="41910" bIns="41910" numCol="1" spcCol="1270" anchor="ctr" anchorCtr="0">
+        <a:bodyPr spcFirstLastPara="0" vert="horz" wrap="square" lIns="49530" tIns="49530" rIns="49530" bIns="49530" numCol="1" spcCol="1270" anchor="ctr" anchorCtr="0">
           <a:noAutofit/>
         </a:bodyPr>
         <a:lstStyle/>
         <a:p>
-          <a:pPr marL="0" lvl="0" indent="0" algn="l" defTabSz="488950">
+          <a:pPr marL="0" lvl="0" indent="0" algn="l" defTabSz="577850">
             <a:lnSpc>
               <a:spcPct val="90000"/>
             </a:lnSpc>
@@ -11535,15 +11535,15 @@
             <a:buNone/>
           </a:pPr>
           <a:r>
-            <a:rPr lang="en-US" sz="1100" kern="1200"/>
+            <a:rPr lang="en-US" sz="1300" kern="1200"/>
             <a:t>kubectl get node/pod/rc</a:t>
           </a:r>
-          <a:endParaRPr lang="zh-CN" sz="1100" kern="1200"/>
+          <a:endParaRPr lang="zh-CN" sz="1300" kern="1200"/>
         </a:p>
       </dsp:txBody>
       <dsp:txXfrm>
-        <a:off x="16904" y="1602404"/>
-        <a:ext cx="4757477" cy="312475"/>
+        <a:off x="16706" y="1605086"/>
+        <a:ext cx="4757873" cy="308813"/>
       </dsp:txXfrm>
     </dsp:sp>
     <dsp:sp modelId="{CDED989B-653D-4AF7-AF5D-D670D15065EA}">
@@ -11553,8 +11553,8 @@
       </dsp:nvSpPr>
       <dsp:spPr>
         <a:xfrm>
-          <a:off x="0" y="1963463"/>
-          <a:ext cx="4791285" cy="346283"/>
+          <a:off x="0" y="1968045"/>
+          <a:ext cx="4791285" cy="342225"/>
         </a:xfrm>
         <a:prstGeom prst="roundRect">
           <a:avLst/>
@@ -11596,12 +11596,12 @@
         </a:fontRef>
       </dsp:style>
       <dsp:txBody>
-        <a:bodyPr spcFirstLastPara="0" vert="horz" wrap="square" lIns="41910" tIns="41910" rIns="41910" bIns="41910" numCol="1" spcCol="1270" anchor="ctr" anchorCtr="0">
+        <a:bodyPr spcFirstLastPara="0" vert="horz" wrap="square" lIns="49530" tIns="49530" rIns="49530" bIns="49530" numCol="1" spcCol="1270" anchor="ctr" anchorCtr="0">
           <a:noAutofit/>
         </a:bodyPr>
         <a:lstStyle/>
         <a:p>
-          <a:pPr marL="0" lvl="0" indent="0" algn="l" defTabSz="488950">
+          <a:pPr marL="0" lvl="0" indent="0" algn="l" defTabSz="577850">
             <a:lnSpc>
               <a:spcPct val="90000"/>
             </a:lnSpc>
@@ -11614,15 +11614,15 @@
             <a:buNone/>
           </a:pPr>
           <a:r>
-            <a:rPr lang="en-US" sz="1100" kern="1200"/>
+            <a:rPr lang="en-US" sz="1300" kern="1200"/>
             <a:t>kubectl expose rc name --type --name</a:t>
           </a:r>
-          <a:endParaRPr lang="zh-CN" sz="1100" kern="1200"/>
+          <a:endParaRPr lang="zh-CN" sz="1300" kern="1200"/>
         </a:p>
       </dsp:txBody>
       <dsp:txXfrm>
-        <a:off x="16904" y="1980367"/>
-        <a:ext cx="4757477" cy="312475"/>
+        <a:off x="16706" y="1984751"/>
+        <a:ext cx="4757873" cy="308813"/>
       </dsp:txXfrm>
     </dsp:sp>
     <dsp:sp modelId="{3BA0B38D-1276-4AEE-9444-3DC5C8321240}">
@@ -11632,8 +11632,8 @@
       </dsp:nvSpPr>
       <dsp:spPr>
         <a:xfrm>
-          <a:off x="0" y="2341427"/>
-          <a:ext cx="4791285" cy="346283"/>
+          <a:off x="0" y="2347710"/>
+          <a:ext cx="4791285" cy="342225"/>
         </a:xfrm>
         <a:prstGeom prst="roundRect">
           <a:avLst/>
@@ -11675,12 +11675,12 @@
         </a:fontRef>
       </dsp:style>
       <dsp:txBody>
-        <a:bodyPr spcFirstLastPara="0" vert="horz" wrap="square" lIns="41910" tIns="41910" rIns="41910" bIns="41910" numCol="1" spcCol="1270" anchor="ctr" anchorCtr="0">
+        <a:bodyPr spcFirstLastPara="0" vert="horz" wrap="square" lIns="49530" tIns="49530" rIns="49530" bIns="49530" numCol="1" spcCol="1270" anchor="ctr" anchorCtr="0">
           <a:noAutofit/>
         </a:bodyPr>
         <a:lstStyle/>
         <a:p>
-          <a:pPr marL="0" lvl="0" indent="0" algn="l" defTabSz="488950">
+          <a:pPr marL="0" lvl="0" indent="0" algn="l" defTabSz="577850">
             <a:lnSpc>
               <a:spcPct val="90000"/>
             </a:lnSpc>
@@ -11693,19 +11693,19 @@
             <a:buNone/>
           </a:pPr>
           <a:r>
-            <a:rPr lang="zh-CN" sz="1100" kern="1200"/>
+            <a:rPr lang="zh-CN" sz="1300" kern="1200"/>
             <a:t>幻灯片</a:t>
           </a:r>
           <a:r>
-            <a:rPr lang="en-US" sz="1100" kern="1200"/>
+            <a:rPr lang="en-US" sz="1300" kern="1200"/>
             <a:t>20</a:t>
           </a:r>
-          <a:endParaRPr lang="zh-CN" sz="1100" kern="1200"/>
+          <a:endParaRPr lang="zh-CN" sz="1300" kern="1200"/>
         </a:p>
       </dsp:txBody>
       <dsp:txXfrm>
-        <a:off x="16904" y="2358331"/>
-        <a:ext cx="4757477" cy="312475"/>
+        <a:off x="16706" y="2364416"/>
+        <a:ext cx="4757873" cy="308813"/>
       </dsp:txXfrm>
     </dsp:sp>
     <dsp:sp modelId="{B63753C9-7250-48E3-950E-4DBFFEA4BBA3}">
@@ -11715,8 +11715,8 @@
       </dsp:nvSpPr>
       <dsp:spPr>
         <a:xfrm>
-          <a:off x="0" y="2719390"/>
-          <a:ext cx="4791285" cy="346283"/>
+          <a:off x="0" y="2727375"/>
+          <a:ext cx="4791285" cy="342225"/>
         </a:xfrm>
         <a:prstGeom prst="roundRect">
           <a:avLst/>
@@ -11758,12 +11758,12 @@
         </a:fontRef>
       </dsp:style>
       <dsp:txBody>
-        <a:bodyPr spcFirstLastPara="0" vert="horz" wrap="square" lIns="41910" tIns="41910" rIns="41910" bIns="41910" numCol="1" spcCol="1270" anchor="ctr" anchorCtr="0">
+        <a:bodyPr spcFirstLastPara="0" vert="horz" wrap="square" lIns="49530" tIns="49530" rIns="49530" bIns="49530" numCol="1" spcCol="1270" anchor="ctr" anchorCtr="0">
           <a:noAutofit/>
         </a:bodyPr>
         <a:lstStyle/>
         <a:p>
-          <a:pPr marL="0" lvl="0" indent="0" algn="l" defTabSz="488950">
+          <a:pPr marL="0" lvl="0" indent="0" algn="l" defTabSz="577850">
             <a:lnSpc>
               <a:spcPct val="90000"/>
             </a:lnSpc>
@@ -11776,15 +11776,15 @@
             <a:buNone/>
           </a:pPr>
           <a:r>
-            <a:rPr lang="en-US" sz="1100" kern="1200"/>
+            <a:rPr lang="en-US" sz="1300" kern="1200"/>
             <a:t>kubectl scale rc name --replicas=</a:t>
           </a:r>
-          <a:endParaRPr lang="zh-CN" sz="1100" kern="1200"/>
+          <a:endParaRPr lang="zh-CN" sz="1300" kern="1200"/>
         </a:p>
       </dsp:txBody>
       <dsp:txXfrm>
-        <a:off x="16904" y="2736294"/>
-        <a:ext cx="4757477" cy="312475"/>
+        <a:off x="16706" y="2744081"/>
+        <a:ext cx="4757873" cy="308813"/>
       </dsp:txXfrm>
     </dsp:sp>
   </dsp:spTree>
@@ -19121,7 +19121,7 @@
           <a:p>
             <a:fld id="{70F5438A-A001-4002-96F4-1166B6F28AE6}" type="datetimeFigureOut">
               <a:rPr lang="zh-CN" altLang="en-US" smtClean="0"/>
-              <a:t>2020/4/17</a:t>
+              <a:t>2020/6/2</a:t>
             </a:fld>
             <a:endParaRPr lang="zh-CN" altLang="en-US"/>
           </a:p>
@@ -19286,7 +19286,7 @@
           <a:p>
             <a:fld id="{A1C5D274-7E00-460F-9E0E-0BC16AAECDA0}" type="datetimeFigureOut">
               <a:rPr lang="zh-CN" altLang="en-US" smtClean="0"/>
-              <a:t>2020/4/17</a:t>
+              <a:t>2020/6/2</a:t>
             </a:fld>
             <a:endParaRPr lang="zh-CN" altLang="en-US"/>
           </a:p>
@@ -20106,476 +20106,7 @@
 
 <file path=ppt/slideLayouts/slideLayout1.xml><?xml version="1.0" encoding="utf-8"?>
 <p:sldLayout xmlns:a="http://schemas.openxmlformats.org/drawingml/2006/main" xmlns:r="http://schemas.openxmlformats.org/officeDocument/2006/relationships" xmlns:p="http://schemas.openxmlformats.org/presentationml/2006/main" type="title" preserve="1">
-  <p:cSld name="3_标题幻灯片">
-    <p:spTree>
-      <p:nvGrpSpPr>
-        <p:cNvPr id="1" name=""/>
-        <p:cNvGrpSpPr/>
-        <p:nvPr/>
-      </p:nvGrpSpPr>
-      <p:grpSpPr>
-        <a:xfrm>
-          <a:off x="0" y="0"/>
-          <a:ext cx="0" cy="0"/>
-          <a:chOff x="0" y="0"/>
-          <a:chExt cx="0" cy="0"/>
-        </a:xfrm>
-      </p:grpSpPr>
-      <p:pic>
-        <p:nvPicPr>
-          <p:cNvPr id="4" name="Picture 2" descr="D:\工作\2016\vi\矢量智能对象.png"/>
-          <p:cNvPicPr>
-            <a:picLocks noChangeAspect="1" noChangeArrowheads="1"/>
-          </p:cNvPicPr>
-          <p:nvPr/>
-        </p:nvPicPr>
-        <p:blipFill>
-          <a:blip r:embed="rId2">
-            <a:extLst>
-              <a:ext uri="{28A0092B-C50C-407E-A947-70E740481C1C}">
-                <a14:useLocalDpi xmlns:a14="http://schemas.microsoft.com/office/drawing/2010/main" val="0"/>
-              </a:ext>
-            </a:extLst>
-          </a:blip>
-          <a:srcRect/>
-          <a:stretch>
-            <a:fillRect/>
-          </a:stretch>
-        </p:blipFill>
-        <p:spPr bwMode="auto">
-          <a:xfrm>
-            <a:off x="8685213" y="254000"/>
-            <a:ext cx="1681162" cy="258763"/>
-          </a:xfrm>
-          <a:prstGeom prst="rect">
-            <a:avLst/>
-          </a:prstGeom>
-          <a:noFill/>
-          <a:ln>
-            <a:noFill/>
-          </a:ln>
-          <a:extLst>
-            <a:ext uri="{909E8E84-426E-40DD-AFC4-6F175D3DCCD1}">
-              <a14:hiddenFill xmlns:a14="http://schemas.microsoft.com/office/drawing/2010/main">
-                <a:solidFill>
-                  <a:srgbClr val="FFFFFF"/>
-                </a:solidFill>
-              </a14:hiddenFill>
-            </a:ext>
-            <a:ext uri="{91240B29-F687-4F45-9708-019B960494DF}">
-              <a14:hiddenLine xmlns:a14="http://schemas.microsoft.com/office/drawing/2010/main" w="9525">
-                <a:solidFill>
-                  <a:srgbClr val="000000"/>
-                </a:solidFill>
-                <a:miter lim="800000"/>
-                <a:headEnd/>
-                <a:tailEnd/>
-              </a14:hiddenLine>
-            </a:ext>
-          </a:extLst>
-        </p:spPr>
-      </p:pic>
-      <p:pic>
-        <p:nvPicPr>
-          <p:cNvPr id="5" name="Picture 3" descr="D:\工作\2016\vi\图层-2.png"/>
-          <p:cNvPicPr>
-            <a:picLocks noChangeAspect="1" noChangeArrowheads="1"/>
-          </p:cNvPicPr>
-          <p:nvPr/>
-        </p:nvPicPr>
-        <p:blipFill>
-          <a:blip r:embed="rId3">
-            <a:extLst>
-              <a:ext uri="{28A0092B-C50C-407E-A947-70E740481C1C}">
-                <a14:useLocalDpi xmlns:a14="http://schemas.microsoft.com/office/drawing/2010/main" val="0"/>
-              </a:ext>
-            </a:extLst>
-          </a:blip>
-          <a:srcRect/>
-          <a:stretch>
-            <a:fillRect/>
-          </a:stretch>
-        </p:blipFill>
-        <p:spPr bwMode="auto">
-          <a:xfrm>
-            <a:off x="10499725" y="166688"/>
-            <a:ext cx="649288" cy="433387"/>
-          </a:xfrm>
-          <a:prstGeom prst="rect">
-            <a:avLst/>
-          </a:prstGeom>
-          <a:noFill/>
-          <a:ln>
-            <a:noFill/>
-          </a:ln>
-          <a:extLst>
-            <a:ext uri="{909E8E84-426E-40DD-AFC4-6F175D3DCCD1}">
-              <a14:hiddenFill xmlns:a14="http://schemas.microsoft.com/office/drawing/2010/main">
-                <a:solidFill>
-                  <a:srgbClr val="FFFFFF"/>
-                </a:solidFill>
-              </a14:hiddenFill>
-            </a:ext>
-            <a:ext uri="{91240B29-F687-4F45-9708-019B960494DF}">
-              <a14:hiddenLine xmlns:a14="http://schemas.microsoft.com/office/drawing/2010/main" w="9525">
-                <a:solidFill>
-                  <a:srgbClr val="000000"/>
-                </a:solidFill>
-                <a:miter lim="800000"/>
-                <a:headEnd/>
-                <a:tailEnd/>
-              </a14:hiddenLine>
-            </a:ext>
-          </a:extLst>
-        </p:spPr>
-      </p:pic>
-      <p:cxnSp>
-        <p:nvCxnSpPr>
-          <p:cNvPr id="6" name="直接连接符 5"/>
-          <p:cNvCxnSpPr/>
-          <p:nvPr/>
-        </p:nvCxnSpPr>
-        <p:spPr>
-          <a:xfrm>
-            <a:off x="4095750" y="3562350"/>
-            <a:ext cx="7048500" cy="1588"/>
-          </a:xfrm>
-          <a:prstGeom prst="line">
-            <a:avLst/>
-          </a:prstGeom>
-          <a:ln>
-            <a:solidFill>
-              <a:schemeClr val="bg1">
-                <a:lumMod val="75000"/>
-              </a:schemeClr>
-            </a:solidFill>
-            <a:prstDash val="dash"/>
-          </a:ln>
-        </p:spPr>
-        <p:style>
-          <a:lnRef idx="1">
-            <a:schemeClr val="accent1"/>
-          </a:lnRef>
-          <a:fillRef idx="0">
-            <a:schemeClr val="accent1"/>
-          </a:fillRef>
-          <a:effectRef idx="0">
-            <a:schemeClr val="accent1"/>
-          </a:effectRef>
-          <a:fontRef idx="minor">
-            <a:schemeClr val="tx1"/>
-          </a:fontRef>
-        </p:style>
-      </p:cxnSp>
-      <p:pic>
-        <p:nvPicPr>
-          <p:cNvPr id="7" name="Picture 2" descr="E:\未标题-2.png"/>
-          <p:cNvPicPr>
-            <a:picLocks noChangeAspect="1" noChangeArrowheads="1"/>
-          </p:cNvPicPr>
-          <p:nvPr/>
-        </p:nvPicPr>
-        <p:blipFill>
-          <a:blip r:embed="rId4">
-            <a:extLst>
-              <a:ext uri="{28A0092B-C50C-407E-A947-70E740481C1C}">
-                <a14:useLocalDpi xmlns:a14="http://schemas.microsoft.com/office/drawing/2010/main" val="0"/>
-              </a:ext>
-            </a:extLst>
-          </a:blip>
-          <a:srcRect/>
-          <a:stretch>
-            <a:fillRect/>
-          </a:stretch>
-        </p:blipFill>
-        <p:spPr bwMode="auto">
-          <a:xfrm>
-            <a:off x="-404813" y="-85725"/>
-            <a:ext cx="5453063" cy="6943725"/>
-          </a:xfrm>
-          <a:prstGeom prst="rect">
-            <a:avLst/>
-          </a:prstGeom>
-          <a:noFill/>
-          <a:ln>
-            <a:noFill/>
-          </a:ln>
-          <a:extLst>
-            <a:ext uri="{909E8E84-426E-40DD-AFC4-6F175D3DCCD1}">
-              <a14:hiddenFill xmlns:a14="http://schemas.microsoft.com/office/drawing/2010/main">
-                <a:solidFill>
-                  <a:srgbClr val="FFFFFF"/>
-                </a:solidFill>
-              </a14:hiddenFill>
-            </a:ext>
-            <a:ext uri="{91240B29-F687-4F45-9708-019B960494DF}">
-              <a14:hiddenLine xmlns:a14="http://schemas.microsoft.com/office/drawing/2010/main" w="9525">
-                <a:solidFill>
-                  <a:srgbClr val="000000"/>
-                </a:solidFill>
-                <a:miter lim="800000"/>
-                <a:headEnd/>
-                <a:tailEnd/>
-              </a14:hiddenLine>
-            </a:ext>
-          </a:extLst>
-        </p:spPr>
-      </p:pic>
-      <p:sp>
-        <p:nvSpPr>
-          <p:cNvPr id="2" name="标题 1"/>
-          <p:cNvSpPr>
-            <a:spLocks noGrp="1"/>
-          </p:cNvSpPr>
-          <p:nvPr>
-            <p:ph type="ctrTitle"/>
-          </p:nvPr>
-        </p:nvSpPr>
-        <p:spPr>
-          <a:xfrm>
-            <a:off x="3809987" y="1847852"/>
-            <a:ext cx="7429552" cy="1800238"/>
-          </a:xfrm>
-        </p:spPr>
-        <p:txBody>
-          <a:bodyPr>
-            <a:noAutofit/>
-          </a:bodyPr>
-          <a:lstStyle>
-            <a:lvl1pPr algn="r">
-              <a:defRPr sz="6600" b="0">
-                <a:solidFill>
-                  <a:srgbClr val="0072BC"/>
-                </a:solidFill>
-              </a:defRPr>
-            </a:lvl1pPr>
-          </a:lstStyle>
-          <a:p>
-            <a:r>
-              <a:rPr lang="zh-CN" altLang="en-US" dirty="0"/>
-              <a:t>单击此处编辑母版标题样式</a:t>
-            </a:r>
-          </a:p>
-        </p:txBody>
-      </p:sp>
-      <p:sp>
-        <p:nvSpPr>
-          <p:cNvPr id="3" name="副标题 2"/>
-          <p:cNvSpPr>
-            <a:spLocks noGrp="1"/>
-          </p:cNvSpPr>
-          <p:nvPr>
-            <p:ph type="subTitle" idx="1"/>
-          </p:nvPr>
-        </p:nvSpPr>
-        <p:spPr>
-          <a:xfrm>
-            <a:off x="3809987" y="3733814"/>
-            <a:ext cx="7429552" cy="1752600"/>
-          </a:xfrm>
-        </p:spPr>
-        <p:txBody>
-          <a:bodyPr/>
-          <a:lstStyle>
-            <a:lvl1pPr marL="0" indent="0" algn="r">
-              <a:buNone/>
-              <a:defRPr sz="3200">
-                <a:solidFill>
-                  <a:srgbClr val="0072BC"/>
-                </a:solidFill>
-              </a:defRPr>
-            </a:lvl1pPr>
-            <a:lvl2pPr marL="457200" indent="0" algn="ctr">
-              <a:buNone/>
-              <a:defRPr>
-                <a:solidFill>
-                  <a:schemeClr val="tx1">
-                    <a:tint val="75000"/>
-                  </a:schemeClr>
-                </a:solidFill>
-              </a:defRPr>
-            </a:lvl2pPr>
-            <a:lvl3pPr marL="914400" indent="0" algn="ctr">
-              <a:buNone/>
-              <a:defRPr>
-                <a:solidFill>
-                  <a:schemeClr val="tx1">
-                    <a:tint val="75000"/>
-                  </a:schemeClr>
-                </a:solidFill>
-              </a:defRPr>
-            </a:lvl3pPr>
-            <a:lvl4pPr marL="1371600" indent="0" algn="ctr">
-              <a:buNone/>
-              <a:defRPr>
-                <a:solidFill>
-                  <a:schemeClr val="tx1">
-                    <a:tint val="75000"/>
-                  </a:schemeClr>
-                </a:solidFill>
-              </a:defRPr>
-            </a:lvl4pPr>
-            <a:lvl5pPr marL="1828800" indent="0" algn="ctr">
-              <a:buNone/>
-              <a:defRPr>
-                <a:solidFill>
-                  <a:schemeClr val="tx1">
-                    <a:tint val="75000"/>
-                  </a:schemeClr>
-                </a:solidFill>
-              </a:defRPr>
-            </a:lvl5pPr>
-            <a:lvl6pPr marL="2286000" indent="0" algn="ctr">
-              <a:buNone/>
-              <a:defRPr>
-                <a:solidFill>
-                  <a:schemeClr val="tx1">
-                    <a:tint val="75000"/>
-                  </a:schemeClr>
-                </a:solidFill>
-              </a:defRPr>
-            </a:lvl6pPr>
-            <a:lvl7pPr marL="2743200" indent="0" algn="ctr">
-              <a:buNone/>
-              <a:defRPr>
-                <a:solidFill>
-                  <a:schemeClr val="tx1">
-                    <a:tint val="75000"/>
-                  </a:schemeClr>
-                </a:solidFill>
-              </a:defRPr>
-            </a:lvl7pPr>
-            <a:lvl8pPr marL="3200400" indent="0" algn="ctr">
-              <a:buNone/>
-              <a:defRPr>
-                <a:solidFill>
-                  <a:schemeClr val="tx1">
-                    <a:tint val="75000"/>
-                  </a:schemeClr>
-                </a:solidFill>
-              </a:defRPr>
-            </a:lvl8pPr>
-            <a:lvl9pPr marL="3657600" indent="0" algn="ctr">
-              <a:buNone/>
-              <a:defRPr>
-                <a:solidFill>
-                  <a:schemeClr val="tx1">
-                    <a:tint val="75000"/>
-                  </a:schemeClr>
-                </a:solidFill>
-              </a:defRPr>
-            </a:lvl9pPr>
-          </a:lstStyle>
-          <a:p>
-            <a:r>
-              <a:rPr lang="zh-CN" altLang="en-US" dirty="0"/>
-              <a:t>单击此处编辑母版副标题样式</a:t>
-            </a:r>
-          </a:p>
-        </p:txBody>
-      </p:sp>
-      <p:sp>
-        <p:nvSpPr>
-          <p:cNvPr id="8" name="日期占位符 3"/>
-          <p:cNvSpPr>
-            <a:spLocks noGrp="1"/>
-          </p:cNvSpPr>
-          <p:nvPr>
-            <p:ph type="dt" sz="half" idx="10"/>
-          </p:nvPr>
-        </p:nvSpPr>
-        <p:spPr/>
-        <p:txBody>
-          <a:bodyPr/>
-          <a:lstStyle>
-            <a:lvl1pPr>
-              <a:defRPr/>
-            </a:lvl1pPr>
-          </a:lstStyle>
-          <a:p>
-            <a:pPr>
-              <a:defRPr/>
-            </a:pPr>
-            <a:endParaRPr lang="zh-CN" altLang="zh-CN"/>
-          </a:p>
-        </p:txBody>
-      </p:sp>
-      <p:sp>
-        <p:nvSpPr>
-          <p:cNvPr id="9" name="页脚占位符 4"/>
-          <p:cNvSpPr>
-            <a:spLocks noGrp="1"/>
-          </p:cNvSpPr>
-          <p:nvPr>
-            <p:ph type="ftr" sz="quarter" idx="11"/>
-          </p:nvPr>
-        </p:nvSpPr>
-        <p:spPr/>
-        <p:txBody>
-          <a:bodyPr/>
-          <a:lstStyle>
-            <a:lvl1pPr>
-              <a:defRPr/>
-            </a:lvl1pPr>
-          </a:lstStyle>
-          <a:p>
-            <a:pPr>
-              <a:defRPr/>
-            </a:pPr>
-            <a:endParaRPr lang="zh-CN" altLang="zh-CN" dirty="0"/>
-          </a:p>
-        </p:txBody>
-      </p:sp>
-      <p:sp>
-        <p:nvSpPr>
-          <p:cNvPr id="10" name="灯片编号占位符 5"/>
-          <p:cNvSpPr>
-            <a:spLocks noGrp="1"/>
-          </p:cNvSpPr>
-          <p:nvPr>
-            <p:ph type="sldNum" sz="quarter" idx="12"/>
-          </p:nvPr>
-        </p:nvSpPr>
-        <p:spPr>
-          <a:xfrm>
-            <a:off x="4583832" y="6669360"/>
-            <a:ext cx="2743200" cy="185946"/>
-          </a:xfrm>
-        </p:spPr>
-        <p:txBody>
-          <a:bodyPr/>
-          <a:lstStyle>
-            <a:lvl1pPr algn="ctr">
-              <a:defRPr>
-                <a:solidFill>
-                  <a:schemeClr val="bg1"/>
-                </a:solidFill>
-              </a:defRPr>
-            </a:lvl1pPr>
-          </a:lstStyle>
-          <a:p>
-            <a:pPr>
-              <a:defRPr/>
-            </a:pPr>
-            <a:fld id="{6B93F4AD-E41D-4898-98F6-951F1BB77F10}" type="slidenum">
-              <a:rPr lang="zh-CN" altLang="zh-CN" smtClean="0"/>
-              <a:t>‹#›</a:t>
-            </a:fld>
-            <a:endParaRPr lang="zh-CN" altLang="zh-CN" dirty="0"/>
-          </a:p>
-        </p:txBody>
-      </p:sp>
-    </p:spTree>
-  </p:cSld>
-  <p:clrMapOvr>
-    <a:masterClrMapping/>
-  </p:clrMapOvr>
-</p:sldLayout>
-</file>
-
-<file path=ppt/slideLayouts/slideLayout2.xml><?xml version="1.0" encoding="utf-8"?>
-<p:sldLayout xmlns:a="http://schemas.openxmlformats.org/drawingml/2006/main" xmlns:r="http://schemas.openxmlformats.org/officeDocument/2006/relationships" xmlns:p="http://schemas.openxmlformats.org/presentationml/2006/main" preserve="1">
-  <p:cSld name="6_标题和内容">
+  <p:cSld name="标题幻灯片">
     <p:spTree>
       <p:nvGrpSpPr>
         <p:cNvPr id="1" name=""/>
@@ -20592,146 +20123,621 @@
       </p:grpSpPr>
       <p:sp>
         <p:nvSpPr>
-          <p:cNvPr id="3" name="矩形 2"/>
-          <p:cNvSpPr/>
-          <p:nvPr/>
+          <p:cNvPr id="2" name="标题 1">
+            <a:extLst>
+              <a:ext uri="{FF2B5EF4-FFF2-40B4-BE49-F238E27FC236}">
+                <a16:creationId xmlns:a16="http://schemas.microsoft.com/office/drawing/2014/main" id="{EE0803CF-0CD4-4A18-BC82-6955D0897BFC}"/>
+              </a:ext>
+            </a:extLst>
+          </p:cNvPr>
+          <p:cNvSpPr>
+            <a:spLocks noGrp="1"/>
+          </p:cNvSpPr>
+          <p:nvPr>
+            <p:ph type="ctrTitle"/>
+          </p:nvPr>
         </p:nvSpPr>
         <p:spPr>
           <a:xfrm>
-            <a:off x="0" y="6686550"/>
-            <a:ext cx="12192000" cy="171450"/>
+            <a:off x="1524000" y="1122363"/>
+            <a:ext cx="9144000" cy="2387600"/>
           </a:xfrm>
-          <a:prstGeom prst="rect">
-            <a:avLst/>
-          </a:prstGeom>
-          <a:solidFill>
-            <a:srgbClr val="00A29A"/>
-          </a:solidFill>
-          <a:ln>
-            <a:noFill/>
-          </a:ln>
         </p:spPr>
-        <p:style>
-          <a:lnRef idx="2">
-            <a:schemeClr val="accent1">
-              <a:shade val="50000"/>
-            </a:schemeClr>
-          </a:lnRef>
-          <a:fillRef idx="1">
-            <a:schemeClr val="accent1"/>
-          </a:fillRef>
-          <a:effectRef idx="0">
-            <a:schemeClr val="accent1"/>
-          </a:effectRef>
-          <a:fontRef idx="minor">
-            <a:schemeClr val="lt1"/>
-          </a:fontRef>
-        </p:style>
         <p:txBody>
-          <a:bodyPr anchor="ctr"/>
-          <a:lstStyle/>
+          <a:bodyPr anchor="b"/>
+          <a:lstStyle>
+            <a:lvl1pPr algn="ctr">
+              <a:defRPr sz="6000"/>
+            </a:lvl1pPr>
+          </a:lstStyle>
           <a:p>
-            <a:pPr algn="ctr">
-              <a:defRPr/>
-            </a:pPr>
-            <a:endParaRPr lang="zh-CN" altLang="en-US" sz="1200">
-              <a:solidFill>
-                <a:prstClr val="white"/>
-              </a:solidFill>
-            </a:endParaRPr>
+            <a:r>
+              <a:rPr lang="zh-CN" altLang="en-US"/>
+              <a:t>单击此处编辑母版标题样式</a:t>
+            </a:r>
           </a:p>
         </p:txBody>
       </p:sp>
-      <p:cxnSp>
-        <p:nvCxnSpPr>
-          <p:cNvPr id="4" name="直接连接符 3"/>
-          <p:cNvCxnSpPr/>
-          <p:nvPr/>
-        </p:nvCxnSpPr>
+      <p:sp>
+        <p:nvSpPr>
+          <p:cNvPr id="3" name="副标题 2">
+            <a:extLst>
+              <a:ext uri="{FF2B5EF4-FFF2-40B4-BE49-F238E27FC236}">
+                <a16:creationId xmlns:a16="http://schemas.microsoft.com/office/drawing/2014/main" id="{FAB65C43-FAEB-4BA7-8D77-44D67CBBC9BD}"/>
+              </a:ext>
+            </a:extLst>
+          </p:cNvPr>
+          <p:cNvSpPr>
+            <a:spLocks noGrp="1"/>
+          </p:cNvSpPr>
+          <p:nvPr>
+            <p:ph type="subTitle" idx="1"/>
+          </p:nvPr>
+        </p:nvSpPr>
         <p:spPr>
           <a:xfrm>
-            <a:off x="1166813" y="920750"/>
-            <a:ext cx="10477500" cy="1588"/>
+            <a:off x="1524000" y="3602038"/>
+            <a:ext cx="9144000" cy="1655762"/>
           </a:xfrm>
-          <a:prstGeom prst="line">
-            <a:avLst/>
-          </a:prstGeom>
-          <a:ln w="12700">
-            <a:solidFill>
-              <a:srgbClr val="0070C0"/>
-            </a:solidFill>
-            <a:prstDash val="solid"/>
-          </a:ln>
         </p:spPr>
-        <p:style>
-          <a:lnRef idx="1">
-            <a:schemeClr val="accent1"/>
-          </a:lnRef>
-          <a:fillRef idx="0">
-            <a:schemeClr val="accent1"/>
-          </a:fillRef>
-          <a:effectRef idx="0">
-            <a:schemeClr val="accent1"/>
-          </a:effectRef>
-          <a:fontRef idx="minor">
-            <a:schemeClr val="tx1"/>
-          </a:fontRef>
-        </p:style>
-      </p:cxnSp>
-      <p:pic>
-        <p:nvPicPr>
-          <p:cNvPr id="5" name="Picture 3" descr="D:\工作\2016\vi\图层-2.png"/>
-          <p:cNvPicPr>
-            <a:picLocks noChangeAspect="1" noChangeArrowheads="1"/>
-          </p:cNvPicPr>
-          <p:nvPr/>
-        </p:nvPicPr>
-        <p:blipFill>
-          <a:blip r:embed="rId2">
+        <p:txBody>
+          <a:bodyPr/>
+          <a:lstStyle>
+            <a:lvl1pPr marL="0" indent="0" algn="ctr">
+              <a:buNone/>
+              <a:defRPr sz="2400"/>
+            </a:lvl1pPr>
+            <a:lvl2pPr marL="457200" indent="0" algn="ctr">
+              <a:buNone/>
+              <a:defRPr sz="2000"/>
+            </a:lvl2pPr>
+            <a:lvl3pPr marL="914400" indent="0" algn="ctr">
+              <a:buNone/>
+              <a:defRPr sz="1800"/>
+            </a:lvl3pPr>
+            <a:lvl4pPr marL="1371600" indent="0" algn="ctr">
+              <a:buNone/>
+              <a:defRPr sz="1600"/>
+            </a:lvl4pPr>
+            <a:lvl5pPr marL="1828800" indent="0" algn="ctr">
+              <a:buNone/>
+              <a:defRPr sz="1600"/>
+            </a:lvl5pPr>
+            <a:lvl6pPr marL="2286000" indent="0" algn="ctr">
+              <a:buNone/>
+              <a:defRPr sz="1600"/>
+            </a:lvl6pPr>
+            <a:lvl7pPr marL="2743200" indent="0" algn="ctr">
+              <a:buNone/>
+              <a:defRPr sz="1600"/>
+            </a:lvl7pPr>
+            <a:lvl8pPr marL="3200400" indent="0" algn="ctr">
+              <a:buNone/>
+              <a:defRPr sz="1600"/>
+            </a:lvl8pPr>
+            <a:lvl9pPr marL="3657600" indent="0" algn="ctr">
+              <a:buNone/>
+              <a:defRPr sz="1600"/>
+            </a:lvl9pPr>
+          </a:lstStyle>
+          <a:p>
+            <a:r>
+              <a:rPr lang="zh-CN" altLang="en-US"/>
+              <a:t>单击此处编辑母版副标题样式</a:t>
+            </a:r>
+          </a:p>
+        </p:txBody>
+      </p:sp>
+      <p:sp>
+        <p:nvSpPr>
+          <p:cNvPr id="4" name="日期占位符 3">
             <a:extLst>
-              <a:ext uri="{28A0092B-C50C-407E-A947-70E740481C1C}">
-                <a14:useLocalDpi xmlns:a14="http://schemas.microsoft.com/office/drawing/2010/main" val="0"/>
+              <a:ext uri="{FF2B5EF4-FFF2-40B4-BE49-F238E27FC236}">
+                <a16:creationId xmlns:a16="http://schemas.microsoft.com/office/drawing/2014/main" id="{B8E9A13A-A1AF-4EF7-BB2E-8BFAA17E2B2D}"/>
               </a:ext>
             </a:extLst>
-          </a:blip>
-          <a:srcRect/>
-          <a:stretch>
-            <a:fillRect/>
-          </a:stretch>
-        </p:blipFill>
-        <p:spPr bwMode="auto">
+          </p:cNvPr>
+          <p:cNvSpPr>
+            <a:spLocks noGrp="1"/>
+          </p:cNvSpPr>
+          <p:nvPr>
+            <p:ph type="dt" sz="half" idx="10"/>
+          </p:nvPr>
+        </p:nvSpPr>
+        <p:spPr/>
+        <p:txBody>
+          <a:bodyPr/>
+          <a:lstStyle/>
+          <a:p>
+            <a:endParaRPr lang="zh-CN" altLang="en-US"/>
+          </a:p>
+        </p:txBody>
+      </p:sp>
+      <p:sp>
+        <p:nvSpPr>
+          <p:cNvPr id="5" name="页脚占位符 4">
+            <a:extLst>
+              <a:ext uri="{FF2B5EF4-FFF2-40B4-BE49-F238E27FC236}">
+                <a16:creationId xmlns:a16="http://schemas.microsoft.com/office/drawing/2014/main" id="{E1D863CF-E4D1-43D4-B0EB-8D7F9800B93B}"/>
+              </a:ext>
+            </a:extLst>
+          </p:cNvPr>
+          <p:cNvSpPr>
+            <a:spLocks noGrp="1"/>
+          </p:cNvSpPr>
+          <p:nvPr>
+            <p:ph type="ftr" sz="quarter" idx="11"/>
+          </p:nvPr>
+        </p:nvSpPr>
+        <p:spPr/>
+        <p:txBody>
+          <a:bodyPr/>
+          <a:lstStyle/>
+          <a:p>
+            <a:endParaRPr lang="zh-CN" altLang="en-US"/>
+          </a:p>
+        </p:txBody>
+      </p:sp>
+      <p:sp>
+        <p:nvSpPr>
+          <p:cNvPr id="6" name="灯片编号占位符 5">
+            <a:extLst>
+              <a:ext uri="{FF2B5EF4-FFF2-40B4-BE49-F238E27FC236}">
+                <a16:creationId xmlns:a16="http://schemas.microsoft.com/office/drawing/2014/main" id="{D9AB3DE4-E63D-4E6C-B947-559E76924F1B}"/>
+              </a:ext>
+            </a:extLst>
+          </p:cNvPr>
+          <p:cNvSpPr>
+            <a:spLocks noGrp="1"/>
+          </p:cNvSpPr>
+          <p:nvPr>
+            <p:ph type="sldNum" sz="quarter" idx="12"/>
+          </p:nvPr>
+        </p:nvSpPr>
+        <p:spPr/>
+        <p:txBody>
+          <a:bodyPr/>
+          <a:lstStyle/>
+          <a:p>
+            <a:fld id="{76A5C077-CD5E-4BED-A3AA-82686853085F}" type="slidenum">
+              <a:rPr lang="en-US" altLang="zh-CN" smtClean="0"/>
+              <a:t>‹#›</a:t>
+            </a:fld>
+            <a:endParaRPr lang="en-US" dirty="0"/>
+          </a:p>
+        </p:txBody>
+      </p:sp>
+    </p:spTree>
+    <p:extLst>
+      <p:ext uri="{BB962C8B-B14F-4D97-AF65-F5344CB8AC3E}">
+        <p14:creationId xmlns:p14="http://schemas.microsoft.com/office/powerpoint/2010/main" val="3441867218"/>
+      </p:ext>
+    </p:extLst>
+  </p:cSld>
+  <p:clrMapOvr>
+    <a:masterClrMapping/>
+  </p:clrMapOvr>
+  <p:hf hdr="0" ftr="0" dt="0"/>
+</p:sldLayout>
+</file>
+
+<file path=ppt/slideLayouts/slideLayout10.xml><?xml version="1.0" encoding="utf-8"?>
+<p:sldLayout xmlns:a="http://schemas.openxmlformats.org/drawingml/2006/main" xmlns:r="http://schemas.openxmlformats.org/officeDocument/2006/relationships" xmlns:p="http://schemas.openxmlformats.org/presentationml/2006/main" type="vertTx" preserve="1">
+  <p:cSld name="标题和竖排文字">
+    <p:spTree>
+      <p:nvGrpSpPr>
+        <p:cNvPr id="1" name=""/>
+        <p:cNvGrpSpPr/>
+        <p:nvPr/>
+      </p:nvGrpSpPr>
+      <p:grpSpPr>
+        <a:xfrm>
+          <a:off x="0" y="0"/>
+          <a:ext cx="0" cy="0"/>
+          <a:chOff x="0" y="0"/>
+          <a:chExt cx="0" cy="0"/>
+        </a:xfrm>
+      </p:grpSpPr>
+      <p:sp>
+        <p:nvSpPr>
+          <p:cNvPr id="2" name="标题 1">
+            <a:extLst>
+              <a:ext uri="{FF2B5EF4-FFF2-40B4-BE49-F238E27FC236}">
+                <a16:creationId xmlns:a16="http://schemas.microsoft.com/office/drawing/2014/main" id="{D60F7840-1A26-4AB4-A991-C81A5306B7E1}"/>
+              </a:ext>
+            </a:extLst>
+          </p:cNvPr>
+          <p:cNvSpPr>
+            <a:spLocks noGrp="1"/>
+          </p:cNvSpPr>
+          <p:nvPr>
+            <p:ph type="title"/>
+          </p:nvPr>
+        </p:nvSpPr>
+        <p:spPr/>
+        <p:txBody>
+          <a:bodyPr/>
+          <a:lstStyle/>
+          <a:p>
+            <a:r>
+              <a:rPr lang="zh-CN" altLang="en-US"/>
+              <a:t>单击此处编辑母版标题样式</a:t>
+            </a:r>
+          </a:p>
+        </p:txBody>
+      </p:sp>
+      <p:sp>
+        <p:nvSpPr>
+          <p:cNvPr id="3" name="竖排文字占位符 2">
+            <a:extLst>
+              <a:ext uri="{FF2B5EF4-FFF2-40B4-BE49-F238E27FC236}">
+                <a16:creationId xmlns:a16="http://schemas.microsoft.com/office/drawing/2014/main" id="{18244CC8-C955-4F82-A352-4CBCDA05EAFA}"/>
+              </a:ext>
+            </a:extLst>
+          </p:cNvPr>
+          <p:cNvSpPr>
+            <a:spLocks noGrp="1"/>
+          </p:cNvSpPr>
+          <p:nvPr>
+            <p:ph type="body" orient="vert" idx="1"/>
+          </p:nvPr>
+        </p:nvSpPr>
+        <p:spPr/>
+        <p:txBody>
+          <a:bodyPr vert="eaVert"/>
+          <a:lstStyle/>
+          <a:p>
+            <a:pPr lvl="0"/>
+            <a:r>
+              <a:rPr lang="zh-CN" altLang="en-US"/>
+              <a:t>单击此处编辑母版文本样式</a:t>
+            </a:r>
+          </a:p>
+          <a:p>
+            <a:pPr lvl="1"/>
+            <a:r>
+              <a:rPr lang="zh-CN" altLang="en-US"/>
+              <a:t>二级</a:t>
+            </a:r>
+          </a:p>
+          <a:p>
+            <a:pPr lvl="2"/>
+            <a:r>
+              <a:rPr lang="zh-CN" altLang="en-US"/>
+              <a:t>三级</a:t>
+            </a:r>
+          </a:p>
+          <a:p>
+            <a:pPr lvl="3"/>
+            <a:r>
+              <a:rPr lang="zh-CN" altLang="en-US"/>
+              <a:t>四级</a:t>
+            </a:r>
+          </a:p>
+          <a:p>
+            <a:pPr lvl="4"/>
+            <a:r>
+              <a:rPr lang="zh-CN" altLang="en-US"/>
+              <a:t>五级</a:t>
+            </a:r>
+          </a:p>
+        </p:txBody>
+      </p:sp>
+      <p:sp>
+        <p:nvSpPr>
+          <p:cNvPr id="4" name="日期占位符 3">
+            <a:extLst>
+              <a:ext uri="{FF2B5EF4-FFF2-40B4-BE49-F238E27FC236}">
+                <a16:creationId xmlns:a16="http://schemas.microsoft.com/office/drawing/2014/main" id="{2A9FDD55-13DD-4F56-AEEB-4828A8F8A422}"/>
+              </a:ext>
+            </a:extLst>
+          </p:cNvPr>
+          <p:cNvSpPr>
+            <a:spLocks noGrp="1"/>
+          </p:cNvSpPr>
+          <p:nvPr>
+            <p:ph type="dt" sz="half" idx="10"/>
+          </p:nvPr>
+        </p:nvSpPr>
+        <p:spPr/>
+        <p:txBody>
+          <a:bodyPr/>
+          <a:lstStyle/>
+          <a:p>
+            <a:endParaRPr lang="zh-CN" altLang="en-US"/>
+          </a:p>
+        </p:txBody>
+      </p:sp>
+      <p:sp>
+        <p:nvSpPr>
+          <p:cNvPr id="5" name="页脚占位符 4">
+            <a:extLst>
+              <a:ext uri="{FF2B5EF4-FFF2-40B4-BE49-F238E27FC236}">
+                <a16:creationId xmlns:a16="http://schemas.microsoft.com/office/drawing/2014/main" id="{AE6BA320-9579-457F-B842-86B7E779AF71}"/>
+              </a:ext>
+            </a:extLst>
+          </p:cNvPr>
+          <p:cNvSpPr>
+            <a:spLocks noGrp="1"/>
+          </p:cNvSpPr>
+          <p:nvPr>
+            <p:ph type="ftr" sz="quarter" idx="11"/>
+          </p:nvPr>
+        </p:nvSpPr>
+        <p:spPr/>
+        <p:txBody>
+          <a:bodyPr/>
+          <a:lstStyle/>
+          <a:p>
+            <a:endParaRPr lang="zh-CN" altLang="en-US"/>
+          </a:p>
+        </p:txBody>
+      </p:sp>
+      <p:sp>
+        <p:nvSpPr>
+          <p:cNvPr id="6" name="灯片编号占位符 5">
+            <a:extLst>
+              <a:ext uri="{FF2B5EF4-FFF2-40B4-BE49-F238E27FC236}">
+                <a16:creationId xmlns:a16="http://schemas.microsoft.com/office/drawing/2014/main" id="{728E55B1-24F1-4E45-8D3E-4FC60DEAD413}"/>
+              </a:ext>
+            </a:extLst>
+          </p:cNvPr>
+          <p:cNvSpPr>
+            <a:spLocks noGrp="1"/>
+          </p:cNvSpPr>
+          <p:nvPr>
+            <p:ph type="sldNum" sz="quarter" idx="12"/>
+          </p:nvPr>
+        </p:nvSpPr>
+        <p:spPr/>
+        <p:txBody>
+          <a:bodyPr/>
+          <a:lstStyle/>
+          <a:p>
+            <a:fld id="{76A5C077-CD5E-4BED-A3AA-82686853085F}" type="slidenum">
+              <a:rPr lang="en-US" altLang="zh-CN" smtClean="0"/>
+              <a:t>‹#›</a:t>
+            </a:fld>
+            <a:endParaRPr lang="en-US" dirty="0"/>
+          </a:p>
+        </p:txBody>
+      </p:sp>
+    </p:spTree>
+    <p:extLst>
+      <p:ext uri="{BB962C8B-B14F-4D97-AF65-F5344CB8AC3E}">
+        <p14:creationId xmlns:p14="http://schemas.microsoft.com/office/powerpoint/2010/main" val="2792976425"/>
+      </p:ext>
+    </p:extLst>
+  </p:cSld>
+  <p:clrMapOvr>
+    <a:masterClrMapping/>
+  </p:clrMapOvr>
+  <p:hf hdr="0" ftr="0" dt="0"/>
+</p:sldLayout>
+</file>
+
+<file path=ppt/slideLayouts/slideLayout11.xml><?xml version="1.0" encoding="utf-8"?>
+<p:sldLayout xmlns:a="http://schemas.openxmlformats.org/drawingml/2006/main" xmlns:r="http://schemas.openxmlformats.org/officeDocument/2006/relationships" xmlns:p="http://schemas.openxmlformats.org/presentationml/2006/main" type="vertTitleAndTx" preserve="1">
+  <p:cSld name="竖排标题与文本">
+    <p:spTree>
+      <p:nvGrpSpPr>
+        <p:cNvPr id="1" name=""/>
+        <p:cNvGrpSpPr/>
+        <p:nvPr/>
+      </p:nvGrpSpPr>
+      <p:grpSpPr>
+        <a:xfrm>
+          <a:off x="0" y="0"/>
+          <a:ext cx="0" cy="0"/>
+          <a:chOff x="0" y="0"/>
+          <a:chExt cx="0" cy="0"/>
+        </a:xfrm>
+      </p:grpSpPr>
+      <p:sp>
+        <p:nvSpPr>
+          <p:cNvPr id="2" name="竖排标题 1">
+            <a:extLst>
+              <a:ext uri="{FF2B5EF4-FFF2-40B4-BE49-F238E27FC236}">
+                <a16:creationId xmlns:a16="http://schemas.microsoft.com/office/drawing/2014/main" id="{E8F82F1E-60E6-4213-B830-78C67810B7F4}"/>
+              </a:ext>
+            </a:extLst>
+          </p:cNvPr>
+          <p:cNvSpPr>
+            <a:spLocks noGrp="1"/>
+          </p:cNvSpPr>
+          <p:nvPr>
+            <p:ph type="title" orient="vert"/>
+          </p:nvPr>
+        </p:nvSpPr>
+        <p:spPr>
           <a:xfrm>
-            <a:off x="333375" y="404813"/>
-            <a:ext cx="649288" cy="431800"/>
+            <a:off x="8724900" y="365125"/>
+            <a:ext cx="2628900" cy="5811838"/>
           </a:xfrm>
-          <a:prstGeom prst="rect">
-            <a:avLst/>
-          </a:prstGeom>
-          <a:noFill/>
-          <a:ln>
-            <a:noFill/>
-          </a:ln>
-          <a:extLst>
-            <a:ext uri="{909E8E84-426E-40DD-AFC4-6F175D3DCCD1}">
-              <a14:hiddenFill xmlns:a14="http://schemas.microsoft.com/office/drawing/2010/main">
-                <a:solidFill>
-                  <a:srgbClr val="FFFFFF"/>
-                </a:solidFill>
-              </a14:hiddenFill>
-            </a:ext>
-            <a:ext uri="{91240B29-F687-4F45-9708-019B960494DF}">
-              <a14:hiddenLine xmlns:a14="http://schemas.microsoft.com/office/drawing/2010/main" w="9525">
-                <a:solidFill>
-                  <a:srgbClr val="000000"/>
-                </a:solidFill>
-                <a:miter lim="800000"/>
-                <a:headEnd/>
-                <a:tailEnd/>
-              </a14:hiddenLine>
-            </a:ext>
-          </a:extLst>
         </p:spPr>
-      </p:pic>
+        <p:txBody>
+          <a:bodyPr vert="eaVert"/>
+          <a:lstStyle/>
+          <a:p>
+            <a:r>
+              <a:rPr lang="zh-CN" altLang="en-US"/>
+              <a:t>单击此处编辑母版标题样式</a:t>
+            </a:r>
+          </a:p>
+        </p:txBody>
+      </p:sp>
+      <p:sp>
+        <p:nvSpPr>
+          <p:cNvPr id="3" name="竖排文字占位符 2">
+            <a:extLst>
+              <a:ext uri="{FF2B5EF4-FFF2-40B4-BE49-F238E27FC236}">
+                <a16:creationId xmlns:a16="http://schemas.microsoft.com/office/drawing/2014/main" id="{34C10C0C-A939-4F16-BCE5-ABBFEC01DC2E}"/>
+              </a:ext>
+            </a:extLst>
+          </p:cNvPr>
+          <p:cNvSpPr>
+            <a:spLocks noGrp="1"/>
+          </p:cNvSpPr>
+          <p:nvPr>
+            <p:ph type="body" orient="vert" idx="1"/>
+          </p:nvPr>
+        </p:nvSpPr>
+        <p:spPr>
+          <a:xfrm>
+            <a:off x="838200" y="365125"/>
+            <a:ext cx="7734300" cy="5811838"/>
+          </a:xfrm>
+        </p:spPr>
+        <p:txBody>
+          <a:bodyPr vert="eaVert"/>
+          <a:lstStyle/>
+          <a:p>
+            <a:pPr lvl="0"/>
+            <a:r>
+              <a:rPr lang="zh-CN" altLang="en-US"/>
+              <a:t>单击此处编辑母版文本样式</a:t>
+            </a:r>
+          </a:p>
+          <a:p>
+            <a:pPr lvl="1"/>
+            <a:r>
+              <a:rPr lang="zh-CN" altLang="en-US"/>
+              <a:t>二级</a:t>
+            </a:r>
+          </a:p>
+          <a:p>
+            <a:pPr lvl="2"/>
+            <a:r>
+              <a:rPr lang="zh-CN" altLang="en-US"/>
+              <a:t>三级</a:t>
+            </a:r>
+          </a:p>
+          <a:p>
+            <a:pPr lvl="3"/>
+            <a:r>
+              <a:rPr lang="zh-CN" altLang="en-US"/>
+              <a:t>四级</a:t>
+            </a:r>
+          </a:p>
+          <a:p>
+            <a:pPr lvl="4"/>
+            <a:r>
+              <a:rPr lang="zh-CN" altLang="en-US"/>
+              <a:t>五级</a:t>
+            </a:r>
+          </a:p>
+        </p:txBody>
+      </p:sp>
+      <p:sp>
+        <p:nvSpPr>
+          <p:cNvPr id="4" name="日期占位符 3">
+            <a:extLst>
+              <a:ext uri="{FF2B5EF4-FFF2-40B4-BE49-F238E27FC236}">
+                <a16:creationId xmlns:a16="http://schemas.microsoft.com/office/drawing/2014/main" id="{5EEACA8D-FE5E-47C0-9871-3DD169E37189}"/>
+              </a:ext>
+            </a:extLst>
+          </p:cNvPr>
+          <p:cNvSpPr>
+            <a:spLocks noGrp="1"/>
+          </p:cNvSpPr>
+          <p:nvPr>
+            <p:ph type="dt" sz="half" idx="10"/>
+          </p:nvPr>
+        </p:nvSpPr>
+        <p:spPr/>
+        <p:txBody>
+          <a:bodyPr/>
+          <a:lstStyle/>
+          <a:p>
+            <a:endParaRPr lang="zh-CN" altLang="en-US"/>
+          </a:p>
+        </p:txBody>
+      </p:sp>
+      <p:sp>
+        <p:nvSpPr>
+          <p:cNvPr id="5" name="页脚占位符 4">
+            <a:extLst>
+              <a:ext uri="{FF2B5EF4-FFF2-40B4-BE49-F238E27FC236}">
+                <a16:creationId xmlns:a16="http://schemas.microsoft.com/office/drawing/2014/main" id="{B8367B65-C44E-49DD-99F4-DC3161481909}"/>
+              </a:ext>
+            </a:extLst>
+          </p:cNvPr>
+          <p:cNvSpPr>
+            <a:spLocks noGrp="1"/>
+          </p:cNvSpPr>
+          <p:nvPr>
+            <p:ph type="ftr" sz="quarter" idx="11"/>
+          </p:nvPr>
+        </p:nvSpPr>
+        <p:spPr/>
+        <p:txBody>
+          <a:bodyPr/>
+          <a:lstStyle/>
+          <a:p>
+            <a:endParaRPr lang="zh-CN" altLang="en-US"/>
+          </a:p>
+        </p:txBody>
+      </p:sp>
+      <p:sp>
+        <p:nvSpPr>
+          <p:cNvPr id="6" name="灯片编号占位符 5">
+            <a:extLst>
+              <a:ext uri="{FF2B5EF4-FFF2-40B4-BE49-F238E27FC236}">
+                <a16:creationId xmlns:a16="http://schemas.microsoft.com/office/drawing/2014/main" id="{6F601476-9C52-469F-A51E-930B92501E24}"/>
+              </a:ext>
+            </a:extLst>
+          </p:cNvPr>
+          <p:cNvSpPr>
+            <a:spLocks noGrp="1"/>
+          </p:cNvSpPr>
+          <p:nvPr>
+            <p:ph type="sldNum" sz="quarter" idx="12"/>
+          </p:nvPr>
+        </p:nvSpPr>
+        <p:spPr/>
+        <p:txBody>
+          <a:bodyPr/>
+          <a:lstStyle/>
+          <a:p>
+            <a:fld id="{76A5C077-CD5E-4BED-A3AA-82686853085F}" type="slidenum">
+              <a:rPr lang="en-US" altLang="zh-CN" smtClean="0"/>
+              <a:t>‹#›</a:t>
+            </a:fld>
+            <a:endParaRPr lang="en-US" dirty="0"/>
+          </a:p>
+        </p:txBody>
+      </p:sp>
+    </p:spTree>
+    <p:extLst>
+      <p:ext uri="{BB962C8B-B14F-4D97-AF65-F5344CB8AC3E}">
+        <p14:creationId xmlns:p14="http://schemas.microsoft.com/office/powerpoint/2010/main" val="3552978917"/>
+      </p:ext>
+    </p:extLst>
+  </p:cSld>
+  <p:clrMapOvr>
+    <a:masterClrMapping/>
+  </p:clrMapOvr>
+  <p:hf hdr="0" ftr="0" dt="0"/>
+</p:sldLayout>
+</file>
+
+<file path=ppt/slideLayouts/slideLayout12.xml><?xml version="1.0" encoding="utf-8"?>
+<p:sldLayout xmlns:a="http://schemas.openxmlformats.org/drawingml/2006/main" xmlns:r="http://schemas.openxmlformats.org/officeDocument/2006/relationships" xmlns:p="http://schemas.openxmlformats.org/presentationml/2006/main">
+  <p:cSld name="6_标题和内容">
+    <p:spTree>
+      <p:nvGrpSpPr>
+        <p:cNvPr id="1" name=""/>
+        <p:cNvGrpSpPr/>
+        <p:nvPr/>
+      </p:nvGrpSpPr>
+      <p:grpSpPr>
+        <a:xfrm>
+          <a:off x="0" y="0"/>
+          <a:ext cx="0" cy="0"/>
+          <a:chOff x="0" y="0"/>
+          <a:chExt cx="0" cy="0"/>
+        </a:xfrm>
+      </p:grpSpPr>
       <p:sp>
         <p:nvSpPr>
           <p:cNvPr id="16" name="标题 1"/>
@@ -20814,6 +20820,11 @@
         </p:txBody>
       </p:sp>
     </p:spTree>
+    <p:extLst>
+      <p:ext uri="{BB962C8B-B14F-4D97-AF65-F5344CB8AC3E}">
+        <p14:creationId xmlns:p14="http://schemas.microsoft.com/office/powerpoint/2010/main" val="2051213840"/>
+      </p:ext>
+    </p:extLst>
   </p:cSld>
   <p:clrMapOvr>
     <a:overrideClrMapping bg1="lt1" tx1="dk1" bg2="lt2" tx2="dk2" accent1="accent1" accent2="accent2" accent3="accent3" accent4="accent4" accent5="accent5" accent6="accent6" hlink="hlink" folHlink="folHlink"/>
@@ -20821,8 +20832,1284 @@
 </p:sldLayout>
 </file>
 
+<file path=ppt/slideLayouts/slideLayout2.xml><?xml version="1.0" encoding="utf-8"?>
+<p:sldLayout xmlns:a="http://schemas.openxmlformats.org/drawingml/2006/main" xmlns:r="http://schemas.openxmlformats.org/officeDocument/2006/relationships" xmlns:p="http://schemas.openxmlformats.org/presentationml/2006/main" type="obj" preserve="1">
+  <p:cSld name="标题和内容">
+    <p:spTree>
+      <p:nvGrpSpPr>
+        <p:cNvPr id="1" name=""/>
+        <p:cNvGrpSpPr/>
+        <p:nvPr/>
+      </p:nvGrpSpPr>
+      <p:grpSpPr>
+        <a:xfrm>
+          <a:off x="0" y="0"/>
+          <a:ext cx="0" cy="0"/>
+          <a:chOff x="0" y="0"/>
+          <a:chExt cx="0" cy="0"/>
+        </a:xfrm>
+      </p:grpSpPr>
+      <p:sp>
+        <p:nvSpPr>
+          <p:cNvPr id="2" name="标题 1">
+            <a:extLst>
+              <a:ext uri="{FF2B5EF4-FFF2-40B4-BE49-F238E27FC236}">
+                <a16:creationId xmlns:a16="http://schemas.microsoft.com/office/drawing/2014/main" id="{7382BF80-D700-44BB-BC4A-D9F953E54D90}"/>
+              </a:ext>
+            </a:extLst>
+          </p:cNvPr>
+          <p:cNvSpPr>
+            <a:spLocks noGrp="1"/>
+          </p:cNvSpPr>
+          <p:nvPr>
+            <p:ph type="title"/>
+          </p:nvPr>
+        </p:nvSpPr>
+        <p:spPr/>
+        <p:txBody>
+          <a:bodyPr/>
+          <a:lstStyle/>
+          <a:p>
+            <a:r>
+              <a:rPr lang="zh-CN" altLang="en-US"/>
+              <a:t>单击此处编辑母版标题样式</a:t>
+            </a:r>
+          </a:p>
+        </p:txBody>
+      </p:sp>
+      <p:sp>
+        <p:nvSpPr>
+          <p:cNvPr id="3" name="内容占位符 2">
+            <a:extLst>
+              <a:ext uri="{FF2B5EF4-FFF2-40B4-BE49-F238E27FC236}">
+                <a16:creationId xmlns:a16="http://schemas.microsoft.com/office/drawing/2014/main" id="{DE4D2B11-5D64-406D-B774-F0B6CF988088}"/>
+              </a:ext>
+            </a:extLst>
+          </p:cNvPr>
+          <p:cNvSpPr>
+            <a:spLocks noGrp="1"/>
+          </p:cNvSpPr>
+          <p:nvPr>
+            <p:ph idx="1"/>
+          </p:nvPr>
+        </p:nvSpPr>
+        <p:spPr/>
+        <p:txBody>
+          <a:bodyPr/>
+          <a:lstStyle/>
+          <a:p>
+            <a:pPr lvl="0"/>
+            <a:r>
+              <a:rPr lang="zh-CN" altLang="en-US"/>
+              <a:t>单击此处编辑母版文本样式</a:t>
+            </a:r>
+          </a:p>
+          <a:p>
+            <a:pPr lvl="1"/>
+            <a:r>
+              <a:rPr lang="zh-CN" altLang="en-US"/>
+              <a:t>二级</a:t>
+            </a:r>
+          </a:p>
+          <a:p>
+            <a:pPr lvl="2"/>
+            <a:r>
+              <a:rPr lang="zh-CN" altLang="en-US"/>
+              <a:t>三级</a:t>
+            </a:r>
+          </a:p>
+          <a:p>
+            <a:pPr lvl="3"/>
+            <a:r>
+              <a:rPr lang="zh-CN" altLang="en-US"/>
+              <a:t>四级</a:t>
+            </a:r>
+          </a:p>
+          <a:p>
+            <a:pPr lvl="4"/>
+            <a:r>
+              <a:rPr lang="zh-CN" altLang="en-US"/>
+              <a:t>五级</a:t>
+            </a:r>
+          </a:p>
+        </p:txBody>
+      </p:sp>
+      <p:sp>
+        <p:nvSpPr>
+          <p:cNvPr id="4" name="日期占位符 3">
+            <a:extLst>
+              <a:ext uri="{FF2B5EF4-FFF2-40B4-BE49-F238E27FC236}">
+                <a16:creationId xmlns:a16="http://schemas.microsoft.com/office/drawing/2014/main" id="{5358C0CE-139D-4C05-8CC5-B17C0FB3ABF5}"/>
+              </a:ext>
+            </a:extLst>
+          </p:cNvPr>
+          <p:cNvSpPr>
+            <a:spLocks noGrp="1"/>
+          </p:cNvSpPr>
+          <p:nvPr>
+            <p:ph type="dt" sz="half" idx="10"/>
+          </p:nvPr>
+        </p:nvSpPr>
+        <p:spPr/>
+        <p:txBody>
+          <a:bodyPr/>
+          <a:lstStyle/>
+          <a:p>
+            <a:endParaRPr lang="zh-CN" altLang="en-US"/>
+          </a:p>
+        </p:txBody>
+      </p:sp>
+      <p:sp>
+        <p:nvSpPr>
+          <p:cNvPr id="5" name="页脚占位符 4">
+            <a:extLst>
+              <a:ext uri="{FF2B5EF4-FFF2-40B4-BE49-F238E27FC236}">
+                <a16:creationId xmlns:a16="http://schemas.microsoft.com/office/drawing/2014/main" id="{33E65E4B-6722-4105-B76E-51B165FDFA74}"/>
+              </a:ext>
+            </a:extLst>
+          </p:cNvPr>
+          <p:cNvSpPr>
+            <a:spLocks noGrp="1"/>
+          </p:cNvSpPr>
+          <p:nvPr>
+            <p:ph type="ftr" sz="quarter" idx="11"/>
+          </p:nvPr>
+        </p:nvSpPr>
+        <p:spPr/>
+        <p:txBody>
+          <a:bodyPr/>
+          <a:lstStyle/>
+          <a:p>
+            <a:endParaRPr lang="zh-CN" altLang="en-US"/>
+          </a:p>
+        </p:txBody>
+      </p:sp>
+      <p:sp>
+        <p:nvSpPr>
+          <p:cNvPr id="6" name="灯片编号占位符 5">
+            <a:extLst>
+              <a:ext uri="{FF2B5EF4-FFF2-40B4-BE49-F238E27FC236}">
+                <a16:creationId xmlns:a16="http://schemas.microsoft.com/office/drawing/2014/main" id="{F3674D97-2638-4702-9A4B-CE8A3883AA96}"/>
+              </a:ext>
+            </a:extLst>
+          </p:cNvPr>
+          <p:cNvSpPr>
+            <a:spLocks noGrp="1"/>
+          </p:cNvSpPr>
+          <p:nvPr>
+            <p:ph type="sldNum" sz="quarter" idx="12"/>
+          </p:nvPr>
+        </p:nvSpPr>
+        <p:spPr/>
+        <p:txBody>
+          <a:bodyPr/>
+          <a:lstStyle/>
+          <a:p>
+            <a:fld id="{76A5C077-CD5E-4BED-A3AA-82686853085F}" type="slidenum">
+              <a:rPr lang="en-US" altLang="zh-CN" smtClean="0"/>
+              <a:t>‹#›</a:t>
+            </a:fld>
+            <a:endParaRPr lang="en-US" dirty="0"/>
+          </a:p>
+        </p:txBody>
+      </p:sp>
+    </p:spTree>
+    <p:extLst>
+      <p:ext uri="{BB962C8B-B14F-4D97-AF65-F5344CB8AC3E}">
+        <p14:creationId xmlns:p14="http://schemas.microsoft.com/office/powerpoint/2010/main" val="1318275981"/>
+      </p:ext>
+    </p:extLst>
+  </p:cSld>
+  <p:clrMapOvr>
+    <a:masterClrMapping/>
+  </p:clrMapOvr>
+  <p:hf hdr="0" ftr="0" dt="0"/>
+</p:sldLayout>
+</file>
+
 <file path=ppt/slideLayouts/slideLayout3.xml><?xml version="1.0" encoding="utf-8"?>
-<p:sldLayout xmlns:a="http://schemas.openxmlformats.org/drawingml/2006/main" xmlns:r="http://schemas.openxmlformats.org/officeDocument/2006/relationships" xmlns:p="http://schemas.openxmlformats.org/presentationml/2006/main" type="blank">
+<p:sldLayout xmlns:a="http://schemas.openxmlformats.org/drawingml/2006/main" xmlns:r="http://schemas.openxmlformats.org/officeDocument/2006/relationships" xmlns:p="http://schemas.openxmlformats.org/presentationml/2006/main" type="secHead" preserve="1">
+  <p:cSld name="节标题">
+    <p:spTree>
+      <p:nvGrpSpPr>
+        <p:cNvPr id="1" name=""/>
+        <p:cNvGrpSpPr/>
+        <p:nvPr/>
+      </p:nvGrpSpPr>
+      <p:grpSpPr>
+        <a:xfrm>
+          <a:off x="0" y="0"/>
+          <a:ext cx="0" cy="0"/>
+          <a:chOff x="0" y="0"/>
+          <a:chExt cx="0" cy="0"/>
+        </a:xfrm>
+      </p:grpSpPr>
+      <p:sp>
+        <p:nvSpPr>
+          <p:cNvPr id="2" name="标题 1">
+            <a:extLst>
+              <a:ext uri="{FF2B5EF4-FFF2-40B4-BE49-F238E27FC236}">
+                <a16:creationId xmlns:a16="http://schemas.microsoft.com/office/drawing/2014/main" id="{5402BF86-61C0-4F8F-ABB7-D15A5C20FDBF}"/>
+              </a:ext>
+            </a:extLst>
+          </p:cNvPr>
+          <p:cNvSpPr>
+            <a:spLocks noGrp="1"/>
+          </p:cNvSpPr>
+          <p:nvPr>
+            <p:ph type="title"/>
+          </p:nvPr>
+        </p:nvSpPr>
+        <p:spPr>
+          <a:xfrm>
+            <a:off x="831850" y="1709738"/>
+            <a:ext cx="10515600" cy="2852737"/>
+          </a:xfrm>
+        </p:spPr>
+        <p:txBody>
+          <a:bodyPr anchor="b"/>
+          <a:lstStyle>
+            <a:lvl1pPr>
+              <a:defRPr sz="6000"/>
+            </a:lvl1pPr>
+          </a:lstStyle>
+          <a:p>
+            <a:r>
+              <a:rPr lang="zh-CN" altLang="en-US"/>
+              <a:t>单击此处编辑母版标题样式</a:t>
+            </a:r>
+          </a:p>
+        </p:txBody>
+      </p:sp>
+      <p:sp>
+        <p:nvSpPr>
+          <p:cNvPr id="3" name="文本占位符 2">
+            <a:extLst>
+              <a:ext uri="{FF2B5EF4-FFF2-40B4-BE49-F238E27FC236}">
+                <a16:creationId xmlns:a16="http://schemas.microsoft.com/office/drawing/2014/main" id="{90EAF655-8513-495B-8949-91242E157848}"/>
+              </a:ext>
+            </a:extLst>
+          </p:cNvPr>
+          <p:cNvSpPr>
+            <a:spLocks noGrp="1"/>
+          </p:cNvSpPr>
+          <p:nvPr>
+            <p:ph type="body" idx="1"/>
+          </p:nvPr>
+        </p:nvSpPr>
+        <p:spPr>
+          <a:xfrm>
+            <a:off x="831850" y="4589463"/>
+            <a:ext cx="10515600" cy="1500187"/>
+          </a:xfrm>
+        </p:spPr>
+        <p:txBody>
+          <a:bodyPr/>
+          <a:lstStyle>
+            <a:lvl1pPr marL="0" indent="0">
+              <a:buNone/>
+              <a:defRPr sz="2400">
+                <a:solidFill>
+                  <a:schemeClr val="tx1">
+                    <a:tint val="75000"/>
+                  </a:schemeClr>
+                </a:solidFill>
+              </a:defRPr>
+            </a:lvl1pPr>
+            <a:lvl2pPr marL="457200" indent="0">
+              <a:buNone/>
+              <a:defRPr sz="2000">
+                <a:solidFill>
+                  <a:schemeClr val="tx1">
+                    <a:tint val="75000"/>
+                  </a:schemeClr>
+                </a:solidFill>
+              </a:defRPr>
+            </a:lvl2pPr>
+            <a:lvl3pPr marL="914400" indent="0">
+              <a:buNone/>
+              <a:defRPr sz="1800">
+                <a:solidFill>
+                  <a:schemeClr val="tx1">
+                    <a:tint val="75000"/>
+                  </a:schemeClr>
+                </a:solidFill>
+              </a:defRPr>
+            </a:lvl3pPr>
+            <a:lvl4pPr marL="1371600" indent="0">
+              <a:buNone/>
+              <a:defRPr sz="1600">
+                <a:solidFill>
+                  <a:schemeClr val="tx1">
+                    <a:tint val="75000"/>
+                  </a:schemeClr>
+                </a:solidFill>
+              </a:defRPr>
+            </a:lvl4pPr>
+            <a:lvl5pPr marL="1828800" indent="0">
+              <a:buNone/>
+              <a:defRPr sz="1600">
+                <a:solidFill>
+                  <a:schemeClr val="tx1">
+                    <a:tint val="75000"/>
+                  </a:schemeClr>
+                </a:solidFill>
+              </a:defRPr>
+            </a:lvl5pPr>
+            <a:lvl6pPr marL="2286000" indent="0">
+              <a:buNone/>
+              <a:defRPr sz="1600">
+                <a:solidFill>
+                  <a:schemeClr val="tx1">
+                    <a:tint val="75000"/>
+                  </a:schemeClr>
+                </a:solidFill>
+              </a:defRPr>
+            </a:lvl6pPr>
+            <a:lvl7pPr marL="2743200" indent="0">
+              <a:buNone/>
+              <a:defRPr sz="1600">
+                <a:solidFill>
+                  <a:schemeClr val="tx1">
+                    <a:tint val="75000"/>
+                  </a:schemeClr>
+                </a:solidFill>
+              </a:defRPr>
+            </a:lvl7pPr>
+            <a:lvl8pPr marL="3200400" indent="0">
+              <a:buNone/>
+              <a:defRPr sz="1600">
+                <a:solidFill>
+                  <a:schemeClr val="tx1">
+                    <a:tint val="75000"/>
+                  </a:schemeClr>
+                </a:solidFill>
+              </a:defRPr>
+            </a:lvl8pPr>
+            <a:lvl9pPr marL="3657600" indent="0">
+              <a:buNone/>
+              <a:defRPr sz="1600">
+                <a:solidFill>
+                  <a:schemeClr val="tx1">
+                    <a:tint val="75000"/>
+                  </a:schemeClr>
+                </a:solidFill>
+              </a:defRPr>
+            </a:lvl9pPr>
+          </a:lstStyle>
+          <a:p>
+            <a:pPr lvl="0"/>
+            <a:r>
+              <a:rPr lang="zh-CN" altLang="en-US"/>
+              <a:t>单击此处编辑母版文本样式</a:t>
+            </a:r>
+          </a:p>
+        </p:txBody>
+      </p:sp>
+      <p:sp>
+        <p:nvSpPr>
+          <p:cNvPr id="4" name="日期占位符 3">
+            <a:extLst>
+              <a:ext uri="{FF2B5EF4-FFF2-40B4-BE49-F238E27FC236}">
+                <a16:creationId xmlns:a16="http://schemas.microsoft.com/office/drawing/2014/main" id="{89C42A74-BEDB-42D3-B16D-F947F5630E75}"/>
+              </a:ext>
+            </a:extLst>
+          </p:cNvPr>
+          <p:cNvSpPr>
+            <a:spLocks noGrp="1"/>
+          </p:cNvSpPr>
+          <p:nvPr>
+            <p:ph type="dt" sz="half" idx="10"/>
+          </p:nvPr>
+        </p:nvSpPr>
+        <p:spPr/>
+        <p:txBody>
+          <a:bodyPr/>
+          <a:lstStyle/>
+          <a:p>
+            <a:endParaRPr lang="zh-CN" altLang="en-US"/>
+          </a:p>
+        </p:txBody>
+      </p:sp>
+      <p:sp>
+        <p:nvSpPr>
+          <p:cNvPr id="5" name="页脚占位符 4">
+            <a:extLst>
+              <a:ext uri="{FF2B5EF4-FFF2-40B4-BE49-F238E27FC236}">
+                <a16:creationId xmlns:a16="http://schemas.microsoft.com/office/drawing/2014/main" id="{CDA9B8E3-5485-4056-A94E-1C0BAA70F04F}"/>
+              </a:ext>
+            </a:extLst>
+          </p:cNvPr>
+          <p:cNvSpPr>
+            <a:spLocks noGrp="1"/>
+          </p:cNvSpPr>
+          <p:nvPr>
+            <p:ph type="ftr" sz="quarter" idx="11"/>
+          </p:nvPr>
+        </p:nvSpPr>
+        <p:spPr/>
+        <p:txBody>
+          <a:bodyPr/>
+          <a:lstStyle/>
+          <a:p>
+            <a:endParaRPr lang="zh-CN" altLang="en-US"/>
+          </a:p>
+        </p:txBody>
+      </p:sp>
+      <p:sp>
+        <p:nvSpPr>
+          <p:cNvPr id="6" name="灯片编号占位符 5">
+            <a:extLst>
+              <a:ext uri="{FF2B5EF4-FFF2-40B4-BE49-F238E27FC236}">
+                <a16:creationId xmlns:a16="http://schemas.microsoft.com/office/drawing/2014/main" id="{66181209-1858-419F-8F82-CF6EC57E6D71}"/>
+              </a:ext>
+            </a:extLst>
+          </p:cNvPr>
+          <p:cNvSpPr>
+            <a:spLocks noGrp="1"/>
+          </p:cNvSpPr>
+          <p:nvPr>
+            <p:ph type="sldNum" sz="quarter" idx="12"/>
+          </p:nvPr>
+        </p:nvSpPr>
+        <p:spPr/>
+        <p:txBody>
+          <a:bodyPr/>
+          <a:lstStyle/>
+          <a:p>
+            <a:fld id="{76A5C077-CD5E-4BED-A3AA-82686853085F}" type="slidenum">
+              <a:rPr lang="en-US" altLang="zh-CN" smtClean="0"/>
+              <a:t>‹#›</a:t>
+            </a:fld>
+            <a:endParaRPr lang="en-US" dirty="0"/>
+          </a:p>
+        </p:txBody>
+      </p:sp>
+    </p:spTree>
+    <p:extLst>
+      <p:ext uri="{BB962C8B-B14F-4D97-AF65-F5344CB8AC3E}">
+        <p14:creationId xmlns:p14="http://schemas.microsoft.com/office/powerpoint/2010/main" val="3946809303"/>
+      </p:ext>
+    </p:extLst>
+  </p:cSld>
+  <p:clrMapOvr>
+    <a:masterClrMapping/>
+  </p:clrMapOvr>
+  <p:hf hdr="0" ftr="0" dt="0"/>
+</p:sldLayout>
+</file>
+
+<file path=ppt/slideLayouts/slideLayout4.xml><?xml version="1.0" encoding="utf-8"?>
+<p:sldLayout xmlns:a="http://schemas.openxmlformats.org/drawingml/2006/main" xmlns:r="http://schemas.openxmlformats.org/officeDocument/2006/relationships" xmlns:p="http://schemas.openxmlformats.org/presentationml/2006/main" type="twoObj" preserve="1">
+  <p:cSld name="两栏内容">
+    <p:spTree>
+      <p:nvGrpSpPr>
+        <p:cNvPr id="1" name=""/>
+        <p:cNvGrpSpPr/>
+        <p:nvPr/>
+      </p:nvGrpSpPr>
+      <p:grpSpPr>
+        <a:xfrm>
+          <a:off x="0" y="0"/>
+          <a:ext cx="0" cy="0"/>
+          <a:chOff x="0" y="0"/>
+          <a:chExt cx="0" cy="0"/>
+        </a:xfrm>
+      </p:grpSpPr>
+      <p:sp>
+        <p:nvSpPr>
+          <p:cNvPr id="2" name="标题 1">
+            <a:extLst>
+              <a:ext uri="{FF2B5EF4-FFF2-40B4-BE49-F238E27FC236}">
+                <a16:creationId xmlns:a16="http://schemas.microsoft.com/office/drawing/2014/main" id="{88398216-AAA4-488E-A043-5EFB876C79BC}"/>
+              </a:ext>
+            </a:extLst>
+          </p:cNvPr>
+          <p:cNvSpPr>
+            <a:spLocks noGrp="1"/>
+          </p:cNvSpPr>
+          <p:nvPr>
+            <p:ph type="title"/>
+          </p:nvPr>
+        </p:nvSpPr>
+        <p:spPr/>
+        <p:txBody>
+          <a:bodyPr/>
+          <a:lstStyle/>
+          <a:p>
+            <a:r>
+              <a:rPr lang="zh-CN" altLang="en-US"/>
+              <a:t>单击此处编辑母版标题样式</a:t>
+            </a:r>
+          </a:p>
+        </p:txBody>
+      </p:sp>
+      <p:sp>
+        <p:nvSpPr>
+          <p:cNvPr id="3" name="内容占位符 2">
+            <a:extLst>
+              <a:ext uri="{FF2B5EF4-FFF2-40B4-BE49-F238E27FC236}">
+                <a16:creationId xmlns:a16="http://schemas.microsoft.com/office/drawing/2014/main" id="{834E72FC-5C92-4ADE-BB89-F0CD99C5098C}"/>
+              </a:ext>
+            </a:extLst>
+          </p:cNvPr>
+          <p:cNvSpPr>
+            <a:spLocks noGrp="1"/>
+          </p:cNvSpPr>
+          <p:nvPr>
+            <p:ph sz="half" idx="1"/>
+          </p:nvPr>
+        </p:nvSpPr>
+        <p:spPr>
+          <a:xfrm>
+            <a:off x="838200" y="1825625"/>
+            <a:ext cx="5181600" cy="4351338"/>
+          </a:xfrm>
+        </p:spPr>
+        <p:txBody>
+          <a:bodyPr/>
+          <a:lstStyle/>
+          <a:p>
+            <a:pPr lvl="0"/>
+            <a:r>
+              <a:rPr lang="zh-CN" altLang="en-US"/>
+              <a:t>单击此处编辑母版文本样式</a:t>
+            </a:r>
+          </a:p>
+          <a:p>
+            <a:pPr lvl="1"/>
+            <a:r>
+              <a:rPr lang="zh-CN" altLang="en-US"/>
+              <a:t>二级</a:t>
+            </a:r>
+          </a:p>
+          <a:p>
+            <a:pPr lvl="2"/>
+            <a:r>
+              <a:rPr lang="zh-CN" altLang="en-US"/>
+              <a:t>三级</a:t>
+            </a:r>
+          </a:p>
+          <a:p>
+            <a:pPr lvl="3"/>
+            <a:r>
+              <a:rPr lang="zh-CN" altLang="en-US"/>
+              <a:t>四级</a:t>
+            </a:r>
+          </a:p>
+          <a:p>
+            <a:pPr lvl="4"/>
+            <a:r>
+              <a:rPr lang="zh-CN" altLang="en-US"/>
+              <a:t>五级</a:t>
+            </a:r>
+          </a:p>
+        </p:txBody>
+      </p:sp>
+      <p:sp>
+        <p:nvSpPr>
+          <p:cNvPr id="4" name="内容占位符 3">
+            <a:extLst>
+              <a:ext uri="{FF2B5EF4-FFF2-40B4-BE49-F238E27FC236}">
+                <a16:creationId xmlns:a16="http://schemas.microsoft.com/office/drawing/2014/main" id="{A4810E40-30CF-4849-892F-77C33282642F}"/>
+              </a:ext>
+            </a:extLst>
+          </p:cNvPr>
+          <p:cNvSpPr>
+            <a:spLocks noGrp="1"/>
+          </p:cNvSpPr>
+          <p:nvPr>
+            <p:ph sz="half" idx="2"/>
+          </p:nvPr>
+        </p:nvSpPr>
+        <p:spPr>
+          <a:xfrm>
+            <a:off x="6172200" y="1825625"/>
+            <a:ext cx="5181600" cy="4351338"/>
+          </a:xfrm>
+        </p:spPr>
+        <p:txBody>
+          <a:bodyPr/>
+          <a:lstStyle/>
+          <a:p>
+            <a:pPr lvl="0"/>
+            <a:r>
+              <a:rPr lang="zh-CN" altLang="en-US"/>
+              <a:t>单击此处编辑母版文本样式</a:t>
+            </a:r>
+          </a:p>
+          <a:p>
+            <a:pPr lvl="1"/>
+            <a:r>
+              <a:rPr lang="zh-CN" altLang="en-US"/>
+              <a:t>二级</a:t>
+            </a:r>
+          </a:p>
+          <a:p>
+            <a:pPr lvl="2"/>
+            <a:r>
+              <a:rPr lang="zh-CN" altLang="en-US"/>
+              <a:t>三级</a:t>
+            </a:r>
+          </a:p>
+          <a:p>
+            <a:pPr lvl="3"/>
+            <a:r>
+              <a:rPr lang="zh-CN" altLang="en-US"/>
+              <a:t>四级</a:t>
+            </a:r>
+          </a:p>
+          <a:p>
+            <a:pPr lvl="4"/>
+            <a:r>
+              <a:rPr lang="zh-CN" altLang="en-US"/>
+              <a:t>五级</a:t>
+            </a:r>
+          </a:p>
+        </p:txBody>
+      </p:sp>
+      <p:sp>
+        <p:nvSpPr>
+          <p:cNvPr id="5" name="日期占位符 4">
+            <a:extLst>
+              <a:ext uri="{FF2B5EF4-FFF2-40B4-BE49-F238E27FC236}">
+                <a16:creationId xmlns:a16="http://schemas.microsoft.com/office/drawing/2014/main" id="{E93B1768-9B94-4AFB-864B-1DDCB83B730F}"/>
+              </a:ext>
+            </a:extLst>
+          </p:cNvPr>
+          <p:cNvSpPr>
+            <a:spLocks noGrp="1"/>
+          </p:cNvSpPr>
+          <p:nvPr>
+            <p:ph type="dt" sz="half" idx="10"/>
+          </p:nvPr>
+        </p:nvSpPr>
+        <p:spPr/>
+        <p:txBody>
+          <a:bodyPr/>
+          <a:lstStyle/>
+          <a:p>
+            <a:endParaRPr lang="zh-CN" altLang="en-US"/>
+          </a:p>
+        </p:txBody>
+      </p:sp>
+      <p:sp>
+        <p:nvSpPr>
+          <p:cNvPr id="6" name="页脚占位符 5">
+            <a:extLst>
+              <a:ext uri="{FF2B5EF4-FFF2-40B4-BE49-F238E27FC236}">
+                <a16:creationId xmlns:a16="http://schemas.microsoft.com/office/drawing/2014/main" id="{E1A21894-3ED6-4411-BEBB-E996DA64C126}"/>
+              </a:ext>
+            </a:extLst>
+          </p:cNvPr>
+          <p:cNvSpPr>
+            <a:spLocks noGrp="1"/>
+          </p:cNvSpPr>
+          <p:nvPr>
+            <p:ph type="ftr" sz="quarter" idx="11"/>
+          </p:nvPr>
+        </p:nvSpPr>
+        <p:spPr/>
+        <p:txBody>
+          <a:bodyPr/>
+          <a:lstStyle/>
+          <a:p>
+            <a:endParaRPr lang="zh-CN" altLang="en-US"/>
+          </a:p>
+        </p:txBody>
+      </p:sp>
+      <p:sp>
+        <p:nvSpPr>
+          <p:cNvPr id="7" name="灯片编号占位符 6">
+            <a:extLst>
+              <a:ext uri="{FF2B5EF4-FFF2-40B4-BE49-F238E27FC236}">
+                <a16:creationId xmlns:a16="http://schemas.microsoft.com/office/drawing/2014/main" id="{2A651333-98EF-4104-9652-A873421E7A2B}"/>
+              </a:ext>
+            </a:extLst>
+          </p:cNvPr>
+          <p:cNvSpPr>
+            <a:spLocks noGrp="1"/>
+          </p:cNvSpPr>
+          <p:nvPr>
+            <p:ph type="sldNum" sz="quarter" idx="12"/>
+          </p:nvPr>
+        </p:nvSpPr>
+        <p:spPr/>
+        <p:txBody>
+          <a:bodyPr/>
+          <a:lstStyle/>
+          <a:p>
+            <a:fld id="{76A5C077-CD5E-4BED-A3AA-82686853085F}" type="slidenum">
+              <a:rPr lang="en-US" altLang="zh-CN" smtClean="0"/>
+              <a:t>‹#›</a:t>
+            </a:fld>
+            <a:endParaRPr lang="en-US" dirty="0"/>
+          </a:p>
+        </p:txBody>
+      </p:sp>
+    </p:spTree>
+    <p:extLst>
+      <p:ext uri="{BB962C8B-B14F-4D97-AF65-F5344CB8AC3E}">
+        <p14:creationId xmlns:p14="http://schemas.microsoft.com/office/powerpoint/2010/main" val="3249647812"/>
+      </p:ext>
+    </p:extLst>
+  </p:cSld>
+  <p:clrMapOvr>
+    <a:masterClrMapping/>
+  </p:clrMapOvr>
+  <p:hf hdr="0" ftr="0" dt="0"/>
+</p:sldLayout>
+</file>
+
+<file path=ppt/slideLayouts/slideLayout5.xml><?xml version="1.0" encoding="utf-8"?>
+<p:sldLayout xmlns:a="http://schemas.openxmlformats.org/drawingml/2006/main" xmlns:r="http://schemas.openxmlformats.org/officeDocument/2006/relationships" xmlns:p="http://schemas.openxmlformats.org/presentationml/2006/main" type="twoTxTwoObj" preserve="1">
+  <p:cSld name="比较">
+    <p:spTree>
+      <p:nvGrpSpPr>
+        <p:cNvPr id="1" name=""/>
+        <p:cNvGrpSpPr/>
+        <p:nvPr/>
+      </p:nvGrpSpPr>
+      <p:grpSpPr>
+        <a:xfrm>
+          <a:off x="0" y="0"/>
+          <a:ext cx="0" cy="0"/>
+          <a:chOff x="0" y="0"/>
+          <a:chExt cx="0" cy="0"/>
+        </a:xfrm>
+      </p:grpSpPr>
+      <p:sp>
+        <p:nvSpPr>
+          <p:cNvPr id="2" name="标题 1">
+            <a:extLst>
+              <a:ext uri="{FF2B5EF4-FFF2-40B4-BE49-F238E27FC236}">
+                <a16:creationId xmlns:a16="http://schemas.microsoft.com/office/drawing/2014/main" id="{5F45B7A6-E0A7-426F-9A02-F50282835E6D}"/>
+              </a:ext>
+            </a:extLst>
+          </p:cNvPr>
+          <p:cNvSpPr>
+            <a:spLocks noGrp="1"/>
+          </p:cNvSpPr>
+          <p:nvPr>
+            <p:ph type="title"/>
+          </p:nvPr>
+        </p:nvSpPr>
+        <p:spPr>
+          <a:xfrm>
+            <a:off x="839788" y="365125"/>
+            <a:ext cx="10515600" cy="1325563"/>
+          </a:xfrm>
+        </p:spPr>
+        <p:txBody>
+          <a:bodyPr/>
+          <a:lstStyle/>
+          <a:p>
+            <a:r>
+              <a:rPr lang="zh-CN" altLang="en-US"/>
+              <a:t>单击此处编辑母版标题样式</a:t>
+            </a:r>
+          </a:p>
+        </p:txBody>
+      </p:sp>
+      <p:sp>
+        <p:nvSpPr>
+          <p:cNvPr id="3" name="文本占位符 2">
+            <a:extLst>
+              <a:ext uri="{FF2B5EF4-FFF2-40B4-BE49-F238E27FC236}">
+                <a16:creationId xmlns:a16="http://schemas.microsoft.com/office/drawing/2014/main" id="{22B4961F-A970-4366-B58F-17D0B5C8475B}"/>
+              </a:ext>
+            </a:extLst>
+          </p:cNvPr>
+          <p:cNvSpPr>
+            <a:spLocks noGrp="1"/>
+          </p:cNvSpPr>
+          <p:nvPr>
+            <p:ph type="body" idx="1"/>
+          </p:nvPr>
+        </p:nvSpPr>
+        <p:spPr>
+          <a:xfrm>
+            <a:off x="839788" y="1681163"/>
+            <a:ext cx="5157787" cy="823912"/>
+          </a:xfrm>
+        </p:spPr>
+        <p:txBody>
+          <a:bodyPr anchor="b"/>
+          <a:lstStyle>
+            <a:lvl1pPr marL="0" indent="0">
+              <a:buNone/>
+              <a:defRPr sz="2400" b="1"/>
+            </a:lvl1pPr>
+            <a:lvl2pPr marL="457200" indent="0">
+              <a:buNone/>
+              <a:defRPr sz="2000" b="1"/>
+            </a:lvl2pPr>
+            <a:lvl3pPr marL="914400" indent="0">
+              <a:buNone/>
+              <a:defRPr sz="1800" b="1"/>
+            </a:lvl3pPr>
+            <a:lvl4pPr marL="1371600" indent="0">
+              <a:buNone/>
+              <a:defRPr sz="1600" b="1"/>
+            </a:lvl4pPr>
+            <a:lvl5pPr marL="1828800" indent="0">
+              <a:buNone/>
+              <a:defRPr sz="1600" b="1"/>
+            </a:lvl5pPr>
+            <a:lvl6pPr marL="2286000" indent="0">
+              <a:buNone/>
+              <a:defRPr sz="1600" b="1"/>
+            </a:lvl6pPr>
+            <a:lvl7pPr marL="2743200" indent="0">
+              <a:buNone/>
+              <a:defRPr sz="1600" b="1"/>
+            </a:lvl7pPr>
+            <a:lvl8pPr marL="3200400" indent="0">
+              <a:buNone/>
+              <a:defRPr sz="1600" b="1"/>
+            </a:lvl8pPr>
+            <a:lvl9pPr marL="3657600" indent="0">
+              <a:buNone/>
+              <a:defRPr sz="1600" b="1"/>
+            </a:lvl9pPr>
+          </a:lstStyle>
+          <a:p>
+            <a:pPr lvl="0"/>
+            <a:r>
+              <a:rPr lang="zh-CN" altLang="en-US"/>
+              <a:t>单击此处编辑母版文本样式</a:t>
+            </a:r>
+          </a:p>
+        </p:txBody>
+      </p:sp>
+      <p:sp>
+        <p:nvSpPr>
+          <p:cNvPr id="4" name="内容占位符 3">
+            <a:extLst>
+              <a:ext uri="{FF2B5EF4-FFF2-40B4-BE49-F238E27FC236}">
+                <a16:creationId xmlns:a16="http://schemas.microsoft.com/office/drawing/2014/main" id="{D129EC2B-83B9-490E-A2FA-02D45F378993}"/>
+              </a:ext>
+            </a:extLst>
+          </p:cNvPr>
+          <p:cNvSpPr>
+            <a:spLocks noGrp="1"/>
+          </p:cNvSpPr>
+          <p:nvPr>
+            <p:ph sz="half" idx="2"/>
+          </p:nvPr>
+        </p:nvSpPr>
+        <p:spPr>
+          <a:xfrm>
+            <a:off x="839788" y="2505075"/>
+            <a:ext cx="5157787" cy="3684588"/>
+          </a:xfrm>
+        </p:spPr>
+        <p:txBody>
+          <a:bodyPr/>
+          <a:lstStyle/>
+          <a:p>
+            <a:pPr lvl="0"/>
+            <a:r>
+              <a:rPr lang="zh-CN" altLang="en-US"/>
+              <a:t>单击此处编辑母版文本样式</a:t>
+            </a:r>
+          </a:p>
+          <a:p>
+            <a:pPr lvl="1"/>
+            <a:r>
+              <a:rPr lang="zh-CN" altLang="en-US"/>
+              <a:t>二级</a:t>
+            </a:r>
+          </a:p>
+          <a:p>
+            <a:pPr lvl="2"/>
+            <a:r>
+              <a:rPr lang="zh-CN" altLang="en-US"/>
+              <a:t>三级</a:t>
+            </a:r>
+          </a:p>
+          <a:p>
+            <a:pPr lvl="3"/>
+            <a:r>
+              <a:rPr lang="zh-CN" altLang="en-US"/>
+              <a:t>四级</a:t>
+            </a:r>
+          </a:p>
+          <a:p>
+            <a:pPr lvl="4"/>
+            <a:r>
+              <a:rPr lang="zh-CN" altLang="en-US"/>
+              <a:t>五级</a:t>
+            </a:r>
+          </a:p>
+        </p:txBody>
+      </p:sp>
+      <p:sp>
+        <p:nvSpPr>
+          <p:cNvPr id="5" name="文本占位符 4">
+            <a:extLst>
+              <a:ext uri="{FF2B5EF4-FFF2-40B4-BE49-F238E27FC236}">
+                <a16:creationId xmlns:a16="http://schemas.microsoft.com/office/drawing/2014/main" id="{21B056D9-1F17-451C-A883-A40FF44D8B20}"/>
+              </a:ext>
+            </a:extLst>
+          </p:cNvPr>
+          <p:cNvSpPr>
+            <a:spLocks noGrp="1"/>
+          </p:cNvSpPr>
+          <p:nvPr>
+            <p:ph type="body" sz="quarter" idx="3"/>
+          </p:nvPr>
+        </p:nvSpPr>
+        <p:spPr>
+          <a:xfrm>
+            <a:off x="6172200" y="1681163"/>
+            <a:ext cx="5183188" cy="823912"/>
+          </a:xfrm>
+        </p:spPr>
+        <p:txBody>
+          <a:bodyPr anchor="b"/>
+          <a:lstStyle>
+            <a:lvl1pPr marL="0" indent="0">
+              <a:buNone/>
+              <a:defRPr sz="2400" b="1"/>
+            </a:lvl1pPr>
+            <a:lvl2pPr marL="457200" indent="0">
+              <a:buNone/>
+              <a:defRPr sz="2000" b="1"/>
+            </a:lvl2pPr>
+            <a:lvl3pPr marL="914400" indent="0">
+              <a:buNone/>
+              <a:defRPr sz="1800" b="1"/>
+            </a:lvl3pPr>
+            <a:lvl4pPr marL="1371600" indent="0">
+              <a:buNone/>
+              <a:defRPr sz="1600" b="1"/>
+            </a:lvl4pPr>
+            <a:lvl5pPr marL="1828800" indent="0">
+              <a:buNone/>
+              <a:defRPr sz="1600" b="1"/>
+            </a:lvl5pPr>
+            <a:lvl6pPr marL="2286000" indent="0">
+              <a:buNone/>
+              <a:defRPr sz="1600" b="1"/>
+            </a:lvl6pPr>
+            <a:lvl7pPr marL="2743200" indent="0">
+              <a:buNone/>
+              <a:defRPr sz="1600" b="1"/>
+            </a:lvl7pPr>
+            <a:lvl8pPr marL="3200400" indent="0">
+              <a:buNone/>
+              <a:defRPr sz="1600" b="1"/>
+            </a:lvl8pPr>
+            <a:lvl9pPr marL="3657600" indent="0">
+              <a:buNone/>
+              <a:defRPr sz="1600" b="1"/>
+            </a:lvl9pPr>
+          </a:lstStyle>
+          <a:p>
+            <a:pPr lvl="0"/>
+            <a:r>
+              <a:rPr lang="zh-CN" altLang="en-US"/>
+              <a:t>单击此处编辑母版文本样式</a:t>
+            </a:r>
+          </a:p>
+        </p:txBody>
+      </p:sp>
+      <p:sp>
+        <p:nvSpPr>
+          <p:cNvPr id="6" name="内容占位符 5">
+            <a:extLst>
+              <a:ext uri="{FF2B5EF4-FFF2-40B4-BE49-F238E27FC236}">
+                <a16:creationId xmlns:a16="http://schemas.microsoft.com/office/drawing/2014/main" id="{EF20FC1F-25FF-40EA-ABF4-F5528943B834}"/>
+              </a:ext>
+            </a:extLst>
+          </p:cNvPr>
+          <p:cNvSpPr>
+            <a:spLocks noGrp="1"/>
+          </p:cNvSpPr>
+          <p:nvPr>
+            <p:ph sz="quarter" idx="4"/>
+          </p:nvPr>
+        </p:nvSpPr>
+        <p:spPr>
+          <a:xfrm>
+            <a:off x="6172200" y="2505075"/>
+            <a:ext cx="5183188" cy="3684588"/>
+          </a:xfrm>
+        </p:spPr>
+        <p:txBody>
+          <a:bodyPr/>
+          <a:lstStyle/>
+          <a:p>
+            <a:pPr lvl="0"/>
+            <a:r>
+              <a:rPr lang="zh-CN" altLang="en-US"/>
+              <a:t>单击此处编辑母版文本样式</a:t>
+            </a:r>
+          </a:p>
+          <a:p>
+            <a:pPr lvl="1"/>
+            <a:r>
+              <a:rPr lang="zh-CN" altLang="en-US"/>
+              <a:t>二级</a:t>
+            </a:r>
+          </a:p>
+          <a:p>
+            <a:pPr lvl="2"/>
+            <a:r>
+              <a:rPr lang="zh-CN" altLang="en-US"/>
+              <a:t>三级</a:t>
+            </a:r>
+          </a:p>
+          <a:p>
+            <a:pPr lvl="3"/>
+            <a:r>
+              <a:rPr lang="zh-CN" altLang="en-US"/>
+              <a:t>四级</a:t>
+            </a:r>
+          </a:p>
+          <a:p>
+            <a:pPr lvl="4"/>
+            <a:r>
+              <a:rPr lang="zh-CN" altLang="en-US"/>
+              <a:t>五级</a:t>
+            </a:r>
+          </a:p>
+        </p:txBody>
+      </p:sp>
+      <p:sp>
+        <p:nvSpPr>
+          <p:cNvPr id="7" name="日期占位符 6">
+            <a:extLst>
+              <a:ext uri="{FF2B5EF4-FFF2-40B4-BE49-F238E27FC236}">
+                <a16:creationId xmlns:a16="http://schemas.microsoft.com/office/drawing/2014/main" id="{C0EF323F-70E6-4489-886D-8F0A2EECFEC2}"/>
+              </a:ext>
+            </a:extLst>
+          </p:cNvPr>
+          <p:cNvSpPr>
+            <a:spLocks noGrp="1"/>
+          </p:cNvSpPr>
+          <p:nvPr>
+            <p:ph type="dt" sz="half" idx="10"/>
+          </p:nvPr>
+        </p:nvSpPr>
+        <p:spPr/>
+        <p:txBody>
+          <a:bodyPr/>
+          <a:lstStyle/>
+          <a:p>
+            <a:endParaRPr lang="zh-CN" altLang="en-US"/>
+          </a:p>
+        </p:txBody>
+      </p:sp>
+      <p:sp>
+        <p:nvSpPr>
+          <p:cNvPr id="8" name="页脚占位符 7">
+            <a:extLst>
+              <a:ext uri="{FF2B5EF4-FFF2-40B4-BE49-F238E27FC236}">
+                <a16:creationId xmlns:a16="http://schemas.microsoft.com/office/drawing/2014/main" id="{4258C51E-57D8-400C-8126-9BA4BBAA3154}"/>
+              </a:ext>
+            </a:extLst>
+          </p:cNvPr>
+          <p:cNvSpPr>
+            <a:spLocks noGrp="1"/>
+          </p:cNvSpPr>
+          <p:nvPr>
+            <p:ph type="ftr" sz="quarter" idx="11"/>
+          </p:nvPr>
+        </p:nvSpPr>
+        <p:spPr/>
+        <p:txBody>
+          <a:bodyPr/>
+          <a:lstStyle/>
+          <a:p>
+            <a:endParaRPr lang="zh-CN" altLang="en-US"/>
+          </a:p>
+        </p:txBody>
+      </p:sp>
+      <p:sp>
+        <p:nvSpPr>
+          <p:cNvPr id="9" name="灯片编号占位符 8">
+            <a:extLst>
+              <a:ext uri="{FF2B5EF4-FFF2-40B4-BE49-F238E27FC236}">
+                <a16:creationId xmlns:a16="http://schemas.microsoft.com/office/drawing/2014/main" id="{9633E80C-5C6E-4178-BB1D-71EDCADF4244}"/>
+              </a:ext>
+            </a:extLst>
+          </p:cNvPr>
+          <p:cNvSpPr>
+            <a:spLocks noGrp="1"/>
+          </p:cNvSpPr>
+          <p:nvPr>
+            <p:ph type="sldNum" sz="quarter" idx="12"/>
+          </p:nvPr>
+        </p:nvSpPr>
+        <p:spPr/>
+        <p:txBody>
+          <a:bodyPr/>
+          <a:lstStyle/>
+          <a:p>
+            <a:fld id="{76A5C077-CD5E-4BED-A3AA-82686853085F}" type="slidenum">
+              <a:rPr lang="en-US" altLang="zh-CN" smtClean="0"/>
+              <a:t>‹#›</a:t>
+            </a:fld>
+            <a:endParaRPr lang="en-US" dirty="0"/>
+          </a:p>
+        </p:txBody>
+      </p:sp>
+    </p:spTree>
+    <p:extLst>
+      <p:ext uri="{BB962C8B-B14F-4D97-AF65-F5344CB8AC3E}">
+        <p14:creationId xmlns:p14="http://schemas.microsoft.com/office/powerpoint/2010/main" val="2125685682"/>
+      </p:ext>
+    </p:extLst>
+  </p:cSld>
+  <p:clrMapOvr>
+    <a:masterClrMapping/>
+  </p:clrMapOvr>
+  <p:hf hdr="0" ftr="0" dt="0"/>
+</p:sldLayout>
+</file>
+
+<file path=ppt/slideLayouts/slideLayout6.xml><?xml version="1.0" encoding="utf-8"?>
+<p:sldLayout xmlns:a="http://schemas.openxmlformats.org/drawingml/2006/main" xmlns:r="http://schemas.openxmlformats.org/officeDocument/2006/relationships" xmlns:p="http://schemas.openxmlformats.org/presentationml/2006/main" type="titleOnly" preserve="1">
+  <p:cSld name="仅标题">
+    <p:spTree>
+      <p:nvGrpSpPr>
+        <p:cNvPr id="1" name=""/>
+        <p:cNvGrpSpPr/>
+        <p:nvPr/>
+      </p:nvGrpSpPr>
+      <p:grpSpPr>
+        <a:xfrm>
+          <a:off x="0" y="0"/>
+          <a:ext cx="0" cy="0"/>
+          <a:chOff x="0" y="0"/>
+          <a:chExt cx="0" cy="0"/>
+        </a:xfrm>
+      </p:grpSpPr>
+      <p:sp>
+        <p:nvSpPr>
+          <p:cNvPr id="2" name="标题 1">
+            <a:extLst>
+              <a:ext uri="{FF2B5EF4-FFF2-40B4-BE49-F238E27FC236}">
+                <a16:creationId xmlns:a16="http://schemas.microsoft.com/office/drawing/2014/main" id="{A18E2FC9-E0EE-42DD-94EE-13347F601F98}"/>
+              </a:ext>
+            </a:extLst>
+          </p:cNvPr>
+          <p:cNvSpPr>
+            <a:spLocks noGrp="1"/>
+          </p:cNvSpPr>
+          <p:nvPr>
+            <p:ph type="title"/>
+          </p:nvPr>
+        </p:nvSpPr>
+        <p:spPr/>
+        <p:txBody>
+          <a:bodyPr/>
+          <a:lstStyle/>
+          <a:p>
+            <a:r>
+              <a:rPr lang="zh-CN" altLang="en-US"/>
+              <a:t>单击此处编辑母版标题样式</a:t>
+            </a:r>
+          </a:p>
+        </p:txBody>
+      </p:sp>
+      <p:sp>
+        <p:nvSpPr>
+          <p:cNvPr id="3" name="日期占位符 2">
+            <a:extLst>
+              <a:ext uri="{FF2B5EF4-FFF2-40B4-BE49-F238E27FC236}">
+                <a16:creationId xmlns:a16="http://schemas.microsoft.com/office/drawing/2014/main" id="{86CE7532-D20F-4B8A-BD38-027FD306B47E}"/>
+              </a:ext>
+            </a:extLst>
+          </p:cNvPr>
+          <p:cNvSpPr>
+            <a:spLocks noGrp="1"/>
+          </p:cNvSpPr>
+          <p:nvPr>
+            <p:ph type="dt" sz="half" idx="10"/>
+          </p:nvPr>
+        </p:nvSpPr>
+        <p:spPr/>
+        <p:txBody>
+          <a:bodyPr/>
+          <a:lstStyle/>
+          <a:p>
+            <a:endParaRPr lang="zh-CN" altLang="en-US"/>
+          </a:p>
+        </p:txBody>
+      </p:sp>
+      <p:sp>
+        <p:nvSpPr>
+          <p:cNvPr id="4" name="页脚占位符 3">
+            <a:extLst>
+              <a:ext uri="{FF2B5EF4-FFF2-40B4-BE49-F238E27FC236}">
+                <a16:creationId xmlns:a16="http://schemas.microsoft.com/office/drawing/2014/main" id="{6237C540-BF50-4721-B63D-47BB5FF252C9}"/>
+              </a:ext>
+            </a:extLst>
+          </p:cNvPr>
+          <p:cNvSpPr>
+            <a:spLocks noGrp="1"/>
+          </p:cNvSpPr>
+          <p:nvPr>
+            <p:ph type="ftr" sz="quarter" idx="11"/>
+          </p:nvPr>
+        </p:nvSpPr>
+        <p:spPr/>
+        <p:txBody>
+          <a:bodyPr/>
+          <a:lstStyle/>
+          <a:p>
+            <a:endParaRPr lang="zh-CN" altLang="en-US"/>
+          </a:p>
+        </p:txBody>
+      </p:sp>
+      <p:sp>
+        <p:nvSpPr>
+          <p:cNvPr id="5" name="灯片编号占位符 4">
+            <a:extLst>
+              <a:ext uri="{FF2B5EF4-FFF2-40B4-BE49-F238E27FC236}">
+                <a16:creationId xmlns:a16="http://schemas.microsoft.com/office/drawing/2014/main" id="{956CC26B-DB68-4958-98C4-6C648E785758}"/>
+              </a:ext>
+            </a:extLst>
+          </p:cNvPr>
+          <p:cNvSpPr>
+            <a:spLocks noGrp="1"/>
+          </p:cNvSpPr>
+          <p:nvPr>
+            <p:ph type="sldNum" sz="quarter" idx="12"/>
+          </p:nvPr>
+        </p:nvSpPr>
+        <p:spPr/>
+        <p:txBody>
+          <a:bodyPr/>
+          <a:lstStyle/>
+          <a:p>
+            <a:fld id="{76A5C077-CD5E-4BED-A3AA-82686853085F}" type="slidenum">
+              <a:rPr lang="en-US" altLang="zh-CN" smtClean="0"/>
+              <a:t>‹#›</a:t>
+            </a:fld>
+            <a:endParaRPr lang="en-US" dirty="0"/>
+          </a:p>
+        </p:txBody>
+      </p:sp>
+    </p:spTree>
+    <p:extLst>
+      <p:ext uri="{BB962C8B-B14F-4D97-AF65-F5344CB8AC3E}">
+        <p14:creationId xmlns:p14="http://schemas.microsoft.com/office/powerpoint/2010/main" val="2116248939"/>
+      </p:ext>
+    </p:extLst>
+  </p:cSld>
+  <p:clrMapOvr>
+    <a:masterClrMapping/>
+  </p:clrMapOvr>
+  <p:hf hdr="0" ftr="0" dt="0"/>
+</p:sldLayout>
+</file>
+
+<file path=ppt/slideLayouts/slideLayout7.xml><?xml version="1.0" encoding="utf-8"?>
+<p:sldLayout xmlns:a="http://schemas.openxmlformats.org/drawingml/2006/main" xmlns:r="http://schemas.openxmlformats.org/officeDocument/2006/relationships" xmlns:p="http://schemas.openxmlformats.org/presentationml/2006/main" type="blank" preserve="1">
   <p:cSld name="空白">
     <p:spTree>
       <p:nvGrpSpPr>
@@ -20840,7 +22127,13 @@
       </p:grpSpPr>
       <p:sp>
         <p:nvSpPr>
-          <p:cNvPr id="2" name="日期占位符 1"/>
+          <p:cNvPr id="2" name="日期占位符 1">
+            <a:extLst>
+              <a:ext uri="{FF2B5EF4-FFF2-40B4-BE49-F238E27FC236}">
+                <a16:creationId xmlns:a16="http://schemas.microsoft.com/office/drawing/2014/main" id="{8EDFD726-6F4B-406E-8383-E686412B8522}"/>
+              </a:ext>
+            </a:extLst>
+          </p:cNvPr>
           <p:cNvSpPr>
             <a:spLocks noGrp="1"/>
           </p:cNvSpPr>
@@ -20851,15 +22144,11 @@
         <p:spPr/>
         <p:txBody>
           <a:bodyPr/>
-          <a:lstStyle>
-            <a:lvl1pPr>
-              <a:defRPr/>
-            </a:lvl1pPr>
-          </a:lstStyle>
+          <a:lstStyle/>
           <a:p>
             <a:fld id="{31E9B5A5-62B1-4077-AD2E-861F183643E2}" type="datetime1">
-              <a:rPr lang="zh-CN" altLang="en-US"/>
-              <a:t>2020/4/17</a:t>
+              <a:rPr lang="zh-CN" altLang="en-US" smtClean="0"/>
+              <a:t>2020/6/2</a:t>
             </a:fld>
             <a:endParaRPr lang="en-US" altLang="zh-CN"/>
           </a:p>
@@ -20867,7 +22156,13 @@
       </p:sp>
       <p:sp>
         <p:nvSpPr>
-          <p:cNvPr id="3" name="页脚占位符 2"/>
+          <p:cNvPr id="3" name="页脚占位符 2">
+            <a:extLst>
+              <a:ext uri="{FF2B5EF4-FFF2-40B4-BE49-F238E27FC236}">
+                <a16:creationId xmlns:a16="http://schemas.microsoft.com/office/drawing/2014/main" id="{B3AAFEF2-59CA-4130-92C3-3A4F13699E77}"/>
+              </a:ext>
+            </a:extLst>
+          </p:cNvPr>
           <p:cNvSpPr>
             <a:spLocks noGrp="1"/>
           </p:cNvSpPr>
@@ -20878,11 +22173,7 @@
         <p:spPr/>
         <p:txBody>
           <a:bodyPr/>
-          <a:lstStyle>
-            <a:lvl1pPr>
-              <a:defRPr/>
-            </a:lvl1pPr>
-          </a:lstStyle>
+          <a:lstStyle/>
           <a:p>
             <a:endParaRPr lang="en-US" altLang="zh-CN"/>
           </a:p>
@@ -20890,7 +22181,13 @@
       </p:sp>
       <p:sp>
         <p:nvSpPr>
-          <p:cNvPr id="4" name="灯片编号占位符 3"/>
+          <p:cNvPr id="4" name="灯片编号占位符 3">
+            <a:extLst>
+              <a:ext uri="{FF2B5EF4-FFF2-40B4-BE49-F238E27FC236}">
+                <a16:creationId xmlns:a16="http://schemas.microsoft.com/office/drawing/2014/main" id="{BA16B12B-0E01-4130-B45B-47404BBC4960}"/>
+              </a:ext>
+            </a:extLst>
+          </p:cNvPr>
           <p:cNvSpPr>
             <a:spLocks noGrp="1"/>
           </p:cNvSpPr>
@@ -20901,14 +22198,10 @@
         <p:spPr/>
         <p:txBody>
           <a:bodyPr/>
-          <a:lstStyle>
-            <a:lvl1pPr>
-              <a:defRPr/>
-            </a:lvl1pPr>
-          </a:lstStyle>
+          <a:lstStyle/>
           <a:p>
             <a:fld id="{07A01575-F1AC-4EA8-9D9F-A799D5D900F1}" type="slidenum">
-              <a:rPr lang="zh-CN" altLang="en-US"/>
+              <a:rPr lang="zh-CN" altLang="en-US" smtClean="0"/>
               <a:t>‹#›</a:t>
             </a:fld>
             <a:endParaRPr lang="en-US" altLang="zh-CN"/>
@@ -20916,10 +22209,608 @@
         </p:txBody>
       </p:sp>
     </p:spTree>
+    <p:extLst>
+      <p:ext uri="{BB962C8B-B14F-4D97-AF65-F5344CB8AC3E}">
+        <p14:creationId xmlns:p14="http://schemas.microsoft.com/office/powerpoint/2010/main" val="3954309558"/>
+      </p:ext>
+    </p:extLst>
   </p:cSld>
   <p:clrMapOvr>
     <a:masterClrMapping/>
   </p:clrMapOvr>
+</p:sldLayout>
+</file>
+
+<file path=ppt/slideLayouts/slideLayout8.xml><?xml version="1.0" encoding="utf-8"?>
+<p:sldLayout xmlns:a="http://schemas.openxmlformats.org/drawingml/2006/main" xmlns:r="http://schemas.openxmlformats.org/officeDocument/2006/relationships" xmlns:p="http://schemas.openxmlformats.org/presentationml/2006/main" type="objTx" preserve="1">
+  <p:cSld name="内容与标题">
+    <p:spTree>
+      <p:nvGrpSpPr>
+        <p:cNvPr id="1" name=""/>
+        <p:cNvGrpSpPr/>
+        <p:nvPr/>
+      </p:nvGrpSpPr>
+      <p:grpSpPr>
+        <a:xfrm>
+          <a:off x="0" y="0"/>
+          <a:ext cx="0" cy="0"/>
+          <a:chOff x="0" y="0"/>
+          <a:chExt cx="0" cy="0"/>
+        </a:xfrm>
+      </p:grpSpPr>
+      <p:sp>
+        <p:nvSpPr>
+          <p:cNvPr id="2" name="标题 1">
+            <a:extLst>
+              <a:ext uri="{FF2B5EF4-FFF2-40B4-BE49-F238E27FC236}">
+                <a16:creationId xmlns:a16="http://schemas.microsoft.com/office/drawing/2014/main" id="{ACEB0B44-3628-4A2E-8579-E0F272DB3DEE}"/>
+              </a:ext>
+            </a:extLst>
+          </p:cNvPr>
+          <p:cNvSpPr>
+            <a:spLocks noGrp="1"/>
+          </p:cNvSpPr>
+          <p:nvPr>
+            <p:ph type="title"/>
+          </p:nvPr>
+        </p:nvSpPr>
+        <p:spPr>
+          <a:xfrm>
+            <a:off x="839788" y="457200"/>
+            <a:ext cx="3932237" cy="1600200"/>
+          </a:xfrm>
+        </p:spPr>
+        <p:txBody>
+          <a:bodyPr anchor="b"/>
+          <a:lstStyle>
+            <a:lvl1pPr>
+              <a:defRPr sz="3200"/>
+            </a:lvl1pPr>
+          </a:lstStyle>
+          <a:p>
+            <a:r>
+              <a:rPr lang="zh-CN" altLang="en-US"/>
+              <a:t>单击此处编辑母版标题样式</a:t>
+            </a:r>
+          </a:p>
+        </p:txBody>
+      </p:sp>
+      <p:sp>
+        <p:nvSpPr>
+          <p:cNvPr id="3" name="内容占位符 2">
+            <a:extLst>
+              <a:ext uri="{FF2B5EF4-FFF2-40B4-BE49-F238E27FC236}">
+                <a16:creationId xmlns:a16="http://schemas.microsoft.com/office/drawing/2014/main" id="{C940C574-9FEE-47CF-9A3F-9F7750CE5287}"/>
+              </a:ext>
+            </a:extLst>
+          </p:cNvPr>
+          <p:cNvSpPr>
+            <a:spLocks noGrp="1"/>
+          </p:cNvSpPr>
+          <p:nvPr>
+            <p:ph idx="1"/>
+          </p:nvPr>
+        </p:nvSpPr>
+        <p:spPr>
+          <a:xfrm>
+            <a:off x="5183188" y="987425"/>
+            <a:ext cx="6172200" cy="4873625"/>
+          </a:xfrm>
+        </p:spPr>
+        <p:txBody>
+          <a:bodyPr/>
+          <a:lstStyle>
+            <a:lvl1pPr>
+              <a:defRPr sz="3200"/>
+            </a:lvl1pPr>
+            <a:lvl2pPr>
+              <a:defRPr sz="2800"/>
+            </a:lvl2pPr>
+            <a:lvl3pPr>
+              <a:defRPr sz="2400"/>
+            </a:lvl3pPr>
+            <a:lvl4pPr>
+              <a:defRPr sz="2000"/>
+            </a:lvl4pPr>
+            <a:lvl5pPr>
+              <a:defRPr sz="2000"/>
+            </a:lvl5pPr>
+            <a:lvl6pPr>
+              <a:defRPr sz="2000"/>
+            </a:lvl6pPr>
+            <a:lvl7pPr>
+              <a:defRPr sz="2000"/>
+            </a:lvl7pPr>
+            <a:lvl8pPr>
+              <a:defRPr sz="2000"/>
+            </a:lvl8pPr>
+            <a:lvl9pPr>
+              <a:defRPr sz="2000"/>
+            </a:lvl9pPr>
+          </a:lstStyle>
+          <a:p>
+            <a:pPr lvl="0"/>
+            <a:r>
+              <a:rPr lang="zh-CN" altLang="en-US"/>
+              <a:t>单击此处编辑母版文本样式</a:t>
+            </a:r>
+          </a:p>
+          <a:p>
+            <a:pPr lvl="1"/>
+            <a:r>
+              <a:rPr lang="zh-CN" altLang="en-US"/>
+              <a:t>二级</a:t>
+            </a:r>
+          </a:p>
+          <a:p>
+            <a:pPr lvl="2"/>
+            <a:r>
+              <a:rPr lang="zh-CN" altLang="en-US"/>
+              <a:t>三级</a:t>
+            </a:r>
+          </a:p>
+          <a:p>
+            <a:pPr lvl="3"/>
+            <a:r>
+              <a:rPr lang="zh-CN" altLang="en-US"/>
+              <a:t>四级</a:t>
+            </a:r>
+          </a:p>
+          <a:p>
+            <a:pPr lvl="4"/>
+            <a:r>
+              <a:rPr lang="zh-CN" altLang="en-US"/>
+              <a:t>五级</a:t>
+            </a:r>
+          </a:p>
+        </p:txBody>
+      </p:sp>
+      <p:sp>
+        <p:nvSpPr>
+          <p:cNvPr id="4" name="文本占位符 3">
+            <a:extLst>
+              <a:ext uri="{FF2B5EF4-FFF2-40B4-BE49-F238E27FC236}">
+                <a16:creationId xmlns:a16="http://schemas.microsoft.com/office/drawing/2014/main" id="{DE2375D6-B0EB-467A-B425-5391BCEF980C}"/>
+              </a:ext>
+            </a:extLst>
+          </p:cNvPr>
+          <p:cNvSpPr>
+            <a:spLocks noGrp="1"/>
+          </p:cNvSpPr>
+          <p:nvPr>
+            <p:ph type="body" sz="half" idx="2"/>
+          </p:nvPr>
+        </p:nvSpPr>
+        <p:spPr>
+          <a:xfrm>
+            <a:off x="839788" y="2057400"/>
+            <a:ext cx="3932237" cy="3811588"/>
+          </a:xfrm>
+        </p:spPr>
+        <p:txBody>
+          <a:bodyPr/>
+          <a:lstStyle>
+            <a:lvl1pPr marL="0" indent="0">
+              <a:buNone/>
+              <a:defRPr sz="1600"/>
+            </a:lvl1pPr>
+            <a:lvl2pPr marL="457200" indent="0">
+              <a:buNone/>
+              <a:defRPr sz="1400"/>
+            </a:lvl2pPr>
+            <a:lvl3pPr marL="914400" indent="0">
+              <a:buNone/>
+              <a:defRPr sz="1200"/>
+            </a:lvl3pPr>
+            <a:lvl4pPr marL="1371600" indent="0">
+              <a:buNone/>
+              <a:defRPr sz="1000"/>
+            </a:lvl4pPr>
+            <a:lvl5pPr marL="1828800" indent="0">
+              <a:buNone/>
+              <a:defRPr sz="1000"/>
+            </a:lvl5pPr>
+            <a:lvl6pPr marL="2286000" indent="0">
+              <a:buNone/>
+              <a:defRPr sz="1000"/>
+            </a:lvl6pPr>
+            <a:lvl7pPr marL="2743200" indent="0">
+              <a:buNone/>
+              <a:defRPr sz="1000"/>
+            </a:lvl7pPr>
+            <a:lvl8pPr marL="3200400" indent="0">
+              <a:buNone/>
+              <a:defRPr sz="1000"/>
+            </a:lvl8pPr>
+            <a:lvl9pPr marL="3657600" indent="0">
+              <a:buNone/>
+              <a:defRPr sz="1000"/>
+            </a:lvl9pPr>
+          </a:lstStyle>
+          <a:p>
+            <a:pPr lvl="0"/>
+            <a:r>
+              <a:rPr lang="zh-CN" altLang="en-US"/>
+              <a:t>单击此处编辑母版文本样式</a:t>
+            </a:r>
+          </a:p>
+        </p:txBody>
+      </p:sp>
+      <p:sp>
+        <p:nvSpPr>
+          <p:cNvPr id="5" name="日期占位符 4">
+            <a:extLst>
+              <a:ext uri="{FF2B5EF4-FFF2-40B4-BE49-F238E27FC236}">
+                <a16:creationId xmlns:a16="http://schemas.microsoft.com/office/drawing/2014/main" id="{56CA58CA-426E-48A8-8094-486FBC4ACFC4}"/>
+              </a:ext>
+            </a:extLst>
+          </p:cNvPr>
+          <p:cNvSpPr>
+            <a:spLocks noGrp="1"/>
+          </p:cNvSpPr>
+          <p:nvPr>
+            <p:ph type="dt" sz="half" idx="10"/>
+          </p:nvPr>
+        </p:nvSpPr>
+        <p:spPr/>
+        <p:txBody>
+          <a:bodyPr/>
+          <a:lstStyle/>
+          <a:p>
+            <a:endParaRPr lang="zh-CN" altLang="en-US"/>
+          </a:p>
+        </p:txBody>
+      </p:sp>
+      <p:sp>
+        <p:nvSpPr>
+          <p:cNvPr id="6" name="页脚占位符 5">
+            <a:extLst>
+              <a:ext uri="{FF2B5EF4-FFF2-40B4-BE49-F238E27FC236}">
+                <a16:creationId xmlns:a16="http://schemas.microsoft.com/office/drawing/2014/main" id="{B3AD5B07-F146-4D89-854F-C38AEA02CEB9}"/>
+              </a:ext>
+            </a:extLst>
+          </p:cNvPr>
+          <p:cNvSpPr>
+            <a:spLocks noGrp="1"/>
+          </p:cNvSpPr>
+          <p:nvPr>
+            <p:ph type="ftr" sz="quarter" idx="11"/>
+          </p:nvPr>
+        </p:nvSpPr>
+        <p:spPr/>
+        <p:txBody>
+          <a:bodyPr/>
+          <a:lstStyle/>
+          <a:p>
+            <a:endParaRPr lang="zh-CN" altLang="en-US"/>
+          </a:p>
+        </p:txBody>
+      </p:sp>
+      <p:sp>
+        <p:nvSpPr>
+          <p:cNvPr id="7" name="灯片编号占位符 6">
+            <a:extLst>
+              <a:ext uri="{FF2B5EF4-FFF2-40B4-BE49-F238E27FC236}">
+                <a16:creationId xmlns:a16="http://schemas.microsoft.com/office/drawing/2014/main" id="{B1A715AF-FEF2-44D5-9C04-7ECA238FDD6C}"/>
+              </a:ext>
+            </a:extLst>
+          </p:cNvPr>
+          <p:cNvSpPr>
+            <a:spLocks noGrp="1"/>
+          </p:cNvSpPr>
+          <p:nvPr>
+            <p:ph type="sldNum" sz="quarter" idx="12"/>
+          </p:nvPr>
+        </p:nvSpPr>
+        <p:spPr/>
+        <p:txBody>
+          <a:bodyPr/>
+          <a:lstStyle/>
+          <a:p>
+            <a:fld id="{76A5C077-CD5E-4BED-A3AA-82686853085F}" type="slidenum">
+              <a:rPr lang="en-US" altLang="zh-CN" smtClean="0"/>
+              <a:t>‹#›</a:t>
+            </a:fld>
+            <a:endParaRPr lang="en-US" dirty="0"/>
+          </a:p>
+        </p:txBody>
+      </p:sp>
+    </p:spTree>
+    <p:extLst>
+      <p:ext uri="{BB962C8B-B14F-4D97-AF65-F5344CB8AC3E}">
+        <p14:creationId xmlns:p14="http://schemas.microsoft.com/office/powerpoint/2010/main" val="2778932074"/>
+      </p:ext>
+    </p:extLst>
+  </p:cSld>
+  <p:clrMapOvr>
+    <a:masterClrMapping/>
+  </p:clrMapOvr>
+  <p:hf hdr="0" ftr="0" dt="0"/>
+</p:sldLayout>
+</file>
+
+<file path=ppt/slideLayouts/slideLayout9.xml><?xml version="1.0" encoding="utf-8"?>
+<p:sldLayout xmlns:a="http://schemas.openxmlformats.org/drawingml/2006/main" xmlns:r="http://schemas.openxmlformats.org/officeDocument/2006/relationships" xmlns:p="http://schemas.openxmlformats.org/presentationml/2006/main" type="picTx" preserve="1">
+  <p:cSld name="图片与标题">
+    <p:spTree>
+      <p:nvGrpSpPr>
+        <p:cNvPr id="1" name=""/>
+        <p:cNvGrpSpPr/>
+        <p:nvPr/>
+      </p:nvGrpSpPr>
+      <p:grpSpPr>
+        <a:xfrm>
+          <a:off x="0" y="0"/>
+          <a:ext cx="0" cy="0"/>
+          <a:chOff x="0" y="0"/>
+          <a:chExt cx="0" cy="0"/>
+        </a:xfrm>
+      </p:grpSpPr>
+      <p:sp>
+        <p:nvSpPr>
+          <p:cNvPr id="2" name="标题 1">
+            <a:extLst>
+              <a:ext uri="{FF2B5EF4-FFF2-40B4-BE49-F238E27FC236}">
+                <a16:creationId xmlns:a16="http://schemas.microsoft.com/office/drawing/2014/main" id="{17FD67FE-B245-4498-BB38-A56E53683809}"/>
+              </a:ext>
+            </a:extLst>
+          </p:cNvPr>
+          <p:cNvSpPr>
+            <a:spLocks noGrp="1"/>
+          </p:cNvSpPr>
+          <p:nvPr>
+            <p:ph type="title"/>
+          </p:nvPr>
+        </p:nvSpPr>
+        <p:spPr>
+          <a:xfrm>
+            <a:off x="839788" y="457200"/>
+            <a:ext cx="3932237" cy="1600200"/>
+          </a:xfrm>
+        </p:spPr>
+        <p:txBody>
+          <a:bodyPr anchor="b"/>
+          <a:lstStyle>
+            <a:lvl1pPr>
+              <a:defRPr sz="3200"/>
+            </a:lvl1pPr>
+          </a:lstStyle>
+          <a:p>
+            <a:r>
+              <a:rPr lang="zh-CN" altLang="en-US"/>
+              <a:t>单击此处编辑母版标题样式</a:t>
+            </a:r>
+          </a:p>
+        </p:txBody>
+      </p:sp>
+      <p:sp>
+        <p:nvSpPr>
+          <p:cNvPr id="3" name="图片占位符 2">
+            <a:extLst>
+              <a:ext uri="{FF2B5EF4-FFF2-40B4-BE49-F238E27FC236}">
+                <a16:creationId xmlns:a16="http://schemas.microsoft.com/office/drawing/2014/main" id="{771A3D61-33C4-4A28-8A0A-82F556D05283}"/>
+              </a:ext>
+            </a:extLst>
+          </p:cNvPr>
+          <p:cNvSpPr>
+            <a:spLocks noGrp="1"/>
+          </p:cNvSpPr>
+          <p:nvPr>
+            <p:ph type="pic" idx="1"/>
+          </p:nvPr>
+        </p:nvSpPr>
+        <p:spPr>
+          <a:xfrm>
+            <a:off x="5183188" y="987425"/>
+            <a:ext cx="6172200" cy="4873625"/>
+          </a:xfrm>
+        </p:spPr>
+        <p:txBody>
+          <a:bodyPr/>
+          <a:lstStyle>
+            <a:lvl1pPr marL="0" indent="0">
+              <a:buNone/>
+              <a:defRPr sz="3200"/>
+            </a:lvl1pPr>
+            <a:lvl2pPr marL="457200" indent="0">
+              <a:buNone/>
+              <a:defRPr sz="2800"/>
+            </a:lvl2pPr>
+            <a:lvl3pPr marL="914400" indent="0">
+              <a:buNone/>
+              <a:defRPr sz="2400"/>
+            </a:lvl3pPr>
+            <a:lvl4pPr marL="1371600" indent="0">
+              <a:buNone/>
+              <a:defRPr sz="2000"/>
+            </a:lvl4pPr>
+            <a:lvl5pPr marL="1828800" indent="0">
+              <a:buNone/>
+              <a:defRPr sz="2000"/>
+            </a:lvl5pPr>
+            <a:lvl6pPr marL="2286000" indent="0">
+              <a:buNone/>
+              <a:defRPr sz="2000"/>
+            </a:lvl6pPr>
+            <a:lvl7pPr marL="2743200" indent="0">
+              <a:buNone/>
+              <a:defRPr sz="2000"/>
+            </a:lvl7pPr>
+            <a:lvl8pPr marL="3200400" indent="0">
+              <a:buNone/>
+              <a:defRPr sz="2000"/>
+            </a:lvl8pPr>
+            <a:lvl9pPr marL="3657600" indent="0">
+              <a:buNone/>
+              <a:defRPr sz="2000"/>
+            </a:lvl9pPr>
+          </a:lstStyle>
+          <a:p>
+            <a:endParaRPr lang="zh-CN" altLang="en-US"/>
+          </a:p>
+        </p:txBody>
+      </p:sp>
+      <p:sp>
+        <p:nvSpPr>
+          <p:cNvPr id="4" name="文本占位符 3">
+            <a:extLst>
+              <a:ext uri="{FF2B5EF4-FFF2-40B4-BE49-F238E27FC236}">
+                <a16:creationId xmlns:a16="http://schemas.microsoft.com/office/drawing/2014/main" id="{C76FA037-98AA-4D04-8527-C034FA160639}"/>
+              </a:ext>
+            </a:extLst>
+          </p:cNvPr>
+          <p:cNvSpPr>
+            <a:spLocks noGrp="1"/>
+          </p:cNvSpPr>
+          <p:nvPr>
+            <p:ph type="body" sz="half" idx="2"/>
+          </p:nvPr>
+        </p:nvSpPr>
+        <p:spPr>
+          <a:xfrm>
+            <a:off x="839788" y="2057400"/>
+            <a:ext cx="3932237" cy="3811588"/>
+          </a:xfrm>
+        </p:spPr>
+        <p:txBody>
+          <a:bodyPr/>
+          <a:lstStyle>
+            <a:lvl1pPr marL="0" indent="0">
+              <a:buNone/>
+              <a:defRPr sz="1600"/>
+            </a:lvl1pPr>
+            <a:lvl2pPr marL="457200" indent="0">
+              <a:buNone/>
+              <a:defRPr sz="1400"/>
+            </a:lvl2pPr>
+            <a:lvl3pPr marL="914400" indent="0">
+              <a:buNone/>
+              <a:defRPr sz="1200"/>
+            </a:lvl3pPr>
+            <a:lvl4pPr marL="1371600" indent="0">
+              <a:buNone/>
+              <a:defRPr sz="1000"/>
+            </a:lvl4pPr>
+            <a:lvl5pPr marL="1828800" indent="0">
+              <a:buNone/>
+              <a:defRPr sz="1000"/>
+            </a:lvl5pPr>
+            <a:lvl6pPr marL="2286000" indent="0">
+              <a:buNone/>
+              <a:defRPr sz="1000"/>
+            </a:lvl6pPr>
+            <a:lvl7pPr marL="2743200" indent="0">
+              <a:buNone/>
+              <a:defRPr sz="1000"/>
+            </a:lvl7pPr>
+            <a:lvl8pPr marL="3200400" indent="0">
+              <a:buNone/>
+              <a:defRPr sz="1000"/>
+            </a:lvl8pPr>
+            <a:lvl9pPr marL="3657600" indent="0">
+              <a:buNone/>
+              <a:defRPr sz="1000"/>
+            </a:lvl9pPr>
+          </a:lstStyle>
+          <a:p>
+            <a:pPr lvl="0"/>
+            <a:r>
+              <a:rPr lang="zh-CN" altLang="en-US"/>
+              <a:t>单击此处编辑母版文本样式</a:t>
+            </a:r>
+          </a:p>
+        </p:txBody>
+      </p:sp>
+      <p:sp>
+        <p:nvSpPr>
+          <p:cNvPr id="5" name="日期占位符 4">
+            <a:extLst>
+              <a:ext uri="{FF2B5EF4-FFF2-40B4-BE49-F238E27FC236}">
+                <a16:creationId xmlns:a16="http://schemas.microsoft.com/office/drawing/2014/main" id="{3E25B48B-5554-4FE1-A7D3-334491F43B19}"/>
+              </a:ext>
+            </a:extLst>
+          </p:cNvPr>
+          <p:cNvSpPr>
+            <a:spLocks noGrp="1"/>
+          </p:cNvSpPr>
+          <p:nvPr>
+            <p:ph type="dt" sz="half" idx="10"/>
+          </p:nvPr>
+        </p:nvSpPr>
+        <p:spPr/>
+        <p:txBody>
+          <a:bodyPr/>
+          <a:lstStyle/>
+          <a:p>
+            <a:endParaRPr lang="zh-CN" altLang="en-US"/>
+          </a:p>
+        </p:txBody>
+      </p:sp>
+      <p:sp>
+        <p:nvSpPr>
+          <p:cNvPr id="6" name="页脚占位符 5">
+            <a:extLst>
+              <a:ext uri="{FF2B5EF4-FFF2-40B4-BE49-F238E27FC236}">
+                <a16:creationId xmlns:a16="http://schemas.microsoft.com/office/drawing/2014/main" id="{2795E7E7-0786-4B76-AE56-B146B41EEDAC}"/>
+              </a:ext>
+            </a:extLst>
+          </p:cNvPr>
+          <p:cNvSpPr>
+            <a:spLocks noGrp="1"/>
+          </p:cNvSpPr>
+          <p:nvPr>
+            <p:ph type="ftr" sz="quarter" idx="11"/>
+          </p:nvPr>
+        </p:nvSpPr>
+        <p:spPr/>
+        <p:txBody>
+          <a:bodyPr/>
+          <a:lstStyle/>
+          <a:p>
+            <a:endParaRPr lang="zh-CN" altLang="en-US"/>
+          </a:p>
+        </p:txBody>
+      </p:sp>
+      <p:sp>
+        <p:nvSpPr>
+          <p:cNvPr id="7" name="灯片编号占位符 6">
+            <a:extLst>
+              <a:ext uri="{FF2B5EF4-FFF2-40B4-BE49-F238E27FC236}">
+                <a16:creationId xmlns:a16="http://schemas.microsoft.com/office/drawing/2014/main" id="{D697FAD4-22CE-4876-9E5F-F136BE928098}"/>
+              </a:ext>
+            </a:extLst>
+          </p:cNvPr>
+          <p:cNvSpPr>
+            <a:spLocks noGrp="1"/>
+          </p:cNvSpPr>
+          <p:nvPr>
+            <p:ph type="sldNum" sz="quarter" idx="12"/>
+          </p:nvPr>
+        </p:nvSpPr>
+        <p:spPr/>
+        <p:txBody>
+          <a:bodyPr/>
+          <a:lstStyle/>
+          <a:p>
+            <a:fld id="{76A5C077-CD5E-4BED-A3AA-82686853085F}" type="slidenum">
+              <a:rPr lang="en-US" altLang="zh-CN" smtClean="0"/>
+              <a:t>‹#›</a:t>
+            </a:fld>
+            <a:endParaRPr lang="en-US" dirty="0"/>
+          </a:p>
+        </p:txBody>
+      </p:sp>
+    </p:spTree>
+    <p:extLst>
+      <p:ext uri="{BB962C8B-B14F-4D97-AF65-F5344CB8AC3E}">
+        <p14:creationId xmlns:p14="http://schemas.microsoft.com/office/powerpoint/2010/main" val="3455960191"/>
+      </p:ext>
+    </p:extLst>
+  </p:cSld>
+  <p:clrMapOvr>
+    <a:masterClrMapping/>
+  </p:clrMapOvr>
+  <p:hf hdr="0" ftr="0" dt="0"/>
 </p:sldLayout>
 </file>
 
@@ -20947,7 +22838,13 @@
       </p:grpSpPr>
       <p:sp>
         <p:nvSpPr>
-          <p:cNvPr id="2" name="Title Placeholder 1"/>
+          <p:cNvPr id="2" name="标题占位符 1">
+            <a:extLst>
+              <a:ext uri="{FF2B5EF4-FFF2-40B4-BE49-F238E27FC236}">
+                <a16:creationId xmlns:a16="http://schemas.microsoft.com/office/drawing/2014/main" id="{261B2DE4-AE24-47F8-AAF8-A07B3EDD5E89}"/>
+              </a:ext>
+            </a:extLst>
+          </p:cNvPr>
           <p:cNvSpPr>
             <a:spLocks noGrp="1"/>
           </p:cNvSpPr>
@@ -20974,13 +22871,18 @@
               <a:rPr lang="zh-CN" altLang="en-US"/>
               <a:t>单击此处编辑母版标题样式</a:t>
             </a:r>
-            <a:endParaRPr lang="en-US" dirty="0"/>
           </a:p>
         </p:txBody>
       </p:sp>
       <p:sp>
         <p:nvSpPr>
-          <p:cNvPr id="3" name="Text Placeholder 2"/>
+          <p:cNvPr id="3" name="文本占位符 2">
+            <a:extLst>
+              <a:ext uri="{FF2B5EF4-FFF2-40B4-BE49-F238E27FC236}">
+                <a16:creationId xmlns:a16="http://schemas.microsoft.com/office/drawing/2014/main" id="{76EA442B-565C-42B3-BCD8-15A276038162}"/>
+              </a:ext>
+            </a:extLst>
+          </p:cNvPr>
           <p:cNvSpPr>
             <a:spLocks noGrp="1"/>
           </p:cNvSpPr>
@@ -21036,13 +22938,18 @@
               <a:rPr lang="zh-CN" altLang="en-US"/>
               <a:t>五级</a:t>
             </a:r>
-            <a:endParaRPr lang="en-US" dirty="0"/>
           </a:p>
         </p:txBody>
       </p:sp>
       <p:sp>
         <p:nvSpPr>
-          <p:cNvPr id="4" name="Date Placeholder 3"/>
+          <p:cNvPr id="4" name="日期占位符 3">
+            <a:extLst>
+              <a:ext uri="{FF2B5EF4-FFF2-40B4-BE49-F238E27FC236}">
+                <a16:creationId xmlns:a16="http://schemas.microsoft.com/office/drawing/2014/main" id="{B312184A-ABFA-4380-92C1-440348DDB12C}"/>
+              </a:ext>
+            </a:extLst>
+          </p:cNvPr>
           <p:cNvSpPr>
             <a:spLocks noGrp="1"/>
           </p:cNvSpPr>
@@ -21079,7 +22986,13 @@
       </p:sp>
       <p:sp>
         <p:nvSpPr>
-          <p:cNvPr id="5" name="Footer Placeholder 4"/>
+          <p:cNvPr id="5" name="页脚占位符 4">
+            <a:extLst>
+              <a:ext uri="{FF2B5EF4-FFF2-40B4-BE49-F238E27FC236}">
+                <a16:creationId xmlns:a16="http://schemas.microsoft.com/office/drawing/2014/main" id="{F98D710A-9C53-4E73-9BD7-F524D5B9C0D0}"/>
+              </a:ext>
+            </a:extLst>
+          </p:cNvPr>
           <p:cNvSpPr>
             <a:spLocks noGrp="1"/>
           </p:cNvSpPr>
@@ -21116,7 +23029,13 @@
       </p:sp>
       <p:sp>
         <p:nvSpPr>
-          <p:cNvPr id="6" name="Slide Number Placeholder 5"/>
+          <p:cNvPr id="6" name="灯片编号占位符 5">
+            <a:extLst>
+              <a:ext uri="{FF2B5EF4-FFF2-40B4-BE49-F238E27FC236}">
+                <a16:creationId xmlns:a16="http://schemas.microsoft.com/office/drawing/2014/main" id="{608D720E-7925-457D-9473-852AF4CB91D2}"/>
+              </a:ext>
+            </a:extLst>
+          </p:cNvPr>
           <p:cNvSpPr>
             <a:spLocks noGrp="1"/>
           </p:cNvSpPr>
@@ -21126,8 +23045,8 @@
         </p:nvSpPr>
         <p:spPr>
           <a:xfrm>
-            <a:off x="4511824" y="6658027"/>
-            <a:ext cx="2743200" cy="227357"/>
+            <a:off x="8610600" y="6356350"/>
+            <a:ext cx="2743200" cy="365125"/>
           </a:xfrm>
           <a:prstGeom prst="rect">
             <a:avLst/>
@@ -21136,10 +23055,12 @@
         <p:txBody>
           <a:bodyPr vert="horz" lIns="91440" tIns="45720" rIns="91440" bIns="45720" rtlCol="0" anchor="ctr"/>
           <a:lstStyle>
-            <a:lvl1pPr algn="ctr">
+            <a:lvl1pPr algn="r">
               <a:defRPr sz="1200">
                 <a:solidFill>
-                  <a:schemeClr val="bg1"/>
+                  <a:schemeClr val="tx1">
+                    <a:tint val="75000"/>
+                  </a:schemeClr>
                 </a:solidFill>
               </a:defRPr>
             </a:lvl1pPr>
@@ -21154,12 +23075,26 @@
         </p:txBody>
       </p:sp>
     </p:spTree>
+    <p:extLst>
+      <p:ext uri="{BB962C8B-B14F-4D97-AF65-F5344CB8AC3E}">
+        <p14:creationId xmlns:p14="http://schemas.microsoft.com/office/powerpoint/2010/main" val="1237109706"/>
+      </p:ext>
+    </p:extLst>
   </p:cSld>
   <p:clrMap bg1="lt1" tx1="dk1" bg2="lt2" tx2="dk2" accent1="accent1" accent2="accent2" accent3="accent3" accent4="accent4" accent5="accent5" accent6="accent6" hlink="hlink" folHlink="folHlink"/>
   <p:sldLayoutIdLst>
-    <p:sldLayoutId id="2147483649" r:id="rId1"/>
-    <p:sldLayoutId id="2147483650" r:id="rId2"/>
-    <p:sldLayoutId id="2147483651" r:id="rId3"/>
+    <p:sldLayoutId id="2147483653" r:id="rId1"/>
+    <p:sldLayoutId id="2147483654" r:id="rId2"/>
+    <p:sldLayoutId id="2147483655" r:id="rId3"/>
+    <p:sldLayoutId id="2147483656" r:id="rId4"/>
+    <p:sldLayoutId id="2147483657" r:id="rId5"/>
+    <p:sldLayoutId id="2147483658" r:id="rId6"/>
+    <p:sldLayoutId id="2147483659" r:id="rId7"/>
+    <p:sldLayoutId id="2147483660" r:id="rId8"/>
+    <p:sldLayoutId id="2147483661" r:id="rId9"/>
+    <p:sldLayoutId id="2147483662" r:id="rId10"/>
+    <p:sldLayoutId id="2147483663" r:id="rId11"/>
+    <p:sldLayoutId id="2147483664" r:id="rId12"/>
   </p:sldLayoutIdLst>
   <p:hf hdr="0" ftr="0" dt="0"/>
   <p:txStyles>
@@ -21190,7 +23125,7 @@
         <a:spcBef>
           <a:spcPts val="1000"/>
         </a:spcBef>
-        <a:buFont typeface="Arial" panose="020B0604020202090204" pitchFamily="34" charset="0"/>
+        <a:buFont typeface="Arial" panose="020B0604020202020204" pitchFamily="34" charset="0"/>
         <a:buChar char="•"/>
         <a:defRPr sz="2800" kern="1200">
           <a:solidFill>
@@ -21208,7 +23143,7 @@
         <a:spcBef>
           <a:spcPts val="500"/>
         </a:spcBef>
-        <a:buFont typeface="Arial" panose="020B0604020202090204" pitchFamily="34" charset="0"/>
+        <a:buFont typeface="Arial" panose="020B0604020202020204" pitchFamily="34" charset="0"/>
         <a:buChar char="•"/>
         <a:defRPr sz="2400" kern="1200">
           <a:solidFill>
@@ -21226,7 +23161,7 @@
         <a:spcBef>
           <a:spcPts val="500"/>
         </a:spcBef>
-        <a:buFont typeface="Arial" panose="020B0604020202090204" pitchFamily="34" charset="0"/>
+        <a:buFont typeface="Arial" panose="020B0604020202020204" pitchFamily="34" charset="0"/>
         <a:buChar char="•"/>
         <a:defRPr sz="2000" kern="1200">
           <a:solidFill>
@@ -21244,7 +23179,7 @@
         <a:spcBef>
           <a:spcPts val="500"/>
         </a:spcBef>
-        <a:buFont typeface="Arial" panose="020B0604020202090204" pitchFamily="34" charset="0"/>
+        <a:buFont typeface="Arial" panose="020B0604020202020204" pitchFamily="34" charset="0"/>
         <a:buChar char="•"/>
         <a:defRPr sz="1800" kern="1200">
           <a:solidFill>
@@ -21262,7 +23197,7 @@
         <a:spcBef>
           <a:spcPts val="500"/>
         </a:spcBef>
-        <a:buFont typeface="Arial" panose="020B0604020202090204" pitchFamily="34" charset="0"/>
+        <a:buFont typeface="Arial" panose="020B0604020202020204" pitchFamily="34" charset="0"/>
         <a:buChar char="•"/>
         <a:defRPr sz="1800" kern="1200">
           <a:solidFill>
@@ -21280,7 +23215,7 @@
         <a:spcBef>
           <a:spcPts val="500"/>
         </a:spcBef>
-        <a:buFont typeface="Arial" panose="020B0604020202090204" pitchFamily="34" charset="0"/>
+        <a:buFont typeface="Arial" panose="020B0604020202020204" pitchFamily="34" charset="0"/>
         <a:buChar char="•"/>
         <a:defRPr sz="1800" kern="1200">
           <a:solidFill>
@@ -21298,7 +23233,7 @@
         <a:spcBef>
           <a:spcPts val="500"/>
         </a:spcBef>
-        <a:buFont typeface="Arial" panose="020B0604020202090204" pitchFamily="34" charset="0"/>
+        <a:buFont typeface="Arial" panose="020B0604020202020204" pitchFamily="34" charset="0"/>
         <a:buChar char="•"/>
         <a:defRPr sz="1800" kern="1200">
           <a:solidFill>
@@ -21316,7 +23251,7 @@
         <a:spcBef>
           <a:spcPts val="500"/>
         </a:spcBef>
-        <a:buFont typeface="Arial" panose="020B0604020202090204" pitchFamily="34" charset="0"/>
+        <a:buFont typeface="Arial" panose="020B0604020202020204" pitchFamily="34" charset="0"/>
         <a:buChar char="•"/>
         <a:defRPr sz="1800" kern="1200">
           <a:solidFill>
@@ -21334,7 +23269,7 @@
         <a:spcBef>
           <a:spcPts val="500"/>
         </a:spcBef>
-        <a:buFont typeface="Arial" panose="020B0604020202090204" pitchFamily="34" charset="0"/>
+        <a:buFont typeface="Arial" panose="020B0604020202020204" pitchFamily="34" charset="0"/>
         <a:buChar char="•"/>
         <a:defRPr sz="1800" kern="1200">
           <a:solidFill>
@@ -21348,7 +23283,7 @@
     </p:bodyStyle>
     <p:otherStyle>
       <a:defPPr>
-        <a:defRPr lang="en-US"/>
+        <a:defRPr lang="zh-CN"/>
       </a:defPPr>
       <a:lvl1pPr marL="0" algn="l" defTabSz="914400" rtl="0" eaLnBrk="1" latinLnBrk="0" hangingPunct="1">
         <a:defRPr sz="1800" kern="1200">
@@ -21929,30 +23864,6 @@
           </a:extLst>
         </p:spPr>
       </p:cxnSp>
-      <p:pic>
-        <p:nvPicPr>
-          <p:cNvPr id="2" name="图片 1"/>
-          <p:cNvPicPr>
-            <a:picLocks noChangeAspect="1"/>
-          </p:cNvPicPr>
-          <p:nvPr/>
-        </p:nvPicPr>
-        <p:blipFill>
-          <a:blip r:embed="rId3"/>
-          <a:stretch>
-            <a:fillRect/>
-          </a:stretch>
-        </p:blipFill>
-        <p:spPr>
-          <a:xfrm>
-            <a:off x="8904312" y="95248"/>
-            <a:ext cx="2486025" cy="590550"/>
-          </a:xfrm>
-          <a:prstGeom prst="rect">
-            <a:avLst/>
-          </a:prstGeom>
-        </p:spPr>
-      </p:pic>
     </p:spTree>
   </p:cSld>
   <p:clrMapOvr>
@@ -37538,9 +39449,9 @@
 </file>
 
 <file path=ppt/theme/theme1.xml><?xml version="1.0" encoding="utf-8"?>
-<a:theme xmlns:a="http://schemas.openxmlformats.org/drawingml/2006/main" name="1_Office 主题​​">
+<a:theme xmlns:a="http://schemas.openxmlformats.org/drawingml/2006/main" name="Office 主题​​">
   <a:themeElements>
-    <a:clrScheme name="Office 主题">
+    <a:clrScheme name="Office">
       <a:dk1>
         <a:sysClr val="windowText" lastClr="000000"/>
       </a:dk1>
@@ -37554,7 +39465,7 @@
         <a:srgbClr val="E7E6E6"/>
       </a:lt2>
       <a:accent1>
-        <a:srgbClr val="5B9BD5"/>
+        <a:srgbClr val="4472C4"/>
       </a:accent1>
       <a:accent2>
         <a:srgbClr val="ED7D31"/>
@@ -37566,7 +39477,7 @@
         <a:srgbClr val="FFC000"/>
       </a:accent4>
       <a:accent5>
-        <a:srgbClr val="4472C4"/>
+        <a:srgbClr val="5B9BD5"/>
       </a:accent5>
       <a:accent6>
         <a:srgbClr val="70AD47"/>
@@ -37578,18 +39489,70 @@
         <a:srgbClr val="954F72"/>
       </a:folHlink>
     </a:clrScheme>
-    <a:fontScheme name="视点">
+    <a:fontScheme name="Office">
       <a:majorFont>
-        <a:latin typeface="Verdana"/>
+        <a:latin typeface="等线 Light" panose="020F0302020204030204"/>
         <a:ea typeface=""/>
         <a:cs typeface=""/>
-        <a:font script="Jpan" typeface="ＭＳ ゴシック"/>
-        <a:font script="Hang" typeface="굴림"/>
-        <a:font script="Hans" typeface="微软雅黑"/>
-        <a:font script="Hant" typeface="微軟正黑體"/>
-        <a:font script="Arab" typeface="Tahoma"/>
-        <a:font script="Hebr" typeface="Tahoma"/>
-        <a:font script="Thai" typeface="FreesiaUPC"/>
+        <a:font script="Jpan" typeface="游ゴシック Light"/>
+        <a:font script="Hang" typeface="맑은 고딕"/>
+        <a:font script="Hans" typeface="等线 Light"/>
+        <a:font script="Hant" typeface="新細明體"/>
+        <a:font script="Arab" typeface="Times New Roman"/>
+        <a:font script="Hebr" typeface="Times New Roman"/>
+        <a:font script="Thai" typeface="Angsana New"/>
+        <a:font script="Ethi" typeface="Nyala"/>
+        <a:font script="Beng" typeface="Vrinda"/>
+        <a:font script="Gujr" typeface="Shruti"/>
+        <a:font script="Khmr" typeface="MoolBoran"/>
+        <a:font script="Knda" typeface="Tunga"/>
+        <a:font script="Guru" typeface="Raavi"/>
+        <a:font script="Cans" typeface="Euphemia"/>
+        <a:font script="Cher" typeface="Plantagenet Cherokee"/>
+        <a:font script="Yiii" typeface="Microsoft Yi Baiti"/>
+        <a:font script="Tibt" typeface="Microsoft Himalaya"/>
+        <a:font script="Thaa" typeface="MV Boli"/>
+        <a:font script="Deva" typeface="Mangal"/>
+        <a:font script="Telu" typeface="Gautami"/>
+        <a:font script="Taml" typeface="Latha"/>
+        <a:font script="Syrc" typeface="Estrangelo Edessa"/>
+        <a:font script="Orya" typeface="Kalinga"/>
+        <a:font script="Mlym" typeface="Kartika"/>
+        <a:font script="Laoo" typeface="DokChampa"/>
+        <a:font script="Sinh" typeface="Iskoola Pota"/>
+        <a:font script="Mong" typeface="Mongolian Baiti"/>
+        <a:font script="Viet" typeface="Times New Roman"/>
+        <a:font script="Uigh" typeface="Microsoft Uighur"/>
+        <a:font script="Geor" typeface="Sylfaen"/>
+        <a:font script="Armn" typeface="Arial"/>
+        <a:font script="Bugi" typeface="Leelawadee UI"/>
+        <a:font script="Bopo" typeface="Microsoft JhengHei"/>
+        <a:font script="Java" typeface="Javanese Text"/>
+        <a:font script="Lisu" typeface="Segoe UI"/>
+        <a:font script="Mymr" typeface="Myanmar Text"/>
+        <a:font script="Nkoo" typeface="Ebrima"/>
+        <a:font script="Olck" typeface="Nirmala UI"/>
+        <a:font script="Osma" typeface="Ebrima"/>
+        <a:font script="Phag" typeface="Phagspa"/>
+        <a:font script="Syrn" typeface="Estrangelo Edessa"/>
+        <a:font script="Syrj" typeface="Estrangelo Edessa"/>
+        <a:font script="Syre" typeface="Estrangelo Edessa"/>
+        <a:font script="Sora" typeface="Nirmala UI"/>
+        <a:font script="Tale" typeface="Microsoft Tai Le"/>
+        <a:font script="Talu" typeface="Microsoft New Tai Lue"/>
+        <a:font script="Tfng" typeface="Ebrima"/>
+      </a:majorFont>
+      <a:minorFont>
+        <a:latin typeface="等线" panose="020F0502020204030204"/>
+        <a:ea typeface=""/>
+        <a:cs typeface=""/>
+        <a:font script="Jpan" typeface="游ゴシック"/>
+        <a:font script="Hang" typeface="맑은 고딕"/>
+        <a:font script="Hans" typeface="等线"/>
+        <a:font script="Hant" typeface="新細明體"/>
+        <a:font script="Arab" typeface="Arial"/>
+        <a:font script="Hebr" typeface="Arial"/>
+        <a:font script="Thai" typeface="Cordia New"/>
         <a:font script="Ethi" typeface="Nyala"/>
         <a:font script="Beng" typeface="Vrinda"/>
         <a:font script="Gujr" typeface="Shruti"/>
@@ -37610,47 +39573,29 @@
         <a:font script="Laoo" typeface="DokChampa"/>
         <a:font script="Sinh" typeface="Iskoola Pota"/>
         <a:font script="Mong" typeface="Mongolian Baiti"/>
-        <a:font script="Viet" typeface="Verdana"/>
+        <a:font script="Viet" typeface="Arial"/>
         <a:font script="Uigh" typeface="Microsoft Uighur"/>
         <a:font script="Geor" typeface="Sylfaen"/>
-      </a:majorFont>
-      <a:minorFont>
-        <a:latin typeface="Verdana"/>
-        <a:ea typeface=""/>
-        <a:cs typeface=""/>
-        <a:font script="Jpan" typeface="ＭＳ ゴシック"/>
-        <a:font script="Hang" typeface="굴림"/>
-        <a:font script="Hans" typeface="微软雅黑"/>
-        <a:font script="Hant" typeface="微軟正黑體"/>
-        <a:font script="Arab" typeface="Tahoma"/>
-        <a:font script="Hebr" typeface="Tahoma"/>
-        <a:font script="Thai" typeface="FreesiaUPC"/>
-        <a:font script="Ethi" typeface="Nyala"/>
-        <a:font script="Beng" typeface="Vrinda"/>
-        <a:font script="Gujr" typeface="Shruti"/>
-        <a:font script="Khmr" typeface="DaunPenh"/>
-        <a:font script="Knda" typeface="Tunga"/>
-        <a:font script="Guru" typeface="Raavi"/>
-        <a:font script="Cans" typeface="Euphemia"/>
-        <a:font script="Cher" typeface="Plantagenet Cherokee"/>
-        <a:font script="Yiii" typeface="Microsoft Yi Baiti"/>
-        <a:font script="Tibt" typeface="Microsoft Himalaya"/>
-        <a:font script="Thaa" typeface="MV Boli"/>
-        <a:font script="Deva" typeface="Mangal"/>
-        <a:font script="Telu" typeface="Gautami"/>
-        <a:font script="Taml" typeface="Latha"/>
-        <a:font script="Syrc" typeface="Estrangelo Edessa"/>
-        <a:font script="Orya" typeface="Kalinga"/>
-        <a:font script="Mlym" typeface="Kartika"/>
-        <a:font script="Laoo" typeface="DokChampa"/>
-        <a:font script="Sinh" typeface="Iskoola Pota"/>
-        <a:font script="Mong" typeface="Mongolian Baiti"/>
-        <a:font script="Viet" typeface="Verdana"/>
-        <a:font script="Uigh" typeface="Microsoft Uighur"/>
-        <a:font script="Geor" typeface="Sylfaen"/>
+        <a:font script="Armn" typeface="Arial"/>
+        <a:font script="Bugi" typeface="Leelawadee UI"/>
+        <a:font script="Bopo" typeface="Microsoft JhengHei"/>
+        <a:font script="Java" typeface="Javanese Text"/>
+        <a:font script="Lisu" typeface="Segoe UI"/>
+        <a:font script="Mymr" typeface="Myanmar Text"/>
+        <a:font script="Nkoo" typeface="Ebrima"/>
+        <a:font script="Olck" typeface="Nirmala UI"/>
+        <a:font script="Osma" typeface="Ebrima"/>
+        <a:font script="Phag" typeface="Phagspa"/>
+        <a:font script="Syrn" typeface="Estrangelo Edessa"/>
+        <a:font script="Syrj" typeface="Estrangelo Edessa"/>
+        <a:font script="Syre" typeface="Estrangelo Edessa"/>
+        <a:font script="Sora" typeface="Nirmala UI"/>
+        <a:font script="Tale" typeface="Microsoft Tai Le"/>
+        <a:font script="Talu" typeface="Microsoft New Tai Lue"/>
+        <a:font script="Tfng" typeface="Ebrima"/>
       </a:minorFont>
     </a:fontScheme>
-    <a:fmtScheme name="Office 主题">
+    <a:fmtScheme name="Office">
       <a:fillStyleLst>
         <a:solidFill>
           <a:schemeClr val="phClr"/>
